--- a/Parte 4/Presentazione TedxTok(parte 4).pptx
+++ b/Parte 4/Presentazione TedxTok(parte 4).pptx
@@ -5,37 +5,38 @@
     <p:sldMasterId id="2147483648" r:id="rId1"/>
   </p:sldMasterIdLst>
   <p:notesMasterIdLst>
-    <p:notesMasterId r:id="rId13"/>
+    <p:notesMasterId r:id="rId14"/>
   </p:notesMasterIdLst>
   <p:sldIdLst>
     <p:sldId id="256" r:id="rId2"/>
-    <p:sldId id="267" r:id="rId3"/>
-    <p:sldId id="262" r:id="rId4"/>
+    <p:sldId id="272" r:id="rId3"/>
+    <p:sldId id="267" r:id="rId4"/>
     <p:sldId id="257" r:id="rId5"/>
-    <p:sldId id="271" r:id="rId6"/>
-    <p:sldId id="270" r:id="rId7"/>
-    <p:sldId id="268" r:id="rId8"/>
-    <p:sldId id="266" r:id="rId9"/>
-    <p:sldId id="260" r:id="rId10"/>
-    <p:sldId id="269" r:id="rId11"/>
-    <p:sldId id="264" r:id="rId12"/>
+    <p:sldId id="273" r:id="rId6"/>
+    <p:sldId id="269" r:id="rId7"/>
+    <p:sldId id="271" r:id="rId8"/>
+    <p:sldId id="270" r:id="rId9"/>
+    <p:sldId id="268" r:id="rId10"/>
+    <p:sldId id="260" r:id="rId11"/>
+    <p:sldId id="274" r:id="rId12"/>
+    <p:sldId id="264" r:id="rId13"/>
   </p:sldIdLst>
   <p:sldSz cx="12192000" cy="6858000"/>
   <p:notesSz cx="6858000" cy="9144000"/>
   <p:embeddedFontLst>
     <p:embeddedFont>
       <p:font typeface="Lato" panose="020F0502020204030203" pitchFamily="34" charset="0"/>
-      <p:regular r:id="rId14"/>
-      <p:bold r:id="rId15"/>
-      <p:italic r:id="rId16"/>
-      <p:boldItalic r:id="rId17"/>
+      <p:regular r:id="rId15"/>
+      <p:bold r:id="rId16"/>
+      <p:italic r:id="rId17"/>
+      <p:boldItalic r:id="rId18"/>
     </p:embeddedFont>
     <p:embeddedFont>
       <p:font typeface="Montserrat" panose="00000500000000000000" pitchFamily="2" charset="0"/>
-      <p:regular r:id="rId18"/>
-      <p:bold r:id="rId19"/>
-      <p:italic r:id="rId20"/>
-      <p:boldItalic r:id="rId21"/>
+      <p:regular r:id="rId19"/>
+      <p:bold r:id="rId20"/>
+      <p:italic r:id="rId21"/>
+      <p:boldItalic r:id="rId22"/>
     </p:embeddedFont>
   </p:embeddedFontLst>
   <p:defaultTextStyle>
@@ -272,7 +273,7 @@
       <p15:sldGuideLst xmlns:p15="http://schemas.microsoft.com/office/powerpoint/2012/main"/>
     </p:ext>
     <p:ext uri="GoogleSlidesCustomDataVersion2">
-      <go:slidesCustomData xmlns="" xmlns:mc="http://schemas.openxmlformats.org/markup-compatibility/2006" xmlns:mv="urn:schemas-microsoft-com:mac:vml" xmlns:c="http://schemas.openxmlformats.org/drawingml/2006/chart" xmlns:dgm="http://schemas.openxmlformats.org/drawingml/2006/diagram" xmlns:o="urn:schemas-microsoft-com:office:office" xmlns:v="urn:schemas-microsoft-com:vml" xmlns:pvml="urn:schemas-microsoft-com:office:powerpoint" xmlns:com="http://schemas.openxmlformats.org/drawingml/2006/compatibility" xmlns:p14="http://schemas.microsoft.com/office/powerpoint/2010/main" xmlns:p15="http://schemas.microsoft.com/office/powerpoint/2012/main" xmlns:ahyp="http://schemas.microsoft.com/office/drawing/2018/hyperlinkcolor" xmlns:go="http://customooxmlschemas.google.com/" r:id="rId22" roundtripDataSignature="AMtx7mhz1SmdKV2hiuRVC0M0Qv/I3R/bJw=="/>
+      <go:slidesCustomData xmlns:go="http://customooxmlschemas.google.com/" xmlns:ahyp="http://schemas.microsoft.com/office/drawing/2018/hyperlinkcolor" xmlns:p15="http://schemas.microsoft.com/office/powerpoint/2012/main" xmlns:p14="http://schemas.microsoft.com/office/powerpoint/2010/main" xmlns:com="http://schemas.openxmlformats.org/drawingml/2006/compatibility" xmlns:pvml="urn:schemas-microsoft-com:office:powerpoint" xmlns:v="urn:schemas-microsoft-com:vml" xmlns:o="urn:schemas-microsoft-com:office:office" xmlns:dgm="http://schemas.openxmlformats.org/drawingml/2006/diagram" xmlns:c="http://schemas.openxmlformats.org/drawingml/2006/chart" xmlns:mv="urn:schemas-microsoft-com:mac:vml" xmlns:mc="http://schemas.openxmlformats.org/markup-compatibility/2006" xmlns="" r:id="rId23" roundtripDataSignature="AMtx7mhz1SmdKV2hiuRVC0M0Qv/I3R/bJw=="/>
     </p:ext>
   </p:extLst>
 </p:presentation>
@@ -1094,9 +1095,131 @@
         </p:spPr>
       </p:sp>
     </p:spTree>
+  </p:cSld>
+  <p:clrMapOvr>
+    <a:masterClrMapping/>
+  </p:clrMapOvr>
+</p:notes>
+</file>
+
+<file path=ppt/notesSlides/notesSlide11.xml><?xml version="1.0" encoding="utf-8"?>
+<p:notes xmlns:a="http://schemas.openxmlformats.org/drawingml/2006/main" xmlns:r="http://schemas.openxmlformats.org/officeDocument/2006/relationships" xmlns:p="http://schemas.openxmlformats.org/presentationml/2006/main" showMasterSp="0" showMasterPhAnim="0">
+  <p:cSld>
+    <p:spTree>
+      <p:nvGrpSpPr>
+        <p:cNvPr id="1" name="Shape 162"/>
+        <p:cNvGrpSpPr/>
+        <p:nvPr/>
+      </p:nvGrpSpPr>
+      <p:grpSpPr>
+        <a:xfrm>
+          <a:off x="0" y="0"/>
+          <a:ext cx="0" cy="0"/>
+          <a:chOff x="0" y="0"/>
+          <a:chExt cx="0" cy="0"/>
+        </a:xfrm>
+      </p:grpSpPr>
+      <p:sp>
+        <p:nvSpPr>
+          <p:cNvPr id="163" name="Google Shape;163;g2dae90a407d_2_2:notes"/>
+          <p:cNvSpPr txBox="1">
+            <a:spLocks noGrp="1"/>
+          </p:cNvSpPr>
+          <p:nvPr>
+            <p:ph type="body" idx="1"/>
+          </p:nvPr>
+        </p:nvSpPr>
+        <p:spPr>
+          <a:xfrm>
+            <a:off x="685800" y="4343400"/>
+            <a:ext cx="5486400" cy="4114800"/>
+          </a:xfrm>
+          <a:prstGeom prst="rect">
+            <a:avLst/>
+          </a:prstGeom>
+          <a:noFill/>
+          <a:ln>
+            <a:noFill/>
+          </a:ln>
+        </p:spPr>
+        <p:txBody>
+          <a:bodyPr spcFirstLastPara="1" wrap="square" lIns="91425" tIns="91425" rIns="91425" bIns="91425" anchor="t" anchorCtr="0">
+            <a:noAutofit/>
+          </a:bodyPr>
+          <a:lstStyle/>
+          <a:p>
+            <a:pPr marL="0" lvl="0" indent="0" algn="l" rtl="0">
+              <a:lnSpc>
+                <a:spcPct val="100000"/>
+              </a:lnSpc>
+              <a:spcBef>
+                <a:spcPts val="0"/>
+              </a:spcBef>
+              <a:spcAft>
+                <a:spcPts val="0"/>
+              </a:spcAft>
+              <a:buSzPts val="1100"/>
+              <a:buNone/>
+            </a:pPr>
+            <a:endParaRPr/>
+          </a:p>
+        </p:txBody>
+      </p:sp>
+      <p:sp>
+        <p:nvSpPr>
+          <p:cNvPr id="164" name="Google Shape;164;g2dae90a407d_2_2:notes"/>
+          <p:cNvSpPr>
+            <a:spLocks noGrp="1" noRot="1" noChangeAspect="1"/>
+          </p:cNvSpPr>
+          <p:nvPr>
+            <p:ph type="sldImg" idx="2"/>
+          </p:nvPr>
+        </p:nvSpPr>
+        <p:spPr>
+          <a:xfrm>
+            <a:off x="381000" y="685800"/>
+            <a:ext cx="6096000" cy="3429000"/>
+          </a:xfrm>
+          <a:custGeom>
+            <a:avLst/>
+            <a:gdLst/>
+            <a:ahLst/>
+            <a:cxnLst/>
+            <a:rect l="l" t="t" r="r" b="b"/>
+            <a:pathLst>
+              <a:path w="120000" h="120000" extrusionOk="0">
+                <a:moveTo>
+                  <a:pt x="0" y="0"/>
+                </a:moveTo>
+                <a:lnTo>
+                  <a:pt x="120000" y="0"/>
+                </a:lnTo>
+                <a:lnTo>
+                  <a:pt x="120000" y="120000"/>
+                </a:lnTo>
+                <a:lnTo>
+                  <a:pt x="0" y="120000"/>
+                </a:lnTo>
+                <a:close/>
+              </a:path>
+            </a:pathLst>
+          </a:custGeom>
+          <a:noFill/>
+          <a:ln w="9525" cap="flat" cmpd="sng">
+            <a:solidFill>
+              <a:srgbClr val="000000"/>
+            </a:solidFill>
+            <a:prstDash val="solid"/>
+            <a:round/>
+            <a:headEnd type="none" w="sm" len="sm"/>
+            <a:tailEnd type="none" w="sm" len="sm"/>
+          </a:ln>
+        </p:spPr>
+      </p:sp>
+    </p:spTree>
     <p:extLst>
       <p:ext uri="{BB962C8B-B14F-4D97-AF65-F5344CB8AC3E}">
-        <p14:creationId xmlns:p14="http://schemas.microsoft.com/office/powerpoint/2010/main" val="2976894477"/>
+        <p14:creationId xmlns:p14="http://schemas.microsoft.com/office/powerpoint/2010/main" val="2275590695"/>
       </p:ext>
     </p:extLst>
   </p:cSld>
@@ -1106,7 +1229,7 @@
 </p:notes>
 </file>
 
-<file path=ppt/notesSlides/notesSlide11.xml><?xml version="1.0" encoding="utf-8"?>
+<file path=ppt/notesSlides/notesSlide12.xml><?xml version="1.0" encoding="utf-8"?>
 <p:notes xmlns:a="http://schemas.openxmlformats.org/drawingml/2006/main" xmlns:r="http://schemas.openxmlformats.org/officeDocument/2006/relationships" xmlns:p="http://schemas.openxmlformats.org/presentationml/2006/main" showMasterSp="0" showMasterPhAnim="0">
   <p:cSld>
     <p:spTree>
@@ -1233,7 +1356,7 @@
   <p:cSld>
     <p:spTree>
       <p:nvGrpSpPr>
-        <p:cNvPr id="1" name="Shape 173"/>
+        <p:cNvPr id="1" name="Shape 168"/>
         <p:cNvGrpSpPr/>
         <p:nvPr/>
       </p:nvGrpSpPr>
@@ -1247,7 +1370,53 @@
       </p:grpSpPr>
       <p:sp>
         <p:nvSpPr>
-          <p:cNvPr id="174" name="Google Shape;174;g2dae90a407d_1_0:notes"/>
+          <p:cNvPr id="169" name="Google Shape;169;g2dae90a407d_2_7:notes"/>
+          <p:cNvSpPr txBox="1">
+            <a:spLocks noGrp="1"/>
+          </p:cNvSpPr>
+          <p:nvPr>
+            <p:ph type="body" idx="1"/>
+          </p:nvPr>
+        </p:nvSpPr>
+        <p:spPr>
+          <a:xfrm>
+            <a:off x="685800" y="4343400"/>
+            <a:ext cx="5486400" cy="4114800"/>
+          </a:xfrm>
+          <a:prstGeom prst="rect">
+            <a:avLst/>
+          </a:prstGeom>
+          <a:noFill/>
+          <a:ln>
+            <a:noFill/>
+          </a:ln>
+        </p:spPr>
+        <p:txBody>
+          <a:bodyPr spcFirstLastPara="1" wrap="square" lIns="91425" tIns="91425" rIns="91425" bIns="91425" anchor="t" anchorCtr="0">
+            <a:noAutofit/>
+          </a:bodyPr>
+          <a:lstStyle/>
+          <a:p>
+            <a:pPr marL="0" lvl="0" indent="0" algn="l" rtl="0">
+              <a:lnSpc>
+                <a:spcPct val="100000"/>
+              </a:lnSpc>
+              <a:spcBef>
+                <a:spcPts val="0"/>
+              </a:spcBef>
+              <a:spcAft>
+                <a:spcPts val="0"/>
+              </a:spcAft>
+              <a:buSzPts val="1100"/>
+              <a:buNone/>
+            </a:pPr>
+            <a:endParaRPr/>
+          </a:p>
+        </p:txBody>
+      </p:sp>
+      <p:sp>
+        <p:nvSpPr>
+          <p:cNvPr id="170" name="Google Shape;170;g2dae90a407d_2_7:notes"/>
           <p:cNvSpPr>
             <a:spLocks noGrp="1" noRot="1" noChangeAspect="1"/>
           </p:cNvSpPr>
@@ -1296,56 +1465,10 @@
           </a:ln>
         </p:spPr>
       </p:sp>
-      <p:sp>
-        <p:nvSpPr>
-          <p:cNvPr id="175" name="Google Shape;175;g2dae90a407d_1_0:notes"/>
-          <p:cNvSpPr txBox="1">
-            <a:spLocks noGrp="1"/>
-          </p:cNvSpPr>
-          <p:nvPr>
-            <p:ph type="body" idx="1"/>
-          </p:nvPr>
-        </p:nvSpPr>
-        <p:spPr>
-          <a:xfrm>
-            <a:off x="685800" y="4343400"/>
-            <a:ext cx="5486400" cy="4114800"/>
-          </a:xfrm>
-          <a:prstGeom prst="rect">
-            <a:avLst/>
-          </a:prstGeom>
-          <a:noFill/>
-          <a:ln>
-            <a:noFill/>
-          </a:ln>
-        </p:spPr>
-        <p:txBody>
-          <a:bodyPr spcFirstLastPara="1" wrap="square" lIns="91425" tIns="91425" rIns="91425" bIns="91425" anchor="t" anchorCtr="0">
-            <a:noAutofit/>
-          </a:bodyPr>
-          <a:lstStyle/>
-          <a:p>
-            <a:pPr marL="0" lvl="0" indent="0" algn="l" rtl="0">
-              <a:lnSpc>
-                <a:spcPct val="100000"/>
-              </a:lnSpc>
-              <a:spcBef>
-                <a:spcPts val="0"/>
-              </a:spcBef>
-              <a:spcAft>
-                <a:spcPts val="0"/>
-              </a:spcAft>
-              <a:buSzPts val="1100"/>
-              <a:buNone/>
-            </a:pPr>
-            <a:endParaRPr/>
-          </a:p>
-        </p:txBody>
-      </p:sp>
     </p:spTree>
     <p:extLst>
       <p:ext uri="{BB962C8B-B14F-4D97-AF65-F5344CB8AC3E}">
-        <p14:creationId xmlns:p14="http://schemas.microsoft.com/office/powerpoint/2010/main" val="977497876"/>
+        <p14:creationId xmlns:p14="http://schemas.microsoft.com/office/powerpoint/2010/main" val="2484687591"/>
       </p:ext>
     </p:extLst>
   </p:cSld>
@@ -1470,6 +1593,11 @@
         </p:txBody>
       </p:sp>
     </p:spTree>
+    <p:extLst>
+      <p:ext uri="{BB962C8B-B14F-4D97-AF65-F5344CB8AC3E}">
+        <p14:creationId xmlns:p14="http://schemas.microsoft.com/office/powerpoint/2010/main" val="977497876"/>
+      </p:ext>
+    </p:extLst>
   </p:cSld>
   <p:clrMapOvr>
     <a:masterClrMapping/>
@@ -1604,7 +1732,7 @@
   <p:cSld>
     <p:spTree>
       <p:nvGrpSpPr>
-        <p:cNvPr id="1" name="Shape 173"/>
+        <p:cNvPr id="1" name="Shape 162"/>
         <p:cNvGrpSpPr/>
         <p:nvPr/>
       </p:nvGrpSpPr>
@@ -1618,7 +1746,53 @@
       </p:grpSpPr>
       <p:sp>
         <p:nvSpPr>
-          <p:cNvPr id="174" name="Google Shape;174;g2dae90a407d_1_0:notes"/>
+          <p:cNvPr id="163" name="Google Shape;163;g2dae90a407d_2_2:notes"/>
+          <p:cNvSpPr txBox="1">
+            <a:spLocks noGrp="1"/>
+          </p:cNvSpPr>
+          <p:nvPr>
+            <p:ph type="body" idx="1"/>
+          </p:nvPr>
+        </p:nvSpPr>
+        <p:spPr>
+          <a:xfrm>
+            <a:off x="685800" y="4343400"/>
+            <a:ext cx="5486400" cy="4114800"/>
+          </a:xfrm>
+          <a:prstGeom prst="rect">
+            <a:avLst/>
+          </a:prstGeom>
+          <a:noFill/>
+          <a:ln>
+            <a:noFill/>
+          </a:ln>
+        </p:spPr>
+        <p:txBody>
+          <a:bodyPr spcFirstLastPara="1" wrap="square" lIns="91425" tIns="91425" rIns="91425" bIns="91425" anchor="t" anchorCtr="0">
+            <a:noAutofit/>
+          </a:bodyPr>
+          <a:lstStyle/>
+          <a:p>
+            <a:pPr marL="0" lvl="0" indent="0" algn="l" rtl="0">
+              <a:lnSpc>
+                <a:spcPct val="100000"/>
+              </a:lnSpc>
+              <a:spcBef>
+                <a:spcPts val="0"/>
+              </a:spcBef>
+              <a:spcAft>
+                <a:spcPts val="0"/>
+              </a:spcAft>
+              <a:buSzPts val="1100"/>
+              <a:buNone/>
+            </a:pPr>
+            <a:endParaRPr/>
+          </a:p>
+        </p:txBody>
+      </p:sp>
+      <p:sp>
+        <p:nvSpPr>
+          <p:cNvPr id="164" name="Google Shape;164;g2dae90a407d_2_2:notes"/>
           <p:cNvSpPr>
             <a:spLocks noGrp="1" noRot="1" noChangeAspect="1"/>
           </p:cNvSpPr>
@@ -1667,9 +1841,39 @@
           </a:ln>
         </p:spPr>
       </p:sp>
+    </p:spTree>
+    <p:extLst>
+      <p:ext uri="{BB962C8B-B14F-4D97-AF65-F5344CB8AC3E}">
+        <p14:creationId xmlns:p14="http://schemas.microsoft.com/office/powerpoint/2010/main" val="2269070668"/>
+      </p:ext>
+    </p:extLst>
+  </p:cSld>
+  <p:clrMapOvr>
+    <a:masterClrMapping/>
+  </p:clrMapOvr>
+</p:notes>
+</file>
+
+<file path=ppt/notesSlides/notesSlide6.xml><?xml version="1.0" encoding="utf-8"?>
+<p:notes xmlns:a="http://schemas.openxmlformats.org/drawingml/2006/main" xmlns:r="http://schemas.openxmlformats.org/officeDocument/2006/relationships" xmlns:p="http://schemas.openxmlformats.org/presentationml/2006/main" showMasterSp="0" showMasterPhAnim="0">
+  <p:cSld>
+    <p:spTree>
+      <p:nvGrpSpPr>
+        <p:cNvPr id="1" name="Shape 162"/>
+        <p:cNvGrpSpPr/>
+        <p:nvPr/>
+      </p:nvGrpSpPr>
+      <p:grpSpPr>
+        <a:xfrm>
+          <a:off x="0" y="0"/>
+          <a:ext cx="0" cy="0"/>
+          <a:chOff x="0" y="0"/>
+          <a:chExt cx="0" cy="0"/>
+        </a:xfrm>
+      </p:grpSpPr>
       <p:sp>
         <p:nvSpPr>
-          <p:cNvPr id="175" name="Google Shape;175;g2dae90a407d_1_0:notes"/>
+          <p:cNvPr id="163" name="Google Shape;163;g2dae90a407d_2_2:notes"/>
           <p:cNvSpPr txBox="1">
             <a:spLocks noGrp="1"/>
           </p:cNvSpPr>
@@ -1713,39 +1917,9 @@
           </a:p>
         </p:txBody>
       </p:sp>
-    </p:spTree>
-    <p:extLst>
-      <p:ext uri="{BB962C8B-B14F-4D97-AF65-F5344CB8AC3E}">
-        <p14:creationId xmlns:p14="http://schemas.microsoft.com/office/powerpoint/2010/main" val="4267659669"/>
-      </p:ext>
-    </p:extLst>
-  </p:cSld>
-  <p:clrMapOvr>
-    <a:masterClrMapping/>
-  </p:clrMapOvr>
-</p:notes>
-</file>
-
-<file path=ppt/notesSlides/notesSlide6.xml><?xml version="1.0" encoding="utf-8"?>
-<p:notes xmlns:a="http://schemas.openxmlformats.org/drawingml/2006/main" xmlns:r="http://schemas.openxmlformats.org/officeDocument/2006/relationships" xmlns:p="http://schemas.openxmlformats.org/presentationml/2006/main" showMasterSp="0" showMasterPhAnim="0">
-  <p:cSld>
-    <p:spTree>
-      <p:nvGrpSpPr>
-        <p:cNvPr id="1" name="Shape 173"/>
-        <p:cNvGrpSpPr/>
-        <p:nvPr/>
-      </p:nvGrpSpPr>
-      <p:grpSpPr>
-        <a:xfrm>
-          <a:off x="0" y="0"/>
-          <a:ext cx="0" cy="0"/>
-          <a:chOff x="0" y="0"/>
-          <a:chExt cx="0" cy="0"/>
-        </a:xfrm>
-      </p:grpSpPr>
       <p:sp>
         <p:nvSpPr>
-          <p:cNvPr id="174" name="Google Shape;174;g2dae90a407d_1_0:notes"/>
+          <p:cNvPr id="164" name="Google Shape;164;g2dae90a407d_2_2:notes"/>
           <p:cNvSpPr>
             <a:spLocks noGrp="1" noRot="1" noChangeAspect="1"/>
           </p:cNvSpPr>
@@ -1794,56 +1968,10 @@
           </a:ln>
         </p:spPr>
       </p:sp>
-      <p:sp>
-        <p:nvSpPr>
-          <p:cNvPr id="175" name="Google Shape;175;g2dae90a407d_1_0:notes"/>
-          <p:cNvSpPr txBox="1">
-            <a:spLocks noGrp="1"/>
-          </p:cNvSpPr>
-          <p:nvPr>
-            <p:ph type="body" idx="1"/>
-          </p:nvPr>
-        </p:nvSpPr>
-        <p:spPr>
-          <a:xfrm>
-            <a:off x="685800" y="4343400"/>
-            <a:ext cx="5486400" cy="4114800"/>
-          </a:xfrm>
-          <a:prstGeom prst="rect">
-            <a:avLst/>
-          </a:prstGeom>
-          <a:noFill/>
-          <a:ln>
-            <a:noFill/>
-          </a:ln>
-        </p:spPr>
-        <p:txBody>
-          <a:bodyPr spcFirstLastPara="1" wrap="square" lIns="91425" tIns="91425" rIns="91425" bIns="91425" anchor="t" anchorCtr="0">
-            <a:noAutofit/>
-          </a:bodyPr>
-          <a:lstStyle/>
-          <a:p>
-            <a:pPr marL="0" lvl="0" indent="0" algn="l" rtl="0">
-              <a:lnSpc>
-                <a:spcPct val="100000"/>
-              </a:lnSpc>
-              <a:spcBef>
-                <a:spcPts val="0"/>
-              </a:spcBef>
-              <a:spcAft>
-                <a:spcPts val="0"/>
-              </a:spcAft>
-              <a:buSzPts val="1100"/>
-              <a:buNone/>
-            </a:pPr>
-            <a:endParaRPr/>
-          </a:p>
-        </p:txBody>
-      </p:sp>
     </p:spTree>
     <p:extLst>
       <p:ext uri="{BB962C8B-B14F-4D97-AF65-F5344CB8AC3E}">
-        <p14:creationId xmlns:p14="http://schemas.microsoft.com/office/powerpoint/2010/main" val="3509276426"/>
+        <p14:creationId xmlns:p14="http://schemas.microsoft.com/office/powerpoint/2010/main" val="2976894477"/>
       </p:ext>
     </p:extLst>
   </p:cSld>
@@ -1970,7 +2098,7 @@
     </p:spTree>
     <p:extLst>
       <p:ext uri="{BB962C8B-B14F-4D97-AF65-F5344CB8AC3E}">
-        <p14:creationId xmlns:p14="http://schemas.microsoft.com/office/powerpoint/2010/main" val="3582275665"/>
+        <p14:creationId xmlns:p14="http://schemas.microsoft.com/office/powerpoint/2010/main" val="4267659669"/>
       </p:ext>
     </p:extLst>
   </p:cSld>
@@ -1985,7 +2113,7 @@
   <p:cSld>
     <p:spTree>
       <p:nvGrpSpPr>
-        <p:cNvPr id="1" name="Shape 168"/>
+        <p:cNvPr id="1" name="Shape 173"/>
         <p:cNvGrpSpPr/>
         <p:nvPr/>
       </p:nvGrpSpPr>
@@ -1999,53 +2127,7 @@
       </p:grpSpPr>
       <p:sp>
         <p:nvSpPr>
-          <p:cNvPr id="169" name="Google Shape;169;g2dae90a407d_2_7:notes"/>
-          <p:cNvSpPr txBox="1">
-            <a:spLocks noGrp="1"/>
-          </p:cNvSpPr>
-          <p:nvPr>
-            <p:ph type="body" idx="1"/>
-          </p:nvPr>
-        </p:nvSpPr>
-        <p:spPr>
-          <a:xfrm>
-            <a:off x="685800" y="4343400"/>
-            <a:ext cx="5486400" cy="4114800"/>
-          </a:xfrm>
-          <a:prstGeom prst="rect">
-            <a:avLst/>
-          </a:prstGeom>
-          <a:noFill/>
-          <a:ln>
-            <a:noFill/>
-          </a:ln>
-        </p:spPr>
-        <p:txBody>
-          <a:bodyPr spcFirstLastPara="1" wrap="square" lIns="91425" tIns="91425" rIns="91425" bIns="91425" anchor="t" anchorCtr="0">
-            <a:noAutofit/>
-          </a:bodyPr>
-          <a:lstStyle/>
-          <a:p>
-            <a:pPr marL="0" lvl="0" indent="0" algn="l" rtl="0">
-              <a:lnSpc>
-                <a:spcPct val="100000"/>
-              </a:lnSpc>
-              <a:spcBef>
-                <a:spcPts val="0"/>
-              </a:spcBef>
-              <a:spcAft>
-                <a:spcPts val="0"/>
-              </a:spcAft>
-              <a:buSzPts val="1100"/>
-              <a:buNone/>
-            </a:pPr>
-            <a:endParaRPr/>
-          </a:p>
-        </p:txBody>
-      </p:sp>
-      <p:sp>
-        <p:nvSpPr>
-          <p:cNvPr id="170" name="Google Shape;170;g2dae90a407d_2_7:notes"/>
+          <p:cNvPr id="174" name="Google Shape;174;g2dae90a407d_1_0:notes"/>
           <p:cNvSpPr>
             <a:spLocks noGrp="1" noRot="1" noChangeAspect="1"/>
           </p:cNvSpPr>
@@ -2094,39 +2176,9 @@
           </a:ln>
         </p:spPr>
       </p:sp>
-    </p:spTree>
-    <p:extLst>
-      <p:ext uri="{BB962C8B-B14F-4D97-AF65-F5344CB8AC3E}">
-        <p14:creationId xmlns:p14="http://schemas.microsoft.com/office/powerpoint/2010/main" val="3829762989"/>
-      </p:ext>
-    </p:extLst>
-  </p:cSld>
-  <p:clrMapOvr>
-    <a:masterClrMapping/>
-  </p:clrMapOvr>
-</p:notes>
-</file>
-
-<file path=ppt/notesSlides/notesSlide9.xml><?xml version="1.0" encoding="utf-8"?>
-<p:notes xmlns:a="http://schemas.openxmlformats.org/drawingml/2006/main" xmlns:r="http://schemas.openxmlformats.org/officeDocument/2006/relationships" xmlns:p="http://schemas.openxmlformats.org/presentationml/2006/main" showMasterSp="0" showMasterPhAnim="0">
-  <p:cSld>
-    <p:spTree>
-      <p:nvGrpSpPr>
-        <p:cNvPr id="1" name="Shape 162"/>
-        <p:cNvGrpSpPr/>
-        <p:nvPr/>
-      </p:nvGrpSpPr>
-      <p:grpSpPr>
-        <a:xfrm>
-          <a:off x="0" y="0"/>
-          <a:ext cx="0" cy="0"/>
-          <a:chOff x="0" y="0"/>
-          <a:chExt cx="0" cy="0"/>
-        </a:xfrm>
-      </p:grpSpPr>
       <p:sp>
         <p:nvSpPr>
-          <p:cNvPr id="163" name="Google Shape;163;g2dae90a407d_2_2:notes"/>
+          <p:cNvPr id="175" name="Google Shape;175;g2dae90a407d_1_0:notes"/>
           <p:cNvSpPr txBox="1">
             <a:spLocks noGrp="1"/>
           </p:cNvSpPr>
@@ -2170,9 +2222,39 @@
           </a:p>
         </p:txBody>
       </p:sp>
+    </p:spTree>
+    <p:extLst>
+      <p:ext uri="{BB962C8B-B14F-4D97-AF65-F5344CB8AC3E}">
+        <p14:creationId xmlns:p14="http://schemas.microsoft.com/office/powerpoint/2010/main" val="3509276426"/>
+      </p:ext>
+    </p:extLst>
+  </p:cSld>
+  <p:clrMapOvr>
+    <a:masterClrMapping/>
+  </p:clrMapOvr>
+</p:notes>
+</file>
+
+<file path=ppt/notesSlides/notesSlide9.xml><?xml version="1.0" encoding="utf-8"?>
+<p:notes xmlns:a="http://schemas.openxmlformats.org/drawingml/2006/main" xmlns:r="http://schemas.openxmlformats.org/officeDocument/2006/relationships" xmlns:p="http://schemas.openxmlformats.org/presentationml/2006/main" showMasterSp="0" showMasterPhAnim="0">
+  <p:cSld>
+    <p:spTree>
+      <p:nvGrpSpPr>
+        <p:cNvPr id="1" name="Shape 173"/>
+        <p:cNvGrpSpPr/>
+        <p:nvPr/>
+      </p:nvGrpSpPr>
+      <p:grpSpPr>
+        <a:xfrm>
+          <a:off x="0" y="0"/>
+          <a:ext cx="0" cy="0"/>
+          <a:chOff x="0" y="0"/>
+          <a:chExt cx="0" cy="0"/>
+        </a:xfrm>
+      </p:grpSpPr>
       <p:sp>
         <p:nvSpPr>
-          <p:cNvPr id="164" name="Google Shape;164;g2dae90a407d_2_2:notes"/>
+          <p:cNvPr id="174" name="Google Shape;174;g2dae90a407d_1_0:notes"/>
           <p:cNvSpPr>
             <a:spLocks noGrp="1" noRot="1" noChangeAspect="1"/>
           </p:cNvSpPr>
@@ -2221,7 +2303,58 @@
           </a:ln>
         </p:spPr>
       </p:sp>
+      <p:sp>
+        <p:nvSpPr>
+          <p:cNvPr id="175" name="Google Shape;175;g2dae90a407d_1_0:notes"/>
+          <p:cNvSpPr txBox="1">
+            <a:spLocks noGrp="1"/>
+          </p:cNvSpPr>
+          <p:nvPr>
+            <p:ph type="body" idx="1"/>
+          </p:nvPr>
+        </p:nvSpPr>
+        <p:spPr>
+          <a:xfrm>
+            <a:off x="685800" y="4343400"/>
+            <a:ext cx="5486400" cy="4114800"/>
+          </a:xfrm>
+          <a:prstGeom prst="rect">
+            <a:avLst/>
+          </a:prstGeom>
+          <a:noFill/>
+          <a:ln>
+            <a:noFill/>
+          </a:ln>
+        </p:spPr>
+        <p:txBody>
+          <a:bodyPr spcFirstLastPara="1" wrap="square" lIns="91425" tIns="91425" rIns="91425" bIns="91425" anchor="t" anchorCtr="0">
+            <a:noAutofit/>
+          </a:bodyPr>
+          <a:lstStyle/>
+          <a:p>
+            <a:pPr marL="0" lvl="0" indent="0" algn="l" rtl="0">
+              <a:lnSpc>
+                <a:spcPct val="100000"/>
+              </a:lnSpc>
+              <a:spcBef>
+                <a:spcPts val="0"/>
+              </a:spcBef>
+              <a:spcAft>
+                <a:spcPts val="0"/>
+              </a:spcAft>
+              <a:buSzPts val="1100"/>
+              <a:buNone/>
+            </a:pPr>
+            <a:endParaRPr/>
+          </a:p>
+        </p:txBody>
+      </p:sp>
     </p:spTree>
+    <p:extLst>
+      <p:ext uri="{BB962C8B-B14F-4D97-AF65-F5344CB8AC3E}">
+        <p14:creationId xmlns:p14="http://schemas.microsoft.com/office/powerpoint/2010/main" val="3582275665"/>
+      </p:ext>
+    </p:extLst>
   </p:cSld>
   <p:clrMapOvr>
     <a:masterClrMapping/>
@@ -15693,10 +15826,74 @@
           <a:chExt cx="0" cy="0"/>
         </a:xfrm>
       </p:grpSpPr>
+      <p:sp>
+        <p:nvSpPr>
+          <p:cNvPr id="2" name="CasellaDiTesto 1">
+            <a:extLst>
+              <a:ext uri="{FF2B5EF4-FFF2-40B4-BE49-F238E27FC236}">
+                <a16:creationId xmlns:a16="http://schemas.microsoft.com/office/drawing/2014/main" id="{1396A286-5728-6DE9-33E8-4EEB394FDCE5}"/>
+              </a:ext>
+            </a:extLst>
+          </p:cNvPr>
+          <p:cNvSpPr txBox="1"/>
+          <p:nvPr/>
+        </p:nvSpPr>
+        <p:spPr>
+          <a:xfrm>
+            <a:off x="2860272" y="363667"/>
+            <a:ext cx="6831106" cy="584775"/>
+          </a:xfrm>
+          <a:prstGeom prst="rect">
+            <a:avLst/>
+          </a:prstGeom>
+          <a:noFill/>
+        </p:spPr>
+        <p:txBody>
+          <a:bodyPr wrap="square" rtlCol="0">
+            <a:spAutoFit/>
+          </a:bodyPr>
+          <a:lstStyle/>
+          <a:p>
+            <a:r>
+              <a:rPr lang="it-IT" sz="3200" dirty="0">
+                <a:solidFill>
+                  <a:schemeClr val="bg1"/>
+                </a:solidFill>
+              </a:rPr>
+              <a:t>Frame Utilizzati</a:t>
+            </a:r>
+          </a:p>
+        </p:txBody>
+      </p:sp>
+    </p:spTree>
+  </p:cSld>
+  <p:clrMapOvr>
+    <a:masterClrMapping/>
+  </p:clrMapOvr>
+</p:sld>
+</file>
+
+<file path=ppt/slides/slide11.xml><?xml version="1.0" encoding="utf-8"?>
+<p:sld xmlns:a="http://schemas.openxmlformats.org/drawingml/2006/main" xmlns:r="http://schemas.openxmlformats.org/officeDocument/2006/relationships" xmlns:p="http://schemas.openxmlformats.org/presentationml/2006/main">
+  <p:cSld>
+    <p:spTree>
+      <p:nvGrpSpPr>
+        <p:cNvPr id="1" name="Shape 165"/>
+        <p:cNvGrpSpPr/>
+        <p:nvPr/>
+      </p:nvGrpSpPr>
+      <p:grpSpPr>
+        <a:xfrm>
+          <a:off x="0" y="0"/>
+          <a:ext cx="0" cy="0"/>
+          <a:chOff x="0" y="0"/>
+          <a:chExt cx="0" cy="0"/>
+        </a:xfrm>
+      </p:grpSpPr>
     </p:spTree>
     <p:extLst>
       <p:ext uri="{BB962C8B-B14F-4D97-AF65-F5344CB8AC3E}">
-        <p14:creationId xmlns:p14="http://schemas.microsoft.com/office/powerpoint/2010/main" val="1119446600"/>
+        <p14:creationId xmlns:p14="http://schemas.microsoft.com/office/powerpoint/2010/main" val="2420429445"/>
       </p:ext>
     </p:extLst>
   </p:cSld>
@@ -15706,7 +15903,7 @@
 </p:sld>
 </file>
 
-<file path=ppt/slides/slide11.xml><?xml version="1.0" encoding="utf-8"?>
+<file path=ppt/slides/slide12.xml><?xml version="1.0" encoding="utf-8"?>
 <p:sld xmlns:a="http://schemas.openxmlformats.org/drawingml/2006/main" xmlns:r="http://schemas.openxmlformats.org/officeDocument/2006/relationships" xmlns:p="http://schemas.openxmlformats.org/presentationml/2006/main">
   <p:cSld>
     <p:spTree>
@@ -15862,6 +16059,376 @@
   <p:cSld>
     <p:spTree>
       <p:nvGrpSpPr>
+        <p:cNvPr id="1" name="Shape 171"/>
+        <p:cNvGrpSpPr/>
+        <p:nvPr/>
+      </p:nvGrpSpPr>
+      <p:grpSpPr>
+        <a:xfrm>
+          <a:off x="0" y="0"/>
+          <a:ext cx="0" cy="0"/>
+          <a:chOff x="0" y="0"/>
+          <a:chExt cx="0" cy="0"/>
+        </a:xfrm>
+      </p:grpSpPr>
+      <p:pic>
+        <p:nvPicPr>
+          <p:cNvPr id="11" name="Immagine 10" descr="Immagine che contiene testo, schermata, Carattere&#10;&#10;Descrizione generata automaticamente">
+            <a:extLst>
+              <a:ext uri="{FF2B5EF4-FFF2-40B4-BE49-F238E27FC236}">
+                <a16:creationId xmlns:a16="http://schemas.microsoft.com/office/drawing/2014/main" id="{5C12FD1C-BCB4-9FC7-0CD4-BDF89A079A15}"/>
+              </a:ext>
+            </a:extLst>
+          </p:cNvPr>
+          <p:cNvPicPr>
+            <a:picLocks noChangeAspect="1"/>
+          </p:cNvPicPr>
+          <p:nvPr/>
+        </p:nvPicPr>
+        <p:blipFill rotWithShape="1">
+          <a:blip r:embed="rId3"/>
+          <a:srcRect t="2941"/>
+          <a:stretch/>
+        </p:blipFill>
+        <p:spPr>
+          <a:xfrm>
+            <a:off x="9394834" y="1573305"/>
+            <a:ext cx="2281375" cy="4800599"/>
+          </a:xfrm>
+          <a:prstGeom prst="rect">
+            <a:avLst/>
+          </a:prstGeom>
+        </p:spPr>
+      </p:pic>
+      <p:pic>
+        <p:nvPicPr>
+          <p:cNvPr id="5" name="Immagine 4" descr="Immagine che contiene testo, schermata, linea&#10;&#10;Descrizione generata automaticamente">
+            <a:extLst>
+              <a:ext uri="{FF2B5EF4-FFF2-40B4-BE49-F238E27FC236}">
+                <a16:creationId xmlns:a16="http://schemas.microsoft.com/office/drawing/2014/main" id="{BA924FC7-C600-15DF-7A3F-E6E5DD2ABF9B}"/>
+              </a:ext>
+            </a:extLst>
+          </p:cNvPr>
+          <p:cNvPicPr>
+            <a:picLocks noChangeAspect="1"/>
+          </p:cNvPicPr>
+          <p:nvPr/>
+        </p:nvPicPr>
+        <p:blipFill rotWithShape="1">
+          <a:blip r:embed="rId4"/>
+          <a:srcRect t="2941"/>
+          <a:stretch/>
+        </p:blipFill>
+        <p:spPr>
+          <a:xfrm>
+            <a:off x="3645629" y="1573305"/>
+            <a:ext cx="2255814" cy="4746810"/>
+          </a:xfrm>
+          <a:prstGeom prst="rect">
+            <a:avLst/>
+          </a:prstGeom>
+        </p:spPr>
+      </p:pic>
+      <p:pic>
+        <p:nvPicPr>
+          <p:cNvPr id="7" name="Immagine 6" descr="Immagine che contiene testo, schermata&#10;&#10;Descrizione generata automaticamente">
+            <a:extLst>
+              <a:ext uri="{FF2B5EF4-FFF2-40B4-BE49-F238E27FC236}">
+                <a16:creationId xmlns:a16="http://schemas.microsoft.com/office/drawing/2014/main" id="{0B85A80B-D893-9397-155E-33EEBE7DA9FA}"/>
+              </a:ext>
+            </a:extLst>
+          </p:cNvPr>
+          <p:cNvPicPr>
+            <a:picLocks noChangeAspect="1"/>
+          </p:cNvPicPr>
+          <p:nvPr/>
+        </p:nvPicPr>
+        <p:blipFill rotWithShape="1">
+          <a:blip r:embed="rId5"/>
+          <a:srcRect t="2941"/>
+          <a:stretch/>
+        </p:blipFill>
+        <p:spPr>
+          <a:xfrm>
+            <a:off x="745036" y="1573305"/>
+            <a:ext cx="2281375" cy="4800599"/>
+          </a:xfrm>
+          <a:prstGeom prst="rect">
+            <a:avLst/>
+          </a:prstGeom>
+        </p:spPr>
+      </p:pic>
+      <p:pic>
+        <p:nvPicPr>
+          <p:cNvPr id="9" name="Immagine 8" descr="Immagine che contiene testo, elettronica, schermata&#10;&#10;Descrizione generata automaticamente">
+            <a:extLst>
+              <a:ext uri="{FF2B5EF4-FFF2-40B4-BE49-F238E27FC236}">
+                <a16:creationId xmlns:a16="http://schemas.microsoft.com/office/drawing/2014/main" id="{567106C0-A270-DC93-7DCF-7A734D15EF9E}"/>
+              </a:ext>
+            </a:extLst>
+          </p:cNvPr>
+          <p:cNvPicPr>
+            <a:picLocks noChangeAspect="1"/>
+          </p:cNvPicPr>
+          <p:nvPr/>
+        </p:nvPicPr>
+        <p:blipFill rotWithShape="1">
+          <a:blip r:embed="rId6"/>
+          <a:srcRect t="2941"/>
+          <a:stretch/>
+        </p:blipFill>
+        <p:spPr>
+          <a:xfrm>
+            <a:off x="6520661" y="1573305"/>
+            <a:ext cx="2256673" cy="4746810"/>
+          </a:xfrm>
+          <a:prstGeom prst="rect">
+            <a:avLst/>
+          </a:prstGeom>
+        </p:spPr>
+      </p:pic>
+      <p:sp>
+        <p:nvSpPr>
+          <p:cNvPr id="2" name="CasellaDiTesto 1">
+            <a:extLst>
+              <a:ext uri="{FF2B5EF4-FFF2-40B4-BE49-F238E27FC236}">
+                <a16:creationId xmlns:a16="http://schemas.microsoft.com/office/drawing/2014/main" id="{F5EB62C6-29A1-3871-ABBF-89B98C26FA02}"/>
+              </a:ext>
+            </a:extLst>
+          </p:cNvPr>
+          <p:cNvSpPr txBox="1"/>
+          <p:nvPr/>
+        </p:nvSpPr>
+        <p:spPr>
+          <a:xfrm>
+            <a:off x="3263153" y="276275"/>
+            <a:ext cx="5275729" cy="523220"/>
+          </a:xfrm>
+          <a:prstGeom prst="rect">
+            <a:avLst/>
+          </a:prstGeom>
+          <a:noFill/>
+        </p:spPr>
+        <p:txBody>
+          <a:bodyPr wrap="square" rtlCol="0">
+            <a:spAutoFit/>
+          </a:bodyPr>
+          <a:lstStyle/>
+          <a:p>
+            <a:r>
+              <a:rPr lang="it-IT" sz="2800" dirty="0">
+                <a:solidFill>
+                  <a:schemeClr val="bg1"/>
+                </a:solidFill>
+              </a:rPr>
+              <a:t>Applicazione My TEDX : Frame</a:t>
+            </a:r>
+          </a:p>
+        </p:txBody>
+      </p:sp>
+      <p:sp>
+        <p:nvSpPr>
+          <p:cNvPr id="3" name="CasellaDiTesto 2">
+            <a:extLst>
+              <a:ext uri="{FF2B5EF4-FFF2-40B4-BE49-F238E27FC236}">
+                <a16:creationId xmlns:a16="http://schemas.microsoft.com/office/drawing/2014/main" id="{87475D07-159F-C703-126A-DA5246CE506D}"/>
+              </a:ext>
+            </a:extLst>
+          </p:cNvPr>
+          <p:cNvSpPr txBox="1"/>
+          <p:nvPr/>
+        </p:nvSpPr>
+        <p:spPr>
+          <a:xfrm>
+            <a:off x="860612" y="1121005"/>
+            <a:ext cx="2057400" cy="338554"/>
+          </a:xfrm>
+          <a:prstGeom prst="rect">
+            <a:avLst/>
+          </a:prstGeom>
+          <a:noFill/>
+        </p:spPr>
+        <p:txBody>
+          <a:bodyPr wrap="square" rtlCol="0">
+            <a:spAutoFit/>
+          </a:bodyPr>
+          <a:lstStyle/>
+          <a:p>
+            <a:r>
+              <a:rPr lang="it-IT" sz="1600" dirty="0">
+                <a:solidFill>
+                  <a:schemeClr val="bg1"/>
+                </a:solidFill>
+              </a:rPr>
+              <a:t>Pagina principale</a:t>
+            </a:r>
+          </a:p>
+        </p:txBody>
+      </p:sp>
+      <p:sp>
+        <p:nvSpPr>
+          <p:cNvPr id="4" name="CasellaDiTesto 3">
+            <a:extLst>
+              <a:ext uri="{FF2B5EF4-FFF2-40B4-BE49-F238E27FC236}">
+                <a16:creationId xmlns:a16="http://schemas.microsoft.com/office/drawing/2014/main" id="{706E2239-B02F-A545-BE1F-002C49213704}"/>
+              </a:ext>
+            </a:extLst>
+          </p:cNvPr>
+          <p:cNvSpPr txBox="1"/>
+          <p:nvPr/>
+        </p:nvSpPr>
+        <p:spPr>
+          <a:xfrm>
+            <a:off x="4049041" y="1121005"/>
+            <a:ext cx="2351759" cy="338554"/>
+          </a:xfrm>
+          <a:prstGeom prst="rect">
+            <a:avLst/>
+          </a:prstGeom>
+          <a:noFill/>
+        </p:spPr>
+        <p:txBody>
+          <a:bodyPr wrap="square" rtlCol="0">
+            <a:spAutoFit/>
+          </a:bodyPr>
+          <a:lstStyle/>
+          <a:p>
+            <a:r>
+              <a:rPr lang="it-IT" sz="1600" dirty="0">
+                <a:solidFill>
+                  <a:schemeClr val="bg1"/>
+                </a:solidFill>
+              </a:rPr>
+              <a:t>Esempio di input</a:t>
+            </a:r>
+          </a:p>
+        </p:txBody>
+      </p:sp>
+      <p:sp>
+        <p:nvSpPr>
+          <p:cNvPr id="6" name="CasellaDiTesto 5">
+            <a:extLst>
+              <a:ext uri="{FF2B5EF4-FFF2-40B4-BE49-F238E27FC236}">
+                <a16:creationId xmlns:a16="http://schemas.microsoft.com/office/drawing/2014/main" id="{7D27BF86-B5B2-D447-4220-F3842E5E8EDA}"/>
+              </a:ext>
+            </a:extLst>
+          </p:cNvPr>
+          <p:cNvSpPr txBox="1"/>
+          <p:nvPr/>
+        </p:nvSpPr>
+        <p:spPr>
+          <a:xfrm>
+            <a:off x="6599239" y="1121004"/>
+            <a:ext cx="2256673" cy="338554"/>
+          </a:xfrm>
+          <a:prstGeom prst="rect">
+            <a:avLst/>
+          </a:prstGeom>
+          <a:noFill/>
+        </p:spPr>
+        <p:txBody>
+          <a:bodyPr wrap="square" rtlCol="0">
+            <a:spAutoFit/>
+          </a:bodyPr>
+          <a:lstStyle/>
+          <a:p>
+            <a:r>
+              <a:rPr lang="it-IT" sz="1600" dirty="0">
+                <a:solidFill>
+                  <a:schemeClr val="bg1"/>
+                </a:solidFill>
+              </a:rPr>
+              <a:t>Output </a:t>
+            </a:r>
+            <a:r>
+              <a:rPr lang="it-IT" sz="1600" dirty="0" err="1">
+                <a:solidFill>
+                  <a:schemeClr val="bg1"/>
+                </a:solidFill>
+              </a:rPr>
+              <a:t>Related</a:t>
+            </a:r>
+            <a:r>
+              <a:rPr lang="it-IT" sz="1600" dirty="0">
+                <a:solidFill>
+                  <a:schemeClr val="bg1"/>
+                </a:solidFill>
+              </a:rPr>
+              <a:t> </a:t>
+            </a:r>
+            <a:r>
+              <a:rPr lang="it-IT" sz="1600" dirty="0" err="1">
+                <a:solidFill>
+                  <a:schemeClr val="bg1"/>
+                </a:solidFill>
+              </a:rPr>
+              <a:t>videos</a:t>
+            </a:r>
+            <a:endParaRPr lang="it-IT" sz="1600" dirty="0">
+              <a:solidFill>
+                <a:schemeClr val="bg1"/>
+              </a:solidFill>
+            </a:endParaRPr>
+          </a:p>
+        </p:txBody>
+      </p:sp>
+      <p:sp>
+        <p:nvSpPr>
+          <p:cNvPr id="8" name="CasellaDiTesto 7">
+            <a:extLst>
+              <a:ext uri="{FF2B5EF4-FFF2-40B4-BE49-F238E27FC236}">
+                <a16:creationId xmlns:a16="http://schemas.microsoft.com/office/drawing/2014/main" id="{69BC2C14-439C-5C5F-829A-9F17C7545931}"/>
+              </a:ext>
+            </a:extLst>
+          </p:cNvPr>
+          <p:cNvSpPr txBox="1"/>
+          <p:nvPr/>
+        </p:nvSpPr>
+        <p:spPr>
+          <a:xfrm>
+            <a:off x="9935327" y="1094112"/>
+            <a:ext cx="2256673" cy="338554"/>
+          </a:xfrm>
+          <a:prstGeom prst="rect">
+            <a:avLst/>
+          </a:prstGeom>
+          <a:noFill/>
+        </p:spPr>
+        <p:txBody>
+          <a:bodyPr wrap="square" rtlCol="0">
+            <a:spAutoFit/>
+          </a:bodyPr>
+          <a:lstStyle/>
+          <a:p>
+            <a:r>
+              <a:rPr lang="it-IT" sz="1600" dirty="0">
+                <a:solidFill>
+                  <a:schemeClr val="bg1"/>
+                </a:solidFill>
+              </a:rPr>
+              <a:t>Output tag</a:t>
+            </a:r>
+          </a:p>
+        </p:txBody>
+      </p:sp>
+    </p:spTree>
+    <p:extLst>
+      <p:ext uri="{BB962C8B-B14F-4D97-AF65-F5344CB8AC3E}">
+        <p14:creationId xmlns:p14="http://schemas.microsoft.com/office/powerpoint/2010/main" val="2736493974"/>
+      </p:ext>
+    </p:extLst>
+  </p:cSld>
+  <p:clrMapOvr>
+    <a:masterClrMapping/>
+  </p:clrMapOvr>
+</p:sld>
+</file>
+
+<file path=ppt/slides/slide3.xml><?xml version="1.0" encoding="utf-8"?>
+<p:sld xmlns:a="http://schemas.openxmlformats.org/drawingml/2006/main" xmlns:r="http://schemas.openxmlformats.org/officeDocument/2006/relationships" xmlns:p="http://schemas.openxmlformats.org/presentationml/2006/main">
+  <p:cSld>
+    <p:spTree>
+      <p:nvGrpSpPr>
         <p:cNvPr id="1" name="Shape 176"/>
         <p:cNvGrpSpPr/>
         <p:nvPr/>
@@ -15874,136 +16441,6 @@
           <a:chExt cx="0" cy="0"/>
         </a:xfrm>
       </p:grpSpPr>
-      <p:sp>
-        <p:nvSpPr>
-          <p:cNvPr id="179" name="Google Shape;179;g2dae90a407d_1_0"/>
-          <p:cNvSpPr txBox="1">
-            <a:spLocks noGrp="1"/>
-          </p:cNvSpPr>
-          <p:nvPr>
-            <p:ph type="title"/>
-          </p:nvPr>
-        </p:nvSpPr>
-        <p:spPr>
-          <a:xfrm>
-            <a:off x="6113150" y="1440885"/>
-            <a:ext cx="5240700" cy="1325700"/>
-          </a:xfrm>
-          <a:prstGeom prst="rect">
-            <a:avLst/>
-          </a:prstGeom>
-          <a:noFill/>
-          <a:ln>
-            <a:noFill/>
-          </a:ln>
-        </p:spPr>
-        <p:txBody>
-          <a:bodyPr spcFirstLastPara="1" wrap="square" lIns="91425" tIns="45700" rIns="91425" bIns="45700" anchor="ctr" anchorCtr="0">
-            <a:normAutofit/>
-          </a:bodyPr>
-          <a:lstStyle/>
-          <a:p>
-            <a:pPr marL="0" lvl="0" indent="0" algn="ctr" rtl="0">
-              <a:lnSpc>
-                <a:spcPct val="90000"/>
-              </a:lnSpc>
-              <a:spcBef>
-                <a:spcPts val="0"/>
-              </a:spcBef>
-              <a:spcAft>
-                <a:spcPts val="0"/>
-              </a:spcAft>
-              <a:buSzPts val="1800"/>
-              <a:buNone/>
-            </a:pPr>
-            <a:r>
-              <a:rPr lang="it-IT" dirty="0"/>
-              <a:t>ESPERIENZA</a:t>
-            </a:r>
-            <a:br>
-              <a:rPr lang="it-IT" dirty="0"/>
-            </a:br>
-            <a:r>
-              <a:rPr lang="it-IT" dirty="0"/>
-              <a:t>UTENTE</a:t>
-            </a:r>
-            <a:endParaRPr dirty="0"/>
-          </a:p>
-        </p:txBody>
-      </p:sp>
-      <p:sp>
-        <p:nvSpPr>
-          <p:cNvPr id="180" name="Google Shape;180;g2dae90a407d_1_0"/>
-          <p:cNvSpPr txBox="1"/>
-          <p:nvPr/>
-        </p:nvSpPr>
-        <p:spPr>
-          <a:xfrm>
-            <a:off x="6645350" y="2788218"/>
-            <a:ext cx="4708500" cy="3483663"/>
-          </a:xfrm>
-          <a:prstGeom prst="rect">
-            <a:avLst/>
-          </a:prstGeom>
-          <a:noFill/>
-          <a:ln>
-            <a:noFill/>
-          </a:ln>
-        </p:spPr>
-        <p:txBody>
-          <a:bodyPr spcFirstLastPara="1" wrap="square" lIns="91425" tIns="91425" rIns="91425" bIns="91425" anchor="t" anchorCtr="0">
-            <a:noAutofit/>
-          </a:bodyPr>
-          <a:lstStyle/>
-          <a:p>
-            <a:pPr marL="285750" lvl="0" indent="-285750" algn="l" rtl="0">
-              <a:spcBef>
-                <a:spcPts val="0"/>
-              </a:spcBef>
-              <a:spcAft>
-                <a:spcPts val="0"/>
-              </a:spcAft>
-              <a:buClr>
-                <a:schemeClr val="bg1"/>
-              </a:buClr>
-              <a:buFont typeface="Arial" panose="020B0604020202020204" pitchFamily="34" charset="0"/>
-              <a:buChar char="•"/>
-            </a:pPr>
-            <a:r>
-              <a:rPr lang="it-IT" sz="2000" dirty="0">
-                <a:solidFill>
-                  <a:schemeClr val="bg1"/>
-                </a:solidFill>
-              </a:rPr>
-              <a:t>Questo permette al nostro utente di avere una chiara comprensione della lista dei video correlati e di scegliere al meglio il video desiderato.</a:t>
-            </a:r>
-          </a:p>
-          <a:p>
-            <a:pPr marL="285750" lvl="0" indent="-285750" algn="l" rtl="0">
-              <a:spcBef>
-                <a:spcPts val="0"/>
-              </a:spcBef>
-              <a:spcAft>
-                <a:spcPts val="0"/>
-              </a:spcAft>
-              <a:buClr>
-                <a:schemeClr val="bg1"/>
-              </a:buClr>
-              <a:buFont typeface="Arial" panose="020B0604020202020204" pitchFamily="34" charset="0"/>
-              <a:buChar char="•"/>
-            </a:pPr>
-            <a:endParaRPr lang="it-IT" sz="1100" u="sng" dirty="0">
-              <a:solidFill>
-                <a:schemeClr val="bg1"/>
-              </a:solidFill>
-              <a:latin typeface="Lato"/>
-              <a:ea typeface="Lato"/>
-              <a:cs typeface="Lato"/>
-              <a:sym typeface="Lato"/>
-            </a:endParaRPr>
-          </a:p>
-        </p:txBody>
-      </p:sp>
       <p:sp>
         <p:nvSpPr>
           <p:cNvPr id="2" name="Google Shape;180;g2dae90a407d_1_0">
@@ -16118,210 +16555,12 @@
           </a:p>
         </p:txBody>
       </p:sp>
-    </p:spTree>
-    <p:extLst>
-      <p:ext uri="{BB962C8B-B14F-4D97-AF65-F5344CB8AC3E}">
-        <p14:creationId xmlns:p14="http://schemas.microsoft.com/office/powerpoint/2010/main" val="4263137050"/>
-      </p:ext>
-    </p:extLst>
-  </p:cSld>
-  <p:clrMapOvr>
-    <a:masterClrMapping/>
-  </p:clrMapOvr>
-</p:sld>
-</file>
-
-<file path=ppt/slides/slide3.xml><?xml version="1.0" encoding="utf-8"?>
-<p:sld xmlns:a="http://schemas.openxmlformats.org/drawingml/2006/main" xmlns:r="http://schemas.openxmlformats.org/officeDocument/2006/relationships" xmlns:p="http://schemas.openxmlformats.org/presentationml/2006/main">
-  <p:cSld>
-    <p:spTree>
-      <p:nvGrpSpPr>
-        <p:cNvPr id="1" name="Shape 176"/>
-        <p:cNvGrpSpPr/>
-        <p:nvPr/>
-      </p:nvGrpSpPr>
-      <p:grpSpPr>
-        <a:xfrm>
-          <a:off x="0" y="0"/>
-          <a:ext cx="0" cy="0"/>
-          <a:chOff x="0" y="0"/>
-          <a:chExt cx="0" cy="0"/>
-        </a:xfrm>
-      </p:grpSpPr>
       <p:sp>
         <p:nvSpPr>
-          <p:cNvPr id="177" name="Google Shape;177;g2dae90a407d_1_0"/>
-          <p:cNvSpPr txBox="1">
-            <a:spLocks noGrp="1"/>
-          </p:cNvSpPr>
-          <p:nvPr>
-            <p:ph type="title"/>
-          </p:nvPr>
-        </p:nvSpPr>
-        <p:spPr>
-          <a:xfrm>
-            <a:off x="1730000" y="502075"/>
-            <a:ext cx="4708500" cy="1051800"/>
-          </a:xfrm>
-          <a:prstGeom prst="rect">
-            <a:avLst/>
-          </a:prstGeom>
-          <a:noFill/>
-          <a:ln>
-            <a:noFill/>
-          </a:ln>
-        </p:spPr>
-        <p:txBody>
-          <a:bodyPr spcFirstLastPara="1" wrap="square" lIns="121900" tIns="121900" rIns="121900" bIns="121900" anchor="t" anchorCtr="0">
-            <a:normAutofit fontScale="90000"/>
-          </a:bodyPr>
-          <a:lstStyle/>
-          <a:p>
-            <a:pPr marL="0" lvl="0" indent="0" algn="ctr" rtl="0">
-              <a:lnSpc>
-                <a:spcPct val="100000"/>
-              </a:lnSpc>
-              <a:spcBef>
-                <a:spcPts val="0"/>
-              </a:spcBef>
-              <a:spcAft>
-                <a:spcPts val="0"/>
-              </a:spcAft>
-              <a:buSzPts val="3200"/>
-              <a:buNone/>
-            </a:pPr>
-            <a:r>
-              <a:rPr lang="it-IT" dirty="0"/>
-              <a:t>CRITICIT</a:t>
-            </a:r>
-            <a:r>
-              <a:rPr lang="it-IT" cap="none" dirty="0"/>
-              <a:t>À</a:t>
-            </a:r>
-            <a:br>
-              <a:rPr lang="it-IT" cap="none" dirty="0"/>
-            </a:br>
-            <a:r>
-              <a:rPr lang="it-IT" cap="none" dirty="0"/>
-              <a:t>TECNICHE</a:t>
-            </a:r>
-            <a:endParaRPr cap="none" dirty="0"/>
-          </a:p>
-        </p:txBody>
-      </p:sp>
-      <p:sp>
-        <p:nvSpPr>
-          <p:cNvPr id="179" name="Google Shape;179;g2dae90a407d_1_0"/>
-          <p:cNvSpPr txBox="1">
-            <a:spLocks noGrp="1"/>
-          </p:cNvSpPr>
-          <p:nvPr>
-            <p:ph type="title"/>
-          </p:nvPr>
-        </p:nvSpPr>
-        <p:spPr>
-          <a:xfrm>
-            <a:off x="6113150" y="365125"/>
-            <a:ext cx="5240700" cy="1325700"/>
-          </a:xfrm>
-          <a:prstGeom prst="rect">
-            <a:avLst/>
-          </a:prstGeom>
-          <a:noFill/>
-          <a:ln>
-            <a:noFill/>
-          </a:ln>
-        </p:spPr>
-        <p:txBody>
-          <a:bodyPr spcFirstLastPara="1" wrap="square" lIns="91425" tIns="45700" rIns="91425" bIns="45700" anchor="ctr" anchorCtr="0">
-            <a:normAutofit/>
-          </a:bodyPr>
-          <a:lstStyle/>
-          <a:p>
-            <a:pPr marL="0" lvl="0" indent="0" algn="ctr" rtl="0">
-              <a:lnSpc>
-                <a:spcPct val="90000"/>
-              </a:lnSpc>
-              <a:spcBef>
-                <a:spcPts val="0"/>
-              </a:spcBef>
-              <a:spcAft>
-                <a:spcPts val="0"/>
-              </a:spcAft>
-              <a:buSzPts val="1800"/>
-              <a:buNone/>
-            </a:pPr>
-            <a:r>
-              <a:rPr lang="it-IT" dirty="0"/>
-              <a:t>POSSIBILI</a:t>
-            </a:r>
-            <a:br>
-              <a:rPr lang="it-IT" dirty="0"/>
-            </a:br>
-            <a:r>
-              <a:rPr lang="it-IT" dirty="0"/>
-              <a:t>EVOLUZIONI</a:t>
-            </a:r>
-            <a:endParaRPr dirty="0"/>
-          </a:p>
-        </p:txBody>
-      </p:sp>
-      <p:sp>
-        <p:nvSpPr>
-          <p:cNvPr id="180" name="Google Shape;180;g2dae90a407d_1_0"/>
-          <p:cNvSpPr txBox="1"/>
-          <p:nvPr/>
-        </p:nvSpPr>
-        <p:spPr>
-          <a:xfrm>
-            <a:off x="6643450" y="2065825"/>
-            <a:ext cx="4708500" cy="3881700"/>
-          </a:xfrm>
-          <a:prstGeom prst="rect">
-            <a:avLst/>
-          </a:prstGeom>
-          <a:noFill/>
-          <a:ln>
-            <a:noFill/>
-          </a:ln>
-        </p:spPr>
-        <p:txBody>
-          <a:bodyPr spcFirstLastPara="1" wrap="square" lIns="91425" tIns="91425" rIns="91425" bIns="91425" anchor="t" anchorCtr="0">
-            <a:noAutofit/>
-          </a:bodyPr>
-          <a:lstStyle/>
-          <a:p>
-            <a:pPr marL="285750" lvl="0" indent="-285750" algn="l" rtl="0">
-              <a:spcBef>
-                <a:spcPts val="0"/>
-              </a:spcBef>
-              <a:spcAft>
-                <a:spcPts val="0"/>
-              </a:spcAft>
-              <a:buClr>
-                <a:schemeClr val="bg1"/>
-              </a:buClr>
-              <a:buFont typeface="Arial" panose="020B0604020202020204" pitchFamily="34" charset="0"/>
-              <a:buChar char="•"/>
-            </a:pPr>
-            <a:endParaRPr lang="it-IT" sz="1100" u="sng" dirty="0">
-              <a:solidFill>
-                <a:schemeClr val="bg1"/>
-              </a:solidFill>
-              <a:latin typeface="Lato"/>
-              <a:ea typeface="Lato"/>
-              <a:cs typeface="Lato"/>
-              <a:sym typeface="Lato"/>
-            </a:endParaRPr>
-          </a:p>
-        </p:txBody>
-      </p:sp>
-      <p:sp>
-        <p:nvSpPr>
-          <p:cNvPr id="2" name="Google Shape;180;g2dae90a407d_1_0">
+          <p:cNvPr id="3" name="CasellaDiTesto 2">
             <a:extLst>
               <a:ext uri="{FF2B5EF4-FFF2-40B4-BE49-F238E27FC236}">
-                <a16:creationId xmlns:a16="http://schemas.microsoft.com/office/drawing/2014/main" id="{33E79721-41D7-B3EC-7557-B49C56433C25}"/>
+                <a16:creationId xmlns:a16="http://schemas.microsoft.com/office/drawing/2014/main" id="{CB021DCF-392B-173B-5579-1ECA9B5143E2}"/>
               </a:ext>
             </a:extLst>
           </p:cNvPr>
@@ -16330,108 +16569,58 @@
         </p:nvSpPr>
         <p:spPr>
           <a:xfrm>
-            <a:off x="1730000" y="2065825"/>
-            <a:ext cx="4708500" cy="3881700"/>
+            <a:off x="1285500" y="2134806"/>
+            <a:ext cx="8252200" cy="2308324"/>
           </a:xfrm>
           <a:prstGeom prst="rect">
             <a:avLst/>
           </a:prstGeom>
           <a:noFill/>
-          <a:ln>
-            <a:noFill/>
-          </a:ln>
         </p:spPr>
         <p:txBody>
-          <a:bodyPr spcFirstLastPara="1" wrap="square" lIns="91425" tIns="91425" rIns="91425" bIns="91425" anchor="t" anchorCtr="0">
-            <a:noAutofit/>
+          <a:bodyPr wrap="square" rtlCol="0">
+            <a:spAutoFit/>
           </a:bodyPr>
           <a:lstStyle/>
           <a:p>
-            <a:pPr marL="285750" lvl="0" indent="-285750" algn="l" rtl="0">
-              <a:spcBef>
-                <a:spcPts val="0"/>
-              </a:spcBef>
-              <a:spcAft>
-                <a:spcPts val="0"/>
-              </a:spcAft>
-              <a:buClr>
-                <a:schemeClr val="bg1"/>
-              </a:buClr>
-              <a:buFont typeface="Arial" panose="020B0604020202020204" pitchFamily="34" charset="0"/>
-              <a:buChar char="•"/>
-            </a:pPr>
-            <a:endParaRPr lang="it-IT" sz="1800" u="sng" dirty="0">
+            <a:r>
+              <a:rPr lang="it-IT" sz="2400" dirty="0">
+                <a:solidFill>
+                  <a:schemeClr val="bg1"/>
+                </a:solidFill>
+              </a:rPr>
+              <a:t>Questa applicazione, realizzata in Flutter, permette di inserire tag o ID dei video, consentendo all'utente di visualizzare i video corrispondenti. È stata aggiunta una nuova icona che permette uno scorrimento completo dei risultati delle liste e, inoltre, è stata implementata la funzionalità di visualizzazione dei </a:t>
+            </a:r>
+            <a:r>
+              <a:rPr lang="it-IT" sz="2400" dirty="0" err="1">
+                <a:solidFill>
+                  <a:schemeClr val="bg1"/>
+                </a:solidFill>
+              </a:rPr>
+              <a:t>related</a:t>
+            </a:r>
+            <a:r>
+              <a:rPr lang="it-IT" sz="2400" dirty="0">
+                <a:solidFill>
+                  <a:schemeClr val="bg1"/>
+                </a:solidFill>
+              </a:rPr>
+              <a:t> talks.</a:t>
+            </a:r>
+            <a:endParaRPr lang="it-IT" sz="1800" dirty="0">
               <a:solidFill>
                 <a:schemeClr val="bg1"/>
               </a:solidFill>
-              <a:latin typeface="Lato"/>
-              <a:ea typeface="Lato"/>
-              <a:cs typeface="Lato"/>
-              <a:sym typeface="Lato"/>
             </a:endParaRPr>
           </a:p>
         </p:txBody>
       </p:sp>
-      <p:pic>
-        <p:nvPicPr>
-          <p:cNvPr id="6" name="Immagine 5" descr="Immagine che contiene schermata, design&#10;&#10;Descrizione generata automaticamente">
-            <a:extLst>
-              <a:ext uri="{FF2B5EF4-FFF2-40B4-BE49-F238E27FC236}">
-                <a16:creationId xmlns:a16="http://schemas.microsoft.com/office/drawing/2014/main" id="{AC872381-CE9F-44F9-79F3-B8D39FC6E612}"/>
-              </a:ext>
-            </a:extLst>
-          </p:cNvPr>
-          <p:cNvPicPr>
-            <a:picLocks noChangeAspect="1"/>
-          </p:cNvPicPr>
-          <p:nvPr/>
-        </p:nvPicPr>
-        <p:blipFill rotWithShape="1">
-          <a:blip r:embed="rId3"/>
-          <a:srcRect t="22692" b="38559"/>
-          <a:stretch/>
-        </p:blipFill>
-        <p:spPr>
-          <a:xfrm>
-            <a:off x="1730000" y="4399639"/>
-            <a:ext cx="4762500" cy="1845411"/>
-          </a:xfrm>
-          <a:prstGeom prst="rect">
-            <a:avLst/>
-          </a:prstGeom>
-        </p:spPr>
-      </p:pic>
-      <p:pic>
-        <p:nvPicPr>
-          <p:cNvPr id="8" name="Immagine 7">
-            <a:extLst>
-              <a:ext uri="{FF2B5EF4-FFF2-40B4-BE49-F238E27FC236}">
-                <a16:creationId xmlns:a16="http://schemas.microsoft.com/office/drawing/2014/main" id="{A97AF41A-CC88-9E78-BE6D-1A83E283BF8F}"/>
-              </a:ext>
-            </a:extLst>
-          </p:cNvPr>
-          <p:cNvPicPr>
-            <a:picLocks noChangeAspect="1"/>
-          </p:cNvPicPr>
-          <p:nvPr/>
-        </p:nvPicPr>
-        <p:blipFill>
-          <a:blip r:embed="rId4"/>
-          <a:stretch>
-            <a:fillRect/>
-          </a:stretch>
-        </p:blipFill>
-        <p:spPr>
-          <a:xfrm>
-            <a:off x="7518663" y="4357304"/>
-            <a:ext cx="2429673" cy="1975686"/>
-          </a:xfrm>
-          <a:prstGeom prst="rect">
-            <a:avLst/>
-          </a:prstGeom>
-        </p:spPr>
-      </p:pic>
     </p:spTree>
+    <p:extLst>
+      <p:ext uri="{BB962C8B-B14F-4D97-AF65-F5344CB8AC3E}">
+        <p14:creationId xmlns:p14="http://schemas.microsoft.com/office/powerpoint/2010/main" val="4263137050"/>
+      </p:ext>
+    </p:extLst>
   </p:cSld>
   <p:clrMapOvr>
     <a:masterClrMapping/>
@@ -16468,7 +16657,7 @@
         </p:nvSpPr>
         <p:spPr>
           <a:xfrm>
-            <a:off x="1730000" y="525000"/>
+            <a:off x="0" y="299836"/>
             <a:ext cx="9385200" cy="1218900"/>
           </a:xfrm>
         </p:spPr>
@@ -16495,6 +16684,262 @@
             <a:r>
               <a:rPr lang="it-IT" dirty="0"/>
               <a:t>CODICE FLUTTER</a:t>
+            </a:r>
+          </a:p>
+        </p:txBody>
+      </p:sp>
+      <p:pic>
+        <p:nvPicPr>
+          <p:cNvPr id="3" name="Immagine 2" descr="Immagine che contiene testo, schermata, Carattere, schermo&#10;&#10;Descrizione generata automaticamente">
+            <a:extLst>
+              <a:ext uri="{FF2B5EF4-FFF2-40B4-BE49-F238E27FC236}">
+                <a16:creationId xmlns:a16="http://schemas.microsoft.com/office/drawing/2014/main" id="{26BCDA28-FF0D-5B4D-E8B6-C2D48ABA3C71}"/>
+              </a:ext>
+            </a:extLst>
+          </p:cNvPr>
+          <p:cNvPicPr>
+            <a:picLocks noChangeAspect="1"/>
+          </p:cNvPicPr>
+          <p:nvPr/>
+        </p:nvPicPr>
+        <p:blipFill>
+          <a:blip r:embed="rId3"/>
+          <a:stretch>
+            <a:fillRect/>
+          </a:stretch>
+        </p:blipFill>
+        <p:spPr>
+          <a:xfrm>
+            <a:off x="239614" y="3333383"/>
+            <a:ext cx="4753638" cy="2219635"/>
+          </a:xfrm>
+          <a:prstGeom prst="rect">
+            <a:avLst/>
+          </a:prstGeom>
+        </p:spPr>
+      </p:pic>
+      <p:pic>
+        <p:nvPicPr>
+          <p:cNvPr id="23" name="Immagine 22" descr="Immagine che contiene testo, schermata, schermo, software&#10;&#10;Descrizione generata automaticamente">
+            <a:extLst>
+              <a:ext uri="{FF2B5EF4-FFF2-40B4-BE49-F238E27FC236}">
+                <a16:creationId xmlns:a16="http://schemas.microsoft.com/office/drawing/2014/main" id="{CA33243E-6504-7B03-319C-904FD754A636}"/>
+              </a:ext>
+            </a:extLst>
+          </p:cNvPr>
+          <p:cNvPicPr>
+            <a:picLocks noChangeAspect="1"/>
+          </p:cNvPicPr>
+          <p:nvPr/>
+        </p:nvPicPr>
+        <p:blipFill>
+          <a:blip r:embed="rId4"/>
+          <a:stretch>
+            <a:fillRect/>
+          </a:stretch>
+        </p:blipFill>
+        <p:spPr>
+          <a:xfrm>
+            <a:off x="5154617" y="3156003"/>
+            <a:ext cx="6162289" cy="3011025"/>
+          </a:xfrm>
+          <a:prstGeom prst="rect">
+            <a:avLst/>
+          </a:prstGeom>
+        </p:spPr>
+      </p:pic>
+      <p:pic>
+        <p:nvPicPr>
+          <p:cNvPr id="25" name="Immagine 24" descr="Immagine che contiene testo, schermata, Carattere&#10;&#10;Descrizione generata automaticamente">
+            <a:extLst>
+              <a:ext uri="{FF2B5EF4-FFF2-40B4-BE49-F238E27FC236}">
+                <a16:creationId xmlns:a16="http://schemas.microsoft.com/office/drawing/2014/main" id="{38C101BD-E13D-53FB-C96E-63D04EEB883C}"/>
+              </a:ext>
+            </a:extLst>
+          </p:cNvPr>
+          <p:cNvPicPr>
+            <a:picLocks noChangeAspect="1"/>
+          </p:cNvPicPr>
+          <p:nvPr/>
+        </p:nvPicPr>
+        <p:blipFill>
+          <a:blip r:embed="rId5"/>
+          <a:stretch>
+            <a:fillRect/>
+          </a:stretch>
+        </p:blipFill>
+        <p:spPr>
+          <a:xfrm>
+            <a:off x="5154616" y="1993071"/>
+            <a:ext cx="5226513" cy="1228593"/>
+          </a:xfrm>
+          <a:prstGeom prst="rect">
+            <a:avLst/>
+          </a:prstGeom>
+        </p:spPr>
+      </p:pic>
+      <p:sp>
+        <p:nvSpPr>
+          <p:cNvPr id="26" name="CasellaDiTesto 25">
+            <a:extLst>
+              <a:ext uri="{FF2B5EF4-FFF2-40B4-BE49-F238E27FC236}">
+                <a16:creationId xmlns:a16="http://schemas.microsoft.com/office/drawing/2014/main" id="{F34398D0-990E-5F79-7828-6836CA149100}"/>
+              </a:ext>
+            </a:extLst>
+          </p:cNvPr>
+          <p:cNvSpPr txBox="1"/>
+          <p:nvPr/>
+        </p:nvSpPr>
+        <p:spPr>
+          <a:xfrm>
+            <a:off x="239614" y="2325006"/>
+            <a:ext cx="3254189" cy="830997"/>
+          </a:xfrm>
+          <a:prstGeom prst="rect">
+            <a:avLst/>
+          </a:prstGeom>
+          <a:noFill/>
+        </p:spPr>
+        <p:txBody>
+          <a:bodyPr wrap="square" rtlCol="0">
+            <a:spAutoFit/>
+          </a:bodyPr>
+          <a:lstStyle/>
+          <a:p>
+            <a:r>
+              <a:rPr lang="it-IT" sz="1600" dirty="0">
+                <a:solidFill>
+                  <a:schemeClr val="bg1"/>
+                </a:solidFill>
+              </a:rPr>
+              <a:t>File </a:t>
+            </a:r>
+            <a:r>
+              <a:rPr lang="it-IT" sz="1600" dirty="0" err="1">
+                <a:solidFill>
+                  <a:schemeClr val="bg1"/>
+                </a:solidFill>
+              </a:rPr>
+              <a:t>relatedTalk.dart</a:t>
+            </a:r>
+            <a:endParaRPr lang="it-IT" sz="1600" dirty="0">
+              <a:solidFill>
+                <a:schemeClr val="bg1"/>
+              </a:solidFill>
+            </a:endParaRPr>
+          </a:p>
+          <a:p>
+            <a:r>
+              <a:rPr lang="it-IT" sz="1600" dirty="0">
+                <a:solidFill>
+                  <a:schemeClr val="bg1"/>
+                </a:solidFill>
+              </a:rPr>
+              <a:t>Descrive il modello dati dei </a:t>
+            </a:r>
+            <a:r>
+              <a:rPr lang="it-IT" sz="1600" dirty="0" err="1">
+                <a:solidFill>
+                  <a:schemeClr val="bg1"/>
+                </a:solidFill>
+              </a:rPr>
+              <a:t>related</a:t>
+            </a:r>
+            <a:r>
+              <a:rPr lang="it-IT" sz="1600" dirty="0">
+                <a:solidFill>
+                  <a:schemeClr val="bg1"/>
+                </a:solidFill>
+              </a:rPr>
+              <a:t> talk</a:t>
+            </a:r>
+          </a:p>
+        </p:txBody>
+      </p:sp>
+      <p:sp>
+        <p:nvSpPr>
+          <p:cNvPr id="27" name="CasellaDiTesto 26">
+            <a:extLst>
+              <a:ext uri="{FF2B5EF4-FFF2-40B4-BE49-F238E27FC236}">
+                <a16:creationId xmlns:a16="http://schemas.microsoft.com/office/drawing/2014/main" id="{3176188C-1C18-7267-AB55-683B83F9B3C1}"/>
+              </a:ext>
+            </a:extLst>
+          </p:cNvPr>
+          <p:cNvSpPr txBox="1"/>
+          <p:nvPr/>
+        </p:nvSpPr>
+        <p:spPr>
+          <a:xfrm>
+            <a:off x="5154617" y="933066"/>
+            <a:ext cx="5615493" cy="1077218"/>
+          </a:xfrm>
+          <a:prstGeom prst="rect">
+            <a:avLst/>
+          </a:prstGeom>
+          <a:noFill/>
+        </p:spPr>
+        <p:txBody>
+          <a:bodyPr wrap="square" rtlCol="0">
+            <a:spAutoFit/>
+          </a:bodyPr>
+          <a:lstStyle/>
+          <a:p>
+            <a:r>
+              <a:rPr lang="it-IT" sz="1600" dirty="0">
+                <a:solidFill>
+                  <a:schemeClr val="bg1"/>
+                </a:solidFill>
+              </a:rPr>
+              <a:t>File </a:t>
+            </a:r>
+            <a:r>
+              <a:rPr lang="it-IT" sz="1600" dirty="0" err="1">
+                <a:solidFill>
+                  <a:schemeClr val="bg1"/>
+                </a:solidFill>
+              </a:rPr>
+              <a:t>talk_repository.dart</a:t>
+            </a:r>
+            <a:endParaRPr lang="it-IT" sz="1600" dirty="0">
+              <a:solidFill>
+                <a:schemeClr val="bg1"/>
+              </a:solidFill>
+            </a:endParaRPr>
+          </a:p>
+          <a:p>
+            <a:r>
+              <a:rPr lang="it-IT" sz="1600" dirty="0">
+                <a:solidFill>
+                  <a:schemeClr val="bg1"/>
+                </a:solidFill>
+              </a:rPr>
+              <a:t>Definisce una funzione per inizializzare una lista vuota</a:t>
+            </a:r>
+          </a:p>
+          <a:p>
+            <a:r>
+              <a:rPr lang="it-IT" sz="1600" dirty="0">
+                <a:solidFill>
+                  <a:schemeClr val="bg1"/>
+                </a:solidFill>
+              </a:rPr>
+              <a:t>E un’altra per andare a svolgere la nuova lambda </a:t>
+            </a:r>
+            <a:r>
+              <a:rPr lang="it-IT" sz="1600" dirty="0" err="1">
+                <a:solidFill>
+                  <a:schemeClr val="bg1"/>
+                </a:solidFill>
+              </a:rPr>
+              <a:t>function</a:t>
+            </a:r>
+            <a:r>
+              <a:rPr lang="it-IT" sz="1600" dirty="0">
+                <a:solidFill>
+                  <a:schemeClr val="bg1"/>
+                </a:solidFill>
+              </a:rPr>
+              <a:t> definendo il formato</a:t>
             </a:r>
           </a:p>
         </p:txBody>
@@ -16508,6 +16953,441 @@
 </file>
 
 <file path=ppt/slides/slide5.xml><?xml version="1.0" encoding="utf-8"?>
+<p:sld xmlns:a="http://schemas.openxmlformats.org/drawingml/2006/main" xmlns:r="http://schemas.openxmlformats.org/officeDocument/2006/relationships" xmlns:p="http://schemas.openxmlformats.org/presentationml/2006/main">
+  <p:cSld>
+    <p:spTree>
+      <p:nvGrpSpPr>
+        <p:cNvPr id="1" name="Shape 165"/>
+        <p:cNvGrpSpPr/>
+        <p:nvPr/>
+      </p:nvGrpSpPr>
+      <p:grpSpPr>
+        <a:xfrm>
+          <a:off x="0" y="0"/>
+          <a:ext cx="0" cy="0"/>
+          <a:chOff x="0" y="0"/>
+          <a:chExt cx="0" cy="0"/>
+        </a:xfrm>
+      </p:grpSpPr>
+      <p:pic>
+        <p:nvPicPr>
+          <p:cNvPr id="13" name="Immagine 12" descr="Immagine che contiene testo, schermata, software&#10;&#10;Descrizione generata automaticamente">
+            <a:extLst>
+              <a:ext uri="{FF2B5EF4-FFF2-40B4-BE49-F238E27FC236}">
+                <a16:creationId xmlns:a16="http://schemas.microsoft.com/office/drawing/2014/main" id="{F93DA1B3-70DC-F70C-5D9C-7DA76A57062E}"/>
+              </a:ext>
+            </a:extLst>
+          </p:cNvPr>
+          <p:cNvPicPr>
+            <a:picLocks noChangeAspect="1"/>
+          </p:cNvPicPr>
+          <p:nvPr/>
+        </p:nvPicPr>
+        <p:blipFill>
+          <a:blip r:embed="rId3"/>
+          <a:stretch>
+            <a:fillRect/>
+          </a:stretch>
+        </p:blipFill>
+        <p:spPr>
+          <a:xfrm>
+            <a:off x="2133451" y="2712975"/>
+            <a:ext cx="4914657" cy="3808619"/>
+          </a:xfrm>
+          <a:prstGeom prst="rect">
+            <a:avLst/>
+          </a:prstGeom>
+        </p:spPr>
+      </p:pic>
+      <p:pic>
+        <p:nvPicPr>
+          <p:cNvPr id="15" name="Immagine 14" descr="Immagine che contiene testo, schermata, Carattere, linea&#10;&#10;Descrizione generata automaticamente">
+            <a:extLst>
+              <a:ext uri="{FF2B5EF4-FFF2-40B4-BE49-F238E27FC236}">
+                <a16:creationId xmlns:a16="http://schemas.microsoft.com/office/drawing/2014/main" id="{48B433A4-1837-F22A-BAAA-CCE06CF05ED5}"/>
+              </a:ext>
+            </a:extLst>
+          </p:cNvPr>
+          <p:cNvPicPr>
+            <a:picLocks noChangeAspect="1"/>
+          </p:cNvPicPr>
+          <p:nvPr/>
+        </p:nvPicPr>
+        <p:blipFill>
+          <a:blip r:embed="rId4"/>
+          <a:stretch>
+            <a:fillRect/>
+          </a:stretch>
+        </p:blipFill>
+        <p:spPr>
+          <a:xfrm>
+            <a:off x="2133452" y="1279590"/>
+            <a:ext cx="4914658" cy="1469579"/>
+          </a:xfrm>
+          <a:prstGeom prst="rect">
+            <a:avLst/>
+          </a:prstGeom>
+        </p:spPr>
+      </p:pic>
+      <p:sp>
+        <p:nvSpPr>
+          <p:cNvPr id="2" name="CasellaDiTesto 1">
+            <a:extLst>
+              <a:ext uri="{FF2B5EF4-FFF2-40B4-BE49-F238E27FC236}">
+                <a16:creationId xmlns:a16="http://schemas.microsoft.com/office/drawing/2014/main" id="{DCEE9B64-8878-B8AE-C764-152FE1203CF3}"/>
+              </a:ext>
+            </a:extLst>
+          </p:cNvPr>
+          <p:cNvSpPr txBox="1"/>
+          <p:nvPr/>
+        </p:nvSpPr>
+        <p:spPr>
+          <a:xfrm>
+            <a:off x="3756003" y="464416"/>
+            <a:ext cx="6369631" cy="461665"/>
+          </a:xfrm>
+          <a:prstGeom prst="rect">
+            <a:avLst/>
+          </a:prstGeom>
+          <a:noFill/>
+        </p:spPr>
+        <p:txBody>
+          <a:bodyPr wrap="square" rtlCol="0">
+            <a:spAutoFit/>
+          </a:bodyPr>
+          <a:lstStyle/>
+          <a:p>
+            <a:r>
+              <a:rPr lang="it-IT" sz="2400" dirty="0">
+                <a:solidFill>
+                  <a:schemeClr val="bg1"/>
+                </a:solidFill>
+              </a:rPr>
+              <a:t>CODICE </a:t>
+            </a:r>
+            <a:r>
+              <a:rPr lang="it-IT" sz="2400" dirty="0" err="1">
+                <a:solidFill>
+                  <a:schemeClr val="bg1"/>
+                </a:solidFill>
+              </a:rPr>
+              <a:t>FLUTTER:main.dart</a:t>
+            </a:r>
+            <a:endParaRPr lang="it-IT" sz="2400" dirty="0">
+              <a:solidFill>
+                <a:schemeClr val="bg1"/>
+              </a:solidFill>
+            </a:endParaRPr>
+          </a:p>
+        </p:txBody>
+      </p:sp>
+      <p:sp>
+        <p:nvSpPr>
+          <p:cNvPr id="3" name="CasellaDiTesto 2">
+            <a:extLst>
+              <a:ext uri="{FF2B5EF4-FFF2-40B4-BE49-F238E27FC236}">
+                <a16:creationId xmlns:a16="http://schemas.microsoft.com/office/drawing/2014/main" id="{3D858F70-53FD-8773-3BDD-751ABEAD9045}"/>
+              </a:ext>
+            </a:extLst>
+          </p:cNvPr>
+          <p:cNvSpPr txBox="1"/>
+          <p:nvPr/>
+        </p:nvSpPr>
+        <p:spPr>
+          <a:xfrm>
+            <a:off x="7718612" y="1411941"/>
+            <a:ext cx="3052482" cy="1015663"/>
+          </a:xfrm>
+          <a:prstGeom prst="rect">
+            <a:avLst/>
+          </a:prstGeom>
+          <a:noFill/>
+        </p:spPr>
+        <p:txBody>
+          <a:bodyPr wrap="square" rtlCol="0">
+            <a:spAutoFit/>
+          </a:bodyPr>
+          <a:lstStyle/>
+          <a:p>
+            <a:r>
+              <a:rPr lang="it-IT" sz="2000" dirty="0">
+                <a:solidFill>
+                  <a:schemeClr val="bg1"/>
+                </a:solidFill>
+              </a:rPr>
+              <a:t>Definizione della funzione per chiamare l’API</a:t>
+            </a:r>
+          </a:p>
+        </p:txBody>
+      </p:sp>
+      <p:sp>
+        <p:nvSpPr>
+          <p:cNvPr id="4" name="CasellaDiTesto 3">
+            <a:extLst>
+              <a:ext uri="{FF2B5EF4-FFF2-40B4-BE49-F238E27FC236}">
+                <a16:creationId xmlns:a16="http://schemas.microsoft.com/office/drawing/2014/main" id="{69779E40-1832-2DCE-CC89-24C84E616D62}"/>
+              </a:ext>
+            </a:extLst>
+          </p:cNvPr>
+          <p:cNvSpPr txBox="1"/>
+          <p:nvPr/>
+        </p:nvSpPr>
+        <p:spPr>
+          <a:xfrm>
+            <a:off x="7718612" y="3012141"/>
+            <a:ext cx="3052482" cy="1631216"/>
+          </a:xfrm>
+          <a:prstGeom prst="rect">
+            <a:avLst/>
+          </a:prstGeom>
+          <a:noFill/>
+        </p:spPr>
+        <p:txBody>
+          <a:bodyPr wrap="square" rtlCol="0">
+            <a:spAutoFit/>
+          </a:bodyPr>
+          <a:lstStyle/>
+          <a:p>
+            <a:r>
+              <a:rPr lang="it-IT" sz="2000" dirty="0">
+                <a:solidFill>
+                  <a:schemeClr val="bg1"/>
+                </a:solidFill>
+              </a:rPr>
+              <a:t>Elementi presenti all’interno della pagina principale con i relativi bottoni per richiamare le funzioni</a:t>
+            </a:r>
+          </a:p>
+        </p:txBody>
+      </p:sp>
+    </p:spTree>
+    <p:extLst>
+      <p:ext uri="{BB962C8B-B14F-4D97-AF65-F5344CB8AC3E}">
+        <p14:creationId xmlns:p14="http://schemas.microsoft.com/office/powerpoint/2010/main" val="1641848563"/>
+      </p:ext>
+    </p:extLst>
+  </p:cSld>
+  <p:clrMapOvr>
+    <a:masterClrMapping/>
+  </p:clrMapOvr>
+</p:sld>
+</file>
+
+<file path=ppt/slides/slide6.xml><?xml version="1.0" encoding="utf-8"?>
+<p:sld xmlns:a="http://schemas.openxmlformats.org/drawingml/2006/main" xmlns:r="http://schemas.openxmlformats.org/officeDocument/2006/relationships" xmlns:p="http://schemas.openxmlformats.org/presentationml/2006/main">
+  <p:cSld>
+    <p:spTree>
+      <p:nvGrpSpPr>
+        <p:cNvPr id="1" name="Shape 165"/>
+        <p:cNvGrpSpPr/>
+        <p:nvPr/>
+      </p:nvGrpSpPr>
+      <p:grpSpPr>
+        <a:xfrm>
+          <a:off x="0" y="0"/>
+          <a:ext cx="0" cy="0"/>
+          <a:chOff x="0" y="0"/>
+          <a:chExt cx="0" cy="0"/>
+        </a:xfrm>
+      </p:grpSpPr>
+      <p:pic>
+        <p:nvPicPr>
+          <p:cNvPr id="21" name="Immagine 20" descr="Immagine che contiene testo, schermata, software&#10;&#10;Descrizione generata automaticamente">
+            <a:extLst>
+              <a:ext uri="{FF2B5EF4-FFF2-40B4-BE49-F238E27FC236}">
+                <a16:creationId xmlns:a16="http://schemas.microsoft.com/office/drawing/2014/main" id="{B19A4838-5712-9C10-4EAF-62AE39345984}"/>
+              </a:ext>
+            </a:extLst>
+          </p:cNvPr>
+          <p:cNvPicPr>
+            <a:picLocks noChangeAspect="1"/>
+          </p:cNvPicPr>
+          <p:nvPr/>
+        </p:nvPicPr>
+        <p:blipFill rotWithShape="1">
+          <a:blip r:embed="rId3"/>
+          <a:srcRect l="3105" r="10940"/>
+          <a:stretch/>
+        </p:blipFill>
+        <p:spPr>
+          <a:xfrm>
+            <a:off x="119012" y="1713975"/>
+            <a:ext cx="4300108" cy="3772426"/>
+          </a:xfrm>
+          <a:prstGeom prst="rect">
+            <a:avLst/>
+          </a:prstGeom>
+        </p:spPr>
+      </p:pic>
+      <p:pic>
+        <p:nvPicPr>
+          <p:cNvPr id="19" name="Immagine 18" descr="Immagine che contiene testo, schermata, software, Sistema operativo&#10;&#10;Descrizione generata automaticamente">
+            <a:extLst>
+              <a:ext uri="{FF2B5EF4-FFF2-40B4-BE49-F238E27FC236}">
+                <a16:creationId xmlns:a16="http://schemas.microsoft.com/office/drawing/2014/main" id="{C9963A08-4509-0E2B-CA96-BC7C4A8FE372}"/>
+              </a:ext>
+            </a:extLst>
+          </p:cNvPr>
+          <p:cNvPicPr>
+            <a:picLocks noChangeAspect="1"/>
+          </p:cNvPicPr>
+          <p:nvPr/>
+        </p:nvPicPr>
+        <p:blipFill rotWithShape="1">
+          <a:blip r:embed="rId4"/>
+          <a:srcRect l="5057" r="8024"/>
+          <a:stretch/>
+        </p:blipFill>
+        <p:spPr>
+          <a:xfrm>
+            <a:off x="4419119" y="1713975"/>
+            <a:ext cx="3353761" cy="3772426"/>
+          </a:xfrm>
+          <a:prstGeom prst="rect">
+            <a:avLst/>
+          </a:prstGeom>
+        </p:spPr>
+      </p:pic>
+      <p:pic>
+        <p:nvPicPr>
+          <p:cNvPr id="17" name="Immagine 16" descr="Immagine che contiene testo, schermata, software&#10;&#10;Descrizione generata automaticamente">
+            <a:extLst>
+              <a:ext uri="{FF2B5EF4-FFF2-40B4-BE49-F238E27FC236}">
+                <a16:creationId xmlns:a16="http://schemas.microsoft.com/office/drawing/2014/main" id="{7C4270F2-5A1A-3C48-3C7E-53B43F608309}"/>
+              </a:ext>
+            </a:extLst>
+          </p:cNvPr>
+          <p:cNvPicPr>
+            <a:picLocks noChangeAspect="1"/>
+          </p:cNvPicPr>
+          <p:nvPr/>
+        </p:nvPicPr>
+        <p:blipFill rotWithShape="1">
+          <a:blip r:embed="rId5"/>
+          <a:srcRect r="4159" b="1765"/>
+          <a:stretch/>
+        </p:blipFill>
+        <p:spPr>
+          <a:xfrm>
+            <a:off x="7772880" y="1713975"/>
+            <a:ext cx="4300109" cy="3772426"/>
+          </a:xfrm>
+          <a:prstGeom prst="rect">
+            <a:avLst/>
+          </a:prstGeom>
+        </p:spPr>
+      </p:pic>
+      <p:pic>
+        <p:nvPicPr>
+          <p:cNvPr id="2" name="Immagine 1">
+            <a:extLst>
+              <a:ext uri="{FF2B5EF4-FFF2-40B4-BE49-F238E27FC236}">
+                <a16:creationId xmlns:a16="http://schemas.microsoft.com/office/drawing/2014/main" id="{57958CBD-2A1A-DD9F-BBE0-5D1C1B90AFF5}"/>
+              </a:ext>
+            </a:extLst>
+          </p:cNvPr>
+          <p:cNvPicPr>
+            <a:picLocks noChangeAspect="1"/>
+          </p:cNvPicPr>
+          <p:nvPr/>
+        </p:nvPicPr>
+        <p:blipFill>
+          <a:blip r:embed="rId6"/>
+          <a:stretch>
+            <a:fillRect/>
+          </a:stretch>
+        </p:blipFill>
+        <p:spPr>
+          <a:xfrm>
+            <a:off x="4075075" y="174426"/>
+            <a:ext cx="6462320" cy="646232"/>
+          </a:xfrm>
+          <a:prstGeom prst="rect">
+            <a:avLst/>
+          </a:prstGeom>
+        </p:spPr>
+      </p:pic>
+      <p:sp>
+        <p:nvSpPr>
+          <p:cNvPr id="3" name="CasellaDiTesto 2">
+            <a:extLst>
+              <a:ext uri="{FF2B5EF4-FFF2-40B4-BE49-F238E27FC236}">
+                <a16:creationId xmlns:a16="http://schemas.microsoft.com/office/drawing/2014/main" id="{2B4EF76E-083D-5F0F-D0E6-4A10B2853155}"/>
+              </a:ext>
+            </a:extLst>
+          </p:cNvPr>
+          <p:cNvSpPr txBox="1"/>
+          <p:nvPr/>
+        </p:nvSpPr>
+        <p:spPr>
+          <a:xfrm>
+            <a:off x="2030506" y="1062318"/>
+            <a:ext cx="6158753" cy="584775"/>
+          </a:xfrm>
+          <a:prstGeom prst="rect">
+            <a:avLst/>
+          </a:prstGeom>
+          <a:noFill/>
+        </p:spPr>
+        <p:txBody>
+          <a:bodyPr wrap="square" rtlCol="0">
+            <a:spAutoFit/>
+          </a:bodyPr>
+          <a:lstStyle/>
+          <a:p>
+            <a:r>
+              <a:rPr lang="it-IT" sz="1600" dirty="0">
+                <a:solidFill>
+                  <a:schemeClr val="bg1"/>
+                </a:solidFill>
+              </a:rPr>
+              <a:t>Creazione di un nuovo widget per creare la pagina di output dei </a:t>
+            </a:r>
+            <a:r>
+              <a:rPr lang="it-IT" sz="1600" dirty="0" err="1">
+                <a:solidFill>
+                  <a:schemeClr val="bg1"/>
+                </a:solidFill>
+              </a:rPr>
+              <a:t>related</a:t>
+            </a:r>
+            <a:r>
+              <a:rPr lang="it-IT" sz="1600" dirty="0">
+                <a:solidFill>
+                  <a:schemeClr val="bg1"/>
+                </a:solidFill>
+              </a:rPr>
+              <a:t> </a:t>
+            </a:r>
+            <a:r>
+              <a:rPr lang="it-IT" sz="1600" dirty="0" err="1">
+                <a:solidFill>
+                  <a:schemeClr val="bg1"/>
+                </a:solidFill>
+              </a:rPr>
+              <a:t>videos</a:t>
+            </a:r>
+            <a:endParaRPr lang="it-IT" sz="1600" dirty="0">
+              <a:solidFill>
+                <a:schemeClr val="bg1"/>
+              </a:solidFill>
+            </a:endParaRPr>
+          </a:p>
+        </p:txBody>
+      </p:sp>
+    </p:spTree>
+    <p:extLst>
+      <p:ext uri="{BB962C8B-B14F-4D97-AF65-F5344CB8AC3E}">
+        <p14:creationId xmlns:p14="http://schemas.microsoft.com/office/powerpoint/2010/main" val="1119446600"/>
+      </p:ext>
+    </p:extLst>
+  </p:cSld>
+  <p:clrMapOvr>
+    <a:masterClrMapping/>
+  </p:clrMapOvr>
+</p:sld>
+</file>
+
+<file path=ppt/slides/slide7.xml><?xml version="1.0" encoding="utf-8"?>
 <p:sld xmlns:a="http://schemas.openxmlformats.org/drawingml/2006/main" xmlns:r="http://schemas.openxmlformats.org/officeDocument/2006/relationships" xmlns:p="http://schemas.openxmlformats.org/presentationml/2006/main">
   <p:cSld>
     <p:spTree>
@@ -16768,7 +17648,7 @@
 </p:sld>
 </file>
 
-<file path=ppt/slides/slide6.xml><?xml version="1.0" encoding="utf-8"?>
+<file path=ppt/slides/slide8.xml><?xml version="1.0" encoding="utf-8"?>
 <p:sld xmlns:a="http://schemas.openxmlformats.org/drawingml/2006/main" xmlns:r="http://schemas.openxmlformats.org/officeDocument/2006/relationships" xmlns:p="http://schemas.openxmlformats.org/presentationml/2006/main">
   <p:cSld>
     <p:spTree>
@@ -17081,7 +17961,7 @@
 </p:sld>
 </file>
 
-<file path=ppt/slides/slide7.xml><?xml version="1.0" encoding="utf-8"?>
+<file path=ppt/slides/slide9.xml><?xml version="1.0" encoding="utf-8"?>
 <p:sld xmlns:a="http://schemas.openxmlformats.org/drawingml/2006/main" xmlns:r="http://schemas.openxmlformats.org/officeDocument/2006/relationships" xmlns:p="http://schemas.openxmlformats.org/presentationml/2006/main">
   <p:cSld>
     <p:spTree>
@@ -17143,100 +18023,6 @@
         <p14:creationId xmlns:p14="http://schemas.microsoft.com/office/powerpoint/2010/main" val="3451386327"/>
       </p:ext>
     </p:extLst>
-  </p:cSld>
-  <p:clrMapOvr>
-    <a:masterClrMapping/>
-  </p:clrMapOvr>
-</p:sld>
-</file>
-
-<file path=ppt/slides/slide8.xml><?xml version="1.0" encoding="utf-8"?>
-<p:sld xmlns:a="http://schemas.openxmlformats.org/drawingml/2006/main" xmlns:r="http://schemas.openxmlformats.org/officeDocument/2006/relationships" xmlns:p="http://schemas.openxmlformats.org/presentationml/2006/main">
-  <p:cSld>
-    <p:spTree>
-      <p:nvGrpSpPr>
-        <p:cNvPr id="1" name="Shape 171"/>
-        <p:cNvGrpSpPr/>
-        <p:nvPr/>
-      </p:nvGrpSpPr>
-      <p:grpSpPr>
-        <a:xfrm>
-          <a:off x="0" y="0"/>
-          <a:ext cx="0" cy="0"/>
-          <a:chOff x="0" y="0"/>
-          <a:chExt cx="0" cy="0"/>
-        </a:xfrm>
-      </p:grpSpPr>
-    </p:spTree>
-    <p:extLst>
-      <p:ext uri="{BB962C8B-B14F-4D97-AF65-F5344CB8AC3E}">
-        <p14:creationId xmlns:p14="http://schemas.microsoft.com/office/powerpoint/2010/main" val="3946796229"/>
-      </p:ext>
-    </p:extLst>
-  </p:cSld>
-  <p:clrMapOvr>
-    <a:masterClrMapping/>
-  </p:clrMapOvr>
-</p:sld>
-</file>
-
-<file path=ppt/slides/slide9.xml><?xml version="1.0" encoding="utf-8"?>
-<p:sld xmlns:a="http://schemas.openxmlformats.org/drawingml/2006/main" xmlns:r="http://schemas.openxmlformats.org/officeDocument/2006/relationships" xmlns:p="http://schemas.openxmlformats.org/presentationml/2006/main">
-  <p:cSld>
-    <p:spTree>
-      <p:nvGrpSpPr>
-        <p:cNvPr id="1" name="Shape 165"/>
-        <p:cNvGrpSpPr/>
-        <p:nvPr/>
-      </p:nvGrpSpPr>
-      <p:grpSpPr>
-        <a:xfrm>
-          <a:off x="0" y="0"/>
-          <a:ext cx="0" cy="0"/>
-          <a:chOff x="0" y="0"/>
-          <a:chExt cx="0" cy="0"/>
-        </a:xfrm>
-      </p:grpSpPr>
-      <p:sp>
-        <p:nvSpPr>
-          <p:cNvPr id="2" name="CasellaDiTesto 1">
-            <a:extLst>
-              <a:ext uri="{FF2B5EF4-FFF2-40B4-BE49-F238E27FC236}">
-                <a16:creationId xmlns:a16="http://schemas.microsoft.com/office/drawing/2014/main" id="{1396A286-5728-6DE9-33E8-4EEB394FDCE5}"/>
-              </a:ext>
-            </a:extLst>
-          </p:cNvPr>
-          <p:cNvSpPr txBox="1"/>
-          <p:nvPr/>
-        </p:nvSpPr>
-        <p:spPr>
-          <a:xfrm>
-            <a:off x="2860272" y="363667"/>
-            <a:ext cx="6831106" cy="584775"/>
-          </a:xfrm>
-          <a:prstGeom prst="rect">
-            <a:avLst/>
-          </a:prstGeom>
-          <a:noFill/>
-        </p:spPr>
-        <p:txBody>
-          <a:bodyPr wrap="square" rtlCol="0">
-            <a:spAutoFit/>
-          </a:bodyPr>
-          <a:lstStyle/>
-          <a:p>
-            <a:r>
-              <a:rPr lang="it-IT" sz="3200" dirty="0">
-                <a:solidFill>
-                  <a:schemeClr val="bg1"/>
-                </a:solidFill>
-              </a:rPr>
-              <a:t>Frame Utilizzati</a:t>
-            </a:r>
-          </a:p>
-        </p:txBody>
-      </p:sp>
-    </p:spTree>
   </p:cSld>
   <p:clrMapOvr>
     <a:masterClrMapping/>

--- a/Parte 4/Presentazione TedxTok(parte 4).pptx
+++ b/Parte 4/Presentazione TedxTok(parte 4).pptx
@@ -273,7 +273,7 @@
       <p15:sldGuideLst xmlns:p15="http://schemas.microsoft.com/office/powerpoint/2012/main"/>
     </p:ext>
     <p:ext uri="GoogleSlidesCustomDataVersion2">
-      <go:slidesCustomData xmlns:go="http://customooxmlschemas.google.com/" xmlns:ahyp="http://schemas.microsoft.com/office/drawing/2018/hyperlinkcolor" xmlns:p15="http://schemas.microsoft.com/office/powerpoint/2012/main" xmlns:p14="http://schemas.microsoft.com/office/powerpoint/2010/main" xmlns:com="http://schemas.openxmlformats.org/drawingml/2006/compatibility" xmlns:pvml="urn:schemas-microsoft-com:office:powerpoint" xmlns:v="urn:schemas-microsoft-com:vml" xmlns:o="urn:schemas-microsoft-com:office:office" xmlns:dgm="http://schemas.openxmlformats.org/drawingml/2006/diagram" xmlns:c="http://schemas.openxmlformats.org/drawingml/2006/chart" xmlns:mv="urn:schemas-microsoft-com:mac:vml" xmlns:mc="http://schemas.openxmlformats.org/markup-compatibility/2006" xmlns="" r:id="rId23" roundtripDataSignature="AMtx7mhz1SmdKV2hiuRVC0M0Qv/I3R/bJw=="/>
+      <go:slidesCustomData xmlns="" xmlns:mc="http://schemas.openxmlformats.org/markup-compatibility/2006" xmlns:mv="urn:schemas-microsoft-com:mac:vml" xmlns:c="http://schemas.openxmlformats.org/drawingml/2006/chart" xmlns:dgm="http://schemas.openxmlformats.org/drawingml/2006/diagram" xmlns:o="urn:schemas-microsoft-com:office:office" xmlns:v="urn:schemas-microsoft-com:vml" xmlns:pvml="urn:schemas-microsoft-com:office:powerpoint" xmlns:com="http://schemas.openxmlformats.org/drawingml/2006/compatibility" xmlns:p14="http://schemas.microsoft.com/office/powerpoint/2010/main" xmlns:p15="http://schemas.microsoft.com/office/powerpoint/2012/main" xmlns:ahyp="http://schemas.microsoft.com/office/drawing/2018/hyperlinkcolor" xmlns:go="http://customooxmlschemas.google.com/" r:id="rId23" roundtripDataSignature="AMtx7mhz1SmdKV2hiuRVC0M0Qv/I3R/bJw=="/>
     </p:ext>
   </p:extLst>
 </p:presentation>
@@ -17821,6 +17821,30 @@
               <a:buFont typeface="Arial" panose="020B0604020202020204" pitchFamily="34" charset="0"/>
               <a:buChar char="•"/>
             </a:pPr>
+            <a:r>
+              <a:rPr lang="it-IT" sz="1100" u="sng" dirty="0">
+                <a:solidFill>
+                  <a:schemeClr val="bg1"/>
+                </a:solidFill>
+                <a:latin typeface="Lato"/>
+                <a:ea typeface="Lato"/>
+                <a:cs typeface="Lato"/>
+                <a:sym typeface="Lato"/>
+              </a:rPr>
+              <a:t>Inserimento di tutti i tag presenti nel </a:t>
+            </a:r>
+            <a:r>
+              <a:rPr lang="it-IT" sz="1100" u="sng">
+                <a:solidFill>
+                  <a:schemeClr val="bg1"/>
+                </a:solidFill>
+                <a:latin typeface="Lato"/>
+                <a:ea typeface="Lato"/>
+                <a:cs typeface="Lato"/>
+                <a:sym typeface="Lato"/>
+              </a:rPr>
+              <a:t>databse</a:t>
+            </a:r>
             <a:endParaRPr lang="it-IT" sz="1100" u="sng" dirty="0">
               <a:solidFill>
                 <a:schemeClr val="bg1"/>

--- a/Parte 4/Presentazione TedxTok(parte 4).pptx
+++ b/Parte 4/Presentazione TedxTok(parte 4).pptx
@@ -273,7 +273,7 @@
       <p15:sldGuideLst xmlns:p15="http://schemas.microsoft.com/office/powerpoint/2012/main"/>
     </p:ext>
     <p:ext uri="GoogleSlidesCustomDataVersion2">
-      <go:slidesCustomData xmlns="" xmlns:mc="http://schemas.openxmlformats.org/markup-compatibility/2006" xmlns:mv="urn:schemas-microsoft-com:mac:vml" xmlns:c="http://schemas.openxmlformats.org/drawingml/2006/chart" xmlns:dgm="http://schemas.openxmlformats.org/drawingml/2006/diagram" xmlns:o="urn:schemas-microsoft-com:office:office" xmlns:v="urn:schemas-microsoft-com:vml" xmlns:pvml="urn:schemas-microsoft-com:office:powerpoint" xmlns:com="http://schemas.openxmlformats.org/drawingml/2006/compatibility" xmlns:p14="http://schemas.microsoft.com/office/powerpoint/2010/main" xmlns:p15="http://schemas.microsoft.com/office/powerpoint/2012/main" xmlns:ahyp="http://schemas.microsoft.com/office/drawing/2018/hyperlinkcolor" xmlns:go="http://customooxmlschemas.google.com/" r:id="rId23" roundtripDataSignature="AMtx7mhz1SmdKV2hiuRVC0M0Qv/I3R/bJw=="/>
+      <go:slidesCustomData xmlns:go="http://customooxmlschemas.google.com/" xmlns:ahyp="http://schemas.microsoft.com/office/drawing/2018/hyperlinkcolor" xmlns:p15="http://schemas.microsoft.com/office/powerpoint/2012/main" xmlns:p14="http://schemas.microsoft.com/office/powerpoint/2010/main" xmlns:com="http://schemas.openxmlformats.org/drawingml/2006/compatibility" xmlns:pvml="urn:schemas-microsoft-com:office:powerpoint" xmlns:v="urn:schemas-microsoft-com:vml" xmlns:o="urn:schemas-microsoft-com:office:office" xmlns:dgm="http://schemas.openxmlformats.org/drawingml/2006/diagram" xmlns:c="http://schemas.openxmlformats.org/drawingml/2006/chart" xmlns:mv="urn:schemas-microsoft-com:mac:vml" xmlns:mc="http://schemas.openxmlformats.org/markup-compatibility/2006" xmlns="" r:id="rId23" roundtripDataSignature="AMtx7mhz1SmdKV2hiuRVC0M0Qv/I3R/bJw=="/>
     </p:ext>
   </p:extLst>
 </p:presentation>
@@ -17901,6 +17901,102 @@
               <a:buFont typeface="Arial" panose="020B0604020202020204" pitchFamily="34" charset="0"/>
               <a:buChar char="•"/>
             </a:pPr>
+            <a:r>
+              <a:rPr lang="it-IT" sz="1800" u="sng" dirty="0">
+                <a:solidFill>
+                  <a:schemeClr val="bg1"/>
+                </a:solidFill>
+                <a:latin typeface="Lato"/>
+                <a:ea typeface="Lato"/>
+                <a:cs typeface="Lato"/>
+                <a:sym typeface="Lato"/>
+              </a:rPr>
+              <a:t>È stata realizzata una modifica </a:t>
+            </a:r>
+            <a:r>
+              <a:rPr lang="it-IT" sz="1800" u="sng" dirty="0" err="1">
+                <a:solidFill>
+                  <a:schemeClr val="bg1"/>
+                </a:solidFill>
+                <a:latin typeface="Lato"/>
+                <a:ea typeface="Lato"/>
+                <a:cs typeface="Lato"/>
+                <a:sym typeface="Lato"/>
+              </a:rPr>
+              <a:t>alll’interno</a:t>
+            </a:r>
+            <a:r>
+              <a:rPr lang="it-IT" sz="1800" u="sng" dirty="0">
+                <a:solidFill>
+                  <a:schemeClr val="bg1"/>
+                </a:solidFill>
+                <a:latin typeface="Lato"/>
+                <a:ea typeface="Lato"/>
+                <a:cs typeface="Lato"/>
+                <a:sym typeface="Lato"/>
+              </a:rPr>
+              <a:t> della lambda </a:t>
+            </a:r>
+            <a:r>
+              <a:rPr lang="it-IT" sz="1800" u="sng" dirty="0" err="1">
+                <a:solidFill>
+                  <a:schemeClr val="bg1"/>
+                </a:solidFill>
+                <a:latin typeface="Lato"/>
+                <a:ea typeface="Lato"/>
+                <a:cs typeface="Lato"/>
+                <a:sym typeface="Lato"/>
+              </a:rPr>
+              <a:t>function</a:t>
+            </a:r>
+            <a:r>
+              <a:rPr lang="it-IT" sz="1800" u="sng" dirty="0">
+                <a:solidFill>
+                  <a:schemeClr val="bg1"/>
+                </a:solidFill>
+                <a:latin typeface="Lato"/>
+                <a:ea typeface="Lato"/>
+                <a:cs typeface="Lato"/>
+                <a:sym typeface="Lato"/>
+              </a:rPr>
+              <a:t>  </a:t>
+            </a:r>
+            <a:r>
+              <a:rPr lang="it-IT" sz="1800" u="sng" dirty="0" err="1">
+                <a:solidFill>
+                  <a:schemeClr val="bg1"/>
+                </a:solidFill>
+                <a:latin typeface="Lato"/>
+                <a:ea typeface="Lato"/>
+                <a:cs typeface="Lato"/>
+                <a:sym typeface="Lato"/>
+              </a:rPr>
+              <a:t>getListTalks</a:t>
+            </a:r>
+            <a:r>
+              <a:rPr lang="it-IT" sz="1800" u="sng" dirty="0">
+                <a:solidFill>
+                  <a:schemeClr val="bg1"/>
+                </a:solidFill>
+                <a:latin typeface="Lato"/>
+                <a:ea typeface="Lato"/>
+                <a:cs typeface="Lato"/>
+                <a:sym typeface="Lato"/>
+              </a:rPr>
+              <a:t> andando a togliere il limite per pagina consentendo così lo </a:t>
+            </a:r>
+            <a:r>
+              <a:rPr lang="it-IT" sz="1800" u="sng">
+                <a:solidFill>
+                  <a:schemeClr val="bg1"/>
+                </a:solidFill>
+                <a:latin typeface="Lato"/>
+                <a:ea typeface="Lato"/>
+                <a:cs typeface="Lato"/>
+                <a:sym typeface="Lato"/>
+              </a:rPr>
+              <a:t>scorrimento tra i video della nostra app</a:t>
+            </a:r>
             <a:endParaRPr lang="it-IT" sz="1800" u="sng" dirty="0">
               <a:solidFill>
                 <a:schemeClr val="bg1"/>

--- a/Parte 4/Presentazione TedxTok(parte 4).pptx
+++ b/Parte 4/Presentazione TedxTok(parte 4).pptx
@@ -5,7 +5,7 @@
     <p:sldMasterId id="2147483648" r:id="rId1"/>
   </p:sldMasterIdLst>
   <p:notesMasterIdLst>
-    <p:notesMasterId r:id="rId14"/>
+    <p:notesMasterId r:id="rId15"/>
   </p:notesMasterIdLst>
   <p:sldIdLst>
     <p:sldId id="256" r:id="rId2"/>
@@ -14,29 +14,30 @@
     <p:sldId id="257" r:id="rId5"/>
     <p:sldId id="273" r:id="rId6"/>
     <p:sldId id="269" r:id="rId7"/>
-    <p:sldId id="271" r:id="rId8"/>
-    <p:sldId id="270" r:id="rId9"/>
-    <p:sldId id="268" r:id="rId10"/>
+    <p:sldId id="268" r:id="rId8"/>
+    <p:sldId id="271" r:id="rId9"/>
+    <p:sldId id="275" r:id="rId10"/>
     <p:sldId id="260" r:id="rId11"/>
     <p:sldId id="274" r:id="rId12"/>
-    <p:sldId id="264" r:id="rId13"/>
+    <p:sldId id="270" r:id="rId13"/>
+    <p:sldId id="264" r:id="rId14"/>
   </p:sldIdLst>
   <p:sldSz cx="12192000" cy="6858000"/>
   <p:notesSz cx="6858000" cy="9144000"/>
   <p:embeddedFontLst>
     <p:embeddedFont>
       <p:font typeface="Lato" panose="020F0502020204030203" pitchFamily="34" charset="0"/>
-      <p:regular r:id="rId15"/>
-      <p:bold r:id="rId16"/>
-      <p:italic r:id="rId17"/>
-      <p:boldItalic r:id="rId18"/>
+      <p:regular r:id="rId16"/>
+      <p:bold r:id="rId17"/>
+      <p:italic r:id="rId18"/>
+      <p:boldItalic r:id="rId19"/>
     </p:embeddedFont>
     <p:embeddedFont>
       <p:font typeface="Montserrat" panose="00000500000000000000" pitchFamily="2" charset="0"/>
-      <p:regular r:id="rId19"/>
-      <p:bold r:id="rId20"/>
-      <p:italic r:id="rId21"/>
-      <p:boldItalic r:id="rId22"/>
+      <p:regular r:id="rId20"/>
+      <p:bold r:id="rId21"/>
+      <p:italic r:id="rId22"/>
+      <p:boldItalic r:id="rId23"/>
     </p:embeddedFont>
   </p:embeddedFontLst>
   <p:defaultTextStyle>
@@ -273,7 +274,7 @@
       <p15:sldGuideLst xmlns:p15="http://schemas.microsoft.com/office/powerpoint/2012/main"/>
     </p:ext>
     <p:ext uri="GoogleSlidesCustomDataVersion2">
-      <go:slidesCustomData xmlns:go="http://customooxmlschemas.google.com/" xmlns:ahyp="http://schemas.microsoft.com/office/drawing/2018/hyperlinkcolor" xmlns:p15="http://schemas.microsoft.com/office/powerpoint/2012/main" xmlns:p14="http://schemas.microsoft.com/office/powerpoint/2010/main" xmlns:com="http://schemas.openxmlformats.org/drawingml/2006/compatibility" xmlns:pvml="urn:schemas-microsoft-com:office:powerpoint" xmlns:v="urn:schemas-microsoft-com:vml" xmlns:o="urn:schemas-microsoft-com:office:office" xmlns:dgm="http://schemas.openxmlformats.org/drawingml/2006/diagram" xmlns:c="http://schemas.openxmlformats.org/drawingml/2006/chart" xmlns:mv="urn:schemas-microsoft-com:mac:vml" xmlns:mc="http://schemas.openxmlformats.org/markup-compatibility/2006" xmlns="" r:id="rId23" roundtripDataSignature="AMtx7mhz1SmdKV2hiuRVC0M0Qv/I3R/bJw=="/>
+      <go:slidesCustomData xmlns="" xmlns:mc="http://schemas.openxmlformats.org/markup-compatibility/2006" xmlns:mv="urn:schemas-microsoft-com:mac:vml" xmlns:c="http://schemas.openxmlformats.org/drawingml/2006/chart" xmlns:dgm="http://schemas.openxmlformats.org/drawingml/2006/diagram" xmlns:o="urn:schemas-microsoft-com:office:office" xmlns:v="urn:schemas-microsoft-com:vml" xmlns:pvml="urn:schemas-microsoft-com:office:powerpoint" xmlns:com="http://schemas.openxmlformats.org/drawingml/2006/compatibility" xmlns:p14="http://schemas.microsoft.com/office/powerpoint/2010/main" xmlns:p15="http://schemas.microsoft.com/office/powerpoint/2012/main" xmlns:ahyp="http://schemas.microsoft.com/office/drawing/2018/hyperlinkcolor" xmlns:go="http://customooxmlschemas.google.com/" r:id="rId24" roundtripDataSignature="AMtx7mhz1SmdKV2hiuRVC0M0Qv/I3R/bJw=="/>
     </p:ext>
   </p:extLst>
 </p:presentation>
@@ -1234,6 +1235,133 @@
   <p:cSld>
     <p:spTree>
       <p:nvGrpSpPr>
+        <p:cNvPr id="1" name="Shape 173"/>
+        <p:cNvGrpSpPr/>
+        <p:nvPr/>
+      </p:nvGrpSpPr>
+      <p:grpSpPr>
+        <a:xfrm>
+          <a:off x="0" y="0"/>
+          <a:ext cx="0" cy="0"/>
+          <a:chOff x="0" y="0"/>
+          <a:chExt cx="0" cy="0"/>
+        </a:xfrm>
+      </p:grpSpPr>
+      <p:sp>
+        <p:nvSpPr>
+          <p:cNvPr id="174" name="Google Shape;174;g2dae90a407d_1_0:notes"/>
+          <p:cNvSpPr>
+            <a:spLocks noGrp="1" noRot="1" noChangeAspect="1"/>
+          </p:cNvSpPr>
+          <p:nvPr>
+            <p:ph type="sldImg" idx="2"/>
+          </p:nvPr>
+        </p:nvSpPr>
+        <p:spPr>
+          <a:xfrm>
+            <a:off x="381000" y="685800"/>
+            <a:ext cx="6096000" cy="3429000"/>
+          </a:xfrm>
+          <a:custGeom>
+            <a:avLst/>
+            <a:gdLst/>
+            <a:ahLst/>
+            <a:cxnLst/>
+            <a:rect l="l" t="t" r="r" b="b"/>
+            <a:pathLst>
+              <a:path w="120000" h="120000" extrusionOk="0">
+                <a:moveTo>
+                  <a:pt x="0" y="0"/>
+                </a:moveTo>
+                <a:lnTo>
+                  <a:pt x="120000" y="0"/>
+                </a:lnTo>
+                <a:lnTo>
+                  <a:pt x="120000" y="120000"/>
+                </a:lnTo>
+                <a:lnTo>
+                  <a:pt x="0" y="120000"/>
+                </a:lnTo>
+                <a:close/>
+              </a:path>
+            </a:pathLst>
+          </a:custGeom>
+          <a:noFill/>
+          <a:ln w="9525" cap="flat" cmpd="sng">
+            <a:solidFill>
+              <a:srgbClr val="000000"/>
+            </a:solidFill>
+            <a:prstDash val="solid"/>
+            <a:round/>
+            <a:headEnd type="none" w="sm" len="sm"/>
+            <a:tailEnd type="none" w="sm" len="sm"/>
+          </a:ln>
+        </p:spPr>
+      </p:sp>
+      <p:sp>
+        <p:nvSpPr>
+          <p:cNvPr id="175" name="Google Shape;175;g2dae90a407d_1_0:notes"/>
+          <p:cNvSpPr txBox="1">
+            <a:spLocks noGrp="1"/>
+          </p:cNvSpPr>
+          <p:nvPr>
+            <p:ph type="body" idx="1"/>
+          </p:nvPr>
+        </p:nvSpPr>
+        <p:spPr>
+          <a:xfrm>
+            <a:off x="685800" y="4343400"/>
+            <a:ext cx="5486400" cy="4114800"/>
+          </a:xfrm>
+          <a:prstGeom prst="rect">
+            <a:avLst/>
+          </a:prstGeom>
+          <a:noFill/>
+          <a:ln>
+            <a:noFill/>
+          </a:ln>
+        </p:spPr>
+        <p:txBody>
+          <a:bodyPr spcFirstLastPara="1" wrap="square" lIns="91425" tIns="91425" rIns="91425" bIns="91425" anchor="t" anchorCtr="0">
+            <a:noAutofit/>
+          </a:bodyPr>
+          <a:lstStyle/>
+          <a:p>
+            <a:pPr marL="0" lvl="0" indent="0" algn="l" rtl="0">
+              <a:lnSpc>
+                <a:spcPct val="100000"/>
+              </a:lnSpc>
+              <a:spcBef>
+                <a:spcPts val="0"/>
+              </a:spcBef>
+              <a:spcAft>
+                <a:spcPts val="0"/>
+              </a:spcAft>
+              <a:buSzPts val="1100"/>
+              <a:buNone/>
+            </a:pPr>
+            <a:endParaRPr/>
+          </a:p>
+        </p:txBody>
+      </p:sp>
+    </p:spTree>
+    <p:extLst>
+      <p:ext uri="{BB962C8B-B14F-4D97-AF65-F5344CB8AC3E}">
+        <p14:creationId xmlns:p14="http://schemas.microsoft.com/office/powerpoint/2010/main" val="3509276426"/>
+      </p:ext>
+    </p:extLst>
+  </p:cSld>
+  <p:clrMapOvr>
+    <a:masterClrMapping/>
+  </p:clrMapOvr>
+</p:notes>
+</file>
+
+<file path=ppt/notesSlides/notesSlide13.xml><?xml version="1.0" encoding="utf-8"?>
+<p:notes xmlns:a="http://schemas.openxmlformats.org/drawingml/2006/main" xmlns:r="http://schemas.openxmlformats.org/officeDocument/2006/relationships" xmlns:p="http://schemas.openxmlformats.org/presentationml/2006/main" showMasterSp="0" showMasterPhAnim="0">
+  <p:cSld>
+    <p:spTree>
+      <p:nvGrpSpPr>
         <p:cNvPr id="1" name="Shape 186"/>
         <p:cNvGrpSpPr/>
         <p:nvPr/>
@@ -2098,7 +2226,7 @@
     </p:spTree>
     <p:extLst>
       <p:ext uri="{BB962C8B-B14F-4D97-AF65-F5344CB8AC3E}">
-        <p14:creationId xmlns:p14="http://schemas.microsoft.com/office/powerpoint/2010/main" val="4267659669"/>
+        <p14:creationId xmlns:p14="http://schemas.microsoft.com/office/powerpoint/2010/main" val="3582275665"/>
       </p:ext>
     </p:extLst>
   </p:cSld>
@@ -2225,7 +2353,7 @@
     </p:spTree>
     <p:extLst>
       <p:ext uri="{BB962C8B-B14F-4D97-AF65-F5344CB8AC3E}">
-        <p14:creationId xmlns:p14="http://schemas.microsoft.com/office/powerpoint/2010/main" val="3509276426"/>
+        <p14:creationId xmlns:p14="http://schemas.microsoft.com/office/powerpoint/2010/main" val="4267659669"/>
       </p:ext>
     </p:extLst>
   </p:cSld>
@@ -2352,7 +2480,7 @@
     </p:spTree>
     <p:extLst>
       <p:ext uri="{BB962C8B-B14F-4D97-AF65-F5344CB8AC3E}">
-        <p14:creationId xmlns:p14="http://schemas.microsoft.com/office/powerpoint/2010/main" val="3582275665"/>
+        <p14:creationId xmlns:p14="http://schemas.microsoft.com/office/powerpoint/2010/main" val="3477632075"/>
       </p:ext>
     </p:extLst>
   </p:cSld>
@@ -15908,6 +16036,475 @@
   <p:cSld>
     <p:spTree>
       <p:nvGrpSpPr>
+        <p:cNvPr id="1" name="Shape 176"/>
+        <p:cNvGrpSpPr/>
+        <p:nvPr/>
+      </p:nvGrpSpPr>
+      <p:grpSpPr>
+        <a:xfrm>
+          <a:off x="0" y="0"/>
+          <a:ext cx="0" cy="0"/>
+          <a:chOff x="0" y="0"/>
+          <a:chExt cx="0" cy="0"/>
+        </a:xfrm>
+      </p:grpSpPr>
+      <p:sp>
+        <p:nvSpPr>
+          <p:cNvPr id="177" name="Google Shape;177;g2dae90a407d_1_0"/>
+          <p:cNvSpPr txBox="1">
+            <a:spLocks noGrp="1"/>
+          </p:cNvSpPr>
+          <p:nvPr>
+            <p:ph type="title"/>
+          </p:nvPr>
+        </p:nvSpPr>
+        <p:spPr>
+          <a:xfrm>
+            <a:off x="1730000" y="502075"/>
+            <a:ext cx="4708500" cy="1051800"/>
+          </a:xfrm>
+          <a:prstGeom prst="rect">
+            <a:avLst/>
+          </a:prstGeom>
+          <a:noFill/>
+          <a:ln>
+            <a:noFill/>
+          </a:ln>
+        </p:spPr>
+        <p:txBody>
+          <a:bodyPr spcFirstLastPara="1" wrap="square" lIns="121900" tIns="121900" rIns="121900" bIns="121900" anchor="t" anchorCtr="0">
+            <a:normAutofit fontScale="90000"/>
+          </a:bodyPr>
+          <a:lstStyle/>
+          <a:p>
+            <a:pPr marL="0" lvl="0" indent="0" algn="ctr" rtl="0">
+              <a:lnSpc>
+                <a:spcPct val="100000"/>
+              </a:lnSpc>
+              <a:spcBef>
+                <a:spcPts val="0"/>
+              </a:spcBef>
+              <a:spcAft>
+                <a:spcPts val="0"/>
+              </a:spcAft>
+              <a:buSzPts val="3200"/>
+              <a:buNone/>
+            </a:pPr>
+            <a:r>
+              <a:rPr lang="it-IT" dirty="0"/>
+              <a:t>CRITICIT</a:t>
+            </a:r>
+            <a:r>
+              <a:rPr lang="it-IT" cap="none" dirty="0"/>
+              <a:t>À</a:t>
+            </a:r>
+            <a:br>
+              <a:rPr lang="it-IT" cap="none" dirty="0"/>
+            </a:br>
+            <a:r>
+              <a:rPr lang="it-IT" cap="none" dirty="0"/>
+              <a:t>TECNICHE</a:t>
+            </a:r>
+            <a:endParaRPr cap="none" dirty="0"/>
+          </a:p>
+        </p:txBody>
+      </p:sp>
+      <p:sp>
+        <p:nvSpPr>
+          <p:cNvPr id="179" name="Google Shape;179;g2dae90a407d_1_0"/>
+          <p:cNvSpPr txBox="1">
+            <a:spLocks noGrp="1"/>
+          </p:cNvSpPr>
+          <p:nvPr>
+            <p:ph type="title"/>
+          </p:nvPr>
+        </p:nvSpPr>
+        <p:spPr>
+          <a:xfrm>
+            <a:off x="6113150" y="365125"/>
+            <a:ext cx="5240700" cy="1325700"/>
+          </a:xfrm>
+          <a:prstGeom prst="rect">
+            <a:avLst/>
+          </a:prstGeom>
+          <a:noFill/>
+          <a:ln>
+            <a:noFill/>
+          </a:ln>
+        </p:spPr>
+        <p:txBody>
+          <a:bodyPr spcFirstLastPara="1" wrap="square" lIns="91425" tIns="45700" rIns="91425" bIns="45700" anchor="ctr" anchorCtr="0">
+            <a:normAutofit/>
+          </a:bodyPr>
+          <a:lstStyle/>
+          <a:p>
+            <a:pPr marL="0" lvl="0" indent="0" algn="ctr" rtl="0">
+              <a:lnSpc>
+                <a:spcPct val="90000"/>
+              </a:lnSpc>
+              <a:spcBef>
+                <a:spcPts val="0"/>
+              </a:spcBef>
+              <a:spcAft>
+                <a:spcPts val="0"/>
+              </a:spcAft>
+              <a:buSzPts val="1800"/>
+              <a:buNone/>
+            </a:pPr>
+            <a:r>
+              <a:rPr lang="it-IT" dirty="0"/>
+              <a:t>POSSIBILI</a:t>
+            </a:r>
+            <a:br>
+              <a:rPr lang="it-IT" dirty="0"/>
+            </a:br>
+            <a:r>
+              <a:rPr lang="it-IT" dirty="0"/>
+              <a:t>EVOLUZIONI</a:t>
+            </a:r>
+            <a:endParaRPr dirty="0"/>
+          </a:p>
+        </p:txBody>
+      </p:sp>
+      <p:sp>
+        <p:nvSpPr>
+          <p:cNvPr id="180" name="Google Shape;180;g2dae90a407d_1_0"/>
+          <p:cNvSpPr txBox="1"/>
+          <p:nvPr/>
+        </p:nvSpPr>
+        <p:spPr>
+          <a:xfrm>
+            <a:off x="6643450" y="2065825"/>
+            <a:ext cx="4708500" cy="3881700"/>
+          </a:xfrm>
+          <a:prstGeom prst="rect">
+            <a:avLst/>
+          </a:prstGeom>
+          <a:noFill/>
+          <a:ln>
+            <a:noFill/>
+          </a:ln>
+        </p:spPr>
+        <p:txBody>
+          <a:bodyPr spcFirstLastPara="1" wrap="square" lIns="91425" tIns="91425" rIns="91425" bIns="91425" anchor="t" anchorCtr="0">
+            <a:noAutofit/>
+          </a:bodyPr>
+          <a:lstStyle/>
+          <a:p>
+            <a:pPr marL="285750" lvl="0" indent="-285750" algn="l" rtl="0">
+              <a:spcBef>
+                <a:spcPts val="0"/>
+              </a:spcBef>
+              <a:spcAft>
+                <a:spcPts val="0"/>
+              </a:spcAft>
+              <a:buClr>
+                <a:schemeClr val="bg1"/>
+              </a:buClr>
+              <a:buFont typeface="Arial" panose="020B0604020202020204" pitchFamily="34" charset="0"/>
+              <a:buChar char="•"/>
+            </a:pPr>
+            <a:r>
+              <a:rPr lang="it-IT" sz="1800" dirty="0">
+                <a:solidFill>
+                  <a:schemeClr val="bg1"/>
+                </a:solidFill>
+                <a:latin typeface="Lato"/>
+                <a:ea typeface="Lato"/>
+                <a:cs typeface="Lato"/>
+                <a:sym typeface="Lato"/>
+              </a:rPr>
+              <a:t>Inserimento di tutti i tag presenti nel database, con una relativa casella di ricerca</a:t>
+            </a:r>
+          </a:p>
+          <a:p>
+            <a:pPr marL="285750" lvl="0" indent="-285750" algn="l" rtl="0">
+              <a:spcBef>
+                <a:spcPts val="0"/>
+              </a:spcBef>
+              <a:spcAft>
+                <a:spcPts val="0"/>
+              </a:spcAft>
+              <a:buClr>
+                <a:schemeClr val="bg1"/>
+              </a:buClr>
+              <a:buFont typeface="Arial" panose="020B0604020202020204" pitchFamily="34" charset="0"/>
+              <a:buChar char="•"/>
+            </a:pPr>
+            <a:r>
+              <a:rPr lang="it-IT" sz="1800" dirty="0">
+                <a:solidFill>
+                  <a:schemeClr val="bg1"/>
+                </a:solidFill>
+                <a:latin typeface="Lato"/>
+                <a:ea typeface="Lato"/>
+                <a:cs typeface="Lato"/>
+                <a:sym typeface="Lato"/>
+              </a:rPr>
+              <a:t>Inserimento del ritaglio del video mostrando almeno il 1 minuto</a:t>
+            </a:r>
+          </a:p>
+          <a:p>
+            <a:pPr marL="285750" lvl="0" indent="-285750" algn="l" rtl="0">
+              <a:spcBef>
+                <a:spcPts val="0"/>
+              </a:spcBef>
+              <a:spcAft>
+                <a:spcPts val="0"/>
+              </a:spcAft>
+              <a:buClr>
+                <a:schemeClr val="bg1"/>
+              </a:buClr>
+              <a:buFont typeface="Arial" panose="020B0604020202020204" pitchFamily="34" charset="0"/>
+              <a:buChar char="•"/>
+            </a:pPr>
+            <a:endParaRPr lang="it-IT" sz="1800" u="sng" dirty="0">
+              <a:solidFill>
+                <a:schemeClr val="bg1"/>
+              </a:solidFill>
+              <a:latin typeface="Lato"/>
+              <a:ea typeface="Lato"/>
+              <a:cs typeface="Lato"/>
+              <a:sym typeface="Lato"/>
+            </a:endParaRPr>
+          </a:p>
+        </p:txBody>
+      </p:sp>
+      <p:sp>
+        <p:nvSpPr>
+          <p:cNvPr id="2" name="Google Shape;180;g2dae90a407d_1_0">
+            <a:extLst>
+              <a:ext uri="{FF2B5EF4-FFF2-40B4-BE49-F238E27FC236}">
+                <a16:creationId xmlns:a16="http://schemas.microsoft.com/office/drawing/2014/main" id="{33E79721-41D7-B3EC-7557-B49C56433C25}"/>
+              </a:ext>
+            </a:extLst>
+          </p:cNvPr>
+          <p:cNvSpPr txBox="1"/>
+          <p:nvPr/>
+        </p:nvSpPr>
+        <p:spPr>
+          <a:xfrm>
+            <a:off x="1730000" y="2065825"/>
+            <a:ext cx="4708500" cy="3881700"/>
+          </a:xfrm>
+          <a:prstGeom prst="rect">
+            <a:avLst/>
+          </a:prstGeom>
+          <a:noFill/>
+          <a:ln>
+            <a:noFill/>
+          </a:ln>
+        </p:spPr>
+        <p:txBody>
+          <a:bodyPr spcFirstLastPara="1" wrap="square" lIns="91425" tIns="91425" rIns="91425" bIns="91425" anchor="t" anchorCtr="0">
+            <a:noAutofit/>
+          </a:bodyPr>
+          <a:lstStyle/>
+          <a:p>
+            <a:pPr marL="285750" lvl="0" indent="-285750" algn="l" rtl="0">
+              <a:spcBef>
+                <a:spcPts val="0"/>
+              </a:spcBef>
+              <a:spcAft>
+                <a:spcPts val="0"/>
+              </a:spcAft>
+              <a:buClr>
+                <a:schemeClr val="bg1"/>
+              </a:buClr>
+              <a:buFont typeface="Arial" panose="020B0604020202020204" pitchFamily="34" charset="0"/>
+              <a:buChar char="•"/>
+            </a:pPr>
+            <a:r>
+              <a:rPr lang="it-IT" sz="1800" u="sng" dirty="0">
+                <a:solidFill>
+                  <a:schemeClr val="bg1"/>
+                </a:solidFill>
+                <a:latin typeface="Lato"/>
+                <a:ea typeface="Lato"/>
+                <a:cs typeface="Lato"/>
+                <a:sym typeface="Lato"/>
+              </a:rPr>
+              <a:t>È stata realizzata una modifica </a:t>
+            </a:r>
+            <a:r>
+              <a:rPr lang="it-IT" sz="1800" u="sng" dirty="0" err="1">
+                <a:solidFill>
+                  <a:schemeClr val="bg1"/>
+                </a:solidFill>
+                <a:latin typeface="Lato"/>
+                <a:ea typeface="Lato"/>
+                <a:cs typeface="Lato"/>
+                <a:sym typeface="Lato"/>
+              </a:rPr>
+              <a:t>alll’interno</a:t>
+            </a:r>
+            <a:r>
+              <a:rPr lang="it-IT" sz="1800" u="sng" dirty="0">
+                <a:solidFill>
+                  <a:schemeClr val="bg1"/>
+                </a:solidFill>
+                <a:latin typeface="Lato"/>
+                <a:ea typeface="Lato"/>
+                <a:cs typeface="Lato"/>
+                <a:sym typeface="Lato"/>
+              </a:rPr>
+              <a:t> della lambda </a:t>
+            </a:r>
+            <a:r>
+              <a:rPr lang="it-IT" sz="1800" u="sng" dirty="0" err="1">
+                <a:solidFill>
+                  <a:schemeClr val="bg1"/>
+                </a:solidFill>
+                <a:latin typeface="Lato"/>
+                <a:ea typeface="Lato"/>
+                <a:cs typeface="Lato"/>
+                <a:sym typeface="Lato"/>
+              </a:rPr>
+              <a:t>function</a:t>
+            </a:r>
+            <a:r>
+              <a:rPr lang="it-IT" sz="1800" u="sng" dirty="0">
+                <a:solidFill>
+                  <a:schemeClr val="bg1"/>
+                </a:solidFill>
+                <a:latin typeface="Lato"/>
+                <a:ea typeface="Lato"/>
+                <a:cs typeface="Lato"/>
+                <a:sym typeface="Lato"/>
+              </a:rPr>
+              <a:t>  </a:t>
+            </a:r>
+            <a:r>
+              <a:rPr lang="it-IT" sz="1800" u="sng" dirty="0" err="1">
+                <a:solidFill>
+                  <a:schemeClr val="bg1"/>
+                </a:solidFill>
+                <a:latin typeface="Lato"/>
+                <a:ea typeface="Lato"/>
+                <a:cs typeface="Lato"/>
+                <a:sym typeface="Lato"/>
+              </a:rPr>
+              <a:t>getListTalks</a:t>
+            </a:r>
+            <a:r>
+              <a:rPr lang="it-IT" sz="1800" u="sng" dirty="0">
+                <a:solidFill>
+                  <a:schemeClr val="bg1"/>
+                </a:solidFill>
+                <a:latin typeface="Lato"/>
+                <a:ea typeface="Lato"/>
+                <a:cs typeface="Lato"/>
+                <a:sym typeface="Lato"/>
+              </a:rPr>
+              <a:t> andando a togliere il limite per pagina consentendo così lo scorrimento tra i video della nostra app.</a:t>
+            </a:r>
+          </a:p>
+          <a:p>
+            <a:pPr marL="285750" lvl="0" indent="-285750" algn="l" rtl="0">
+              <a:spcBef>
+                <a:spcPts val="0"/>
+              </a:spcBef>
+              <a:spcAft>
+                <a:spcPts val="0"/>
+              </a:spcAft>
+              <a:buClr>
+                <a:schemeClr val="bg1"/>
+              </a:buClr>
+              <a:buFont typeface="Arial" panose="020B0604020202020204" pitchFamily="34" charset="0"/>
+              <a:buChar char="•"/>
+            </a:pPr>
+            <a:r>
+              <a:rPr lang="it-IT" sz="1800" u="sng" dirty="0">
+                <a:solidFill>
+                  <a:schemeClr val="bg1"/>
+                </a:solidFill>
+                <a:latin typeface="Lato"/>
+                <a:ea typeface="Lato"/>
+                <a:cs typeface="Lato"/>
+                <a:sym typeface="Lato"/>
+              </a:rPr>
+              <a:t>Si può rilevare al lancio dell’applicazione una latenza più elevata</a:t>
+            </a:r>
+          </a:p>
+        </p:txBody>
+      </p:sp>
+      <p:pic>
+        <p:nvPicPr>
+          <p:cNvPr id="6" name="Immagine 5" descr="Immagine che contiene schermata, design&#10;&#10;Descrizione generata automaticamente">
+            <a:extLst>
+              <a:ext uri="{FF2B5EF4-FFF2-40B4-BE49-F238E27FC236}">
+                <a16:creationId xmlns:a16="http://schemas.microsoft.com/office/drawing/2014/main" id="{AC872381-CE9F-44F9-79F3-B8D39FC6E612}"/>
+              </a:ext>
+            </a:extLst>
+          </p:cNvPr>
+          <p:cNvPicPr>
+            <a:picLocks noChangeAspect="1"/>
+          </p:cNvPicPr>
+          <p:nvPr/>
+        </p:nvPicPr>
+        <p:blipFill rotWithShape="1">
+          <a:blip r:embed="rId3"/>
+          <a:srcRect t="22692" b="38559"/>
+          <a:stretch/>
+        </p:blipFill>
+        <p:spPr>
+          <a:xfrm>
+            <a:off x="1730000" y="4399639"/>
+            <a:ext cx="4762500" cy="1845411"/>
+          </a:xfrm>
+          <a:prstGeom prst="rect">
+            <a:avLst/>
+          </a:prstGeom>
+        </p:spPr>
+      </p:pic>
+      <p:pic>
+        <p:nvPicPr>
+          <p:cNvPr id="8" name="Immagine 7">
+            <a:extLst>
+              <a:ext uri="{FF2B5EF4-FFF2-40B4-BE49-F238E27FC236}">
+                <a16:creationId xmlns:a16="http://schemas.microsoft.com/office/drawing/2014/main" id="{A97AF41A-CC88-9E78-BE6D-1A83E283BF8F}"/>
+              </a:ext>
+            </a:extLst>
+          </p:cNvPr>
+          <p:cNvPicPr>
+            <a:picLocks noChangeAspect="1"/>
+          </p:cNvPicPr>
+          <p:nvPr/>
+        </p:nvPicPr>
+        <p:blipFill>
+          <a:blip r:embed="rId4"/>
+          <a:stretch>
+            <a:fillRect/>
+          </a:stretch>
+        </p:blipFill>
+        <p:spPr>
+          <a:xfrm>
+            <a:off x="7518663" y="4357304"/>
+            <a:ext cx="2429673" cy="1975686"/>
+          </a:xfrm>
+          <a:prstGeom prst="rect">
+            <a:avLst/>
+          </a:prstGeom>
+        </p:spPr>
+      </p:pic>
+    </p:spTree>
+    <p:extLst>
+      <p:ext uri="{BB962C8B-B14F-4D97-AF65-F5344CB8AC3E}">
+        <p14:creationId xmlns:p14="http://schemas.microsoft.com/office/powerpoint/2010/main" val="1328730651"/>
+      </p:ext>
+    </p:extLst>
+  </p:cSld>
+  <p:clrMapOvr>
+    <a:masterClrMapping/>
+  </p:clrMapOvr>
+</p:sld>
+</file>
+
+<file path=ppt/slides/slide13.xml><?xml version="1.0" encoding="utf-8"?>
+<p:sld xmlns:a="http://schemas.openxmlformats.org/drawingml/2006/main" xmlns:r="http://schemas.openxmlformats.org/officeDocument/2006/relationships" xmlns:p="http://schemas.openxmlformats.org/presentationml/2006/main">
+  <p:cSld>
+    <p:spTree>
+      <p:nvGrpSpPr>
         <p:cNvPr id="1" name="Shape 189"/>
         <p:cNvGrpSpPr/>
         <p:nvPr/>
@@ -17210,8 +17807,8 @@
         </p:blipFill>
         <p:spPr>
           <a:xfrm>
-            <a:off x="119012" y="1713975"/>
-            <a:ext cx="4300108" cy="3772426"/>
+            <a:off x="119011" y="1713975"/>
+            <a:ext cx="4520223" cy="3772426"/>
           </a:xfrm>
           <a:prstGeom prst="rect">
             <a:avLst/>
@@ -17406,140 +18003,10 @@
       </p:grpSpPr>
       <p:sp>
         <p:nvSpPr>
-          <p:cNvPr id="179" name="Google Shape;179;g2dae90a407d_1_0"/>
-          <p:cNvSpPr txBox="1">
-            <a:spLocks noGrp="1"/>
-          </p:cNvSpPr>
-          <p:nvPr>
-            <p:ph type="title"/>
-          </p:nvPr>
-        </p:nvSpPr>
-        <p:spPr>
-          <a:xfrm>
-            <a:off x="6113150" y="1440885"/>
-            <a:ext cx="5240700" cy="1325700"/>
-          </a:xfrm>
-          <a:prstGeom prst="rect">
-            <a:avLst/>
-          </a:prstGeom>
-          <a:noFill/>
-          <a:ln>
-            <a:noFill/>
-          </a:ln>
-        </p:spPr>
-        <p:txBody>
-          <a:bodyPr spcFirstLastPara="1" wrap="square" lIns="91425" tIns="45700" rIns="91425" bIns="45700" anchor="ctr" anchorCtr="0">
-            <a:normAutofit/>
-          </a:bodyPr>
-          <a:lstStyle/>
-          <a:p>
-            <a:pPr marL="0" lvl="0" indent="0" algn="ctr" rtl="0">
-              <a:lnSpc>
-                <a:spcPct val="90000"/>
-              </a:lnSpc>
-              <a:spcBef>
-                <a:spcPts val="0"/>
-              </a:spcBef>
-              <a:spcAft>
-                <a:spcPts val="0"/>
-              </a:spcAft>
-              <a:buSzPts val="1800"/>
-              <a:buNone/>
-            </a:pPr>
-            <a:r>
-              <a:rPr lang="it-IT" dirty="0"/>
-              <a:t>ESPERIENZA</a:t>
-            </a:r>
-            <a:br>
-              <a:rPr lang="it-IT" dirty="0"/>
-            </a:br>
-            <a:r>
-              <a:rPr lang="it-IT" dirty="0"/>
-              <a:t>UTENTE</a:t>
-            </a:r>
-            <a:endParaRPr dirty="0"/>
-          </a:p>
-        </p:txBody>
-      </p:sp>
-      <p:sp>
-        <p:nvSpPr>
-          <p:cNvPr id="180" name="Google Shape;180;g2dae90a407d_1_0"/>
-          <p:cNvSpPr txBox="1"/>
-          <p:nvPr/>
-        </p:nvSpPr>
-        <p:spPr>
-          <a:xfrm>
-            <a:off x="6645350" y="2788218"/>
-            <a:ext cx="4708500" cy="3483663"/>
-          </a:xfrm>
-          <a:prstGeom prst="rect">
-            <a:avLst/>
-          </a:prstGeom>
-          <a:noFill/>
-          <a:ln>
-            <a:noFill/>
-          </a:ln>
-        </p:spPr>
-        <p:txBody>
-          <a:bodyPr spcFirstLastPara="1" wrap="square" lIns="91425" tIns="91425" rIns="91425" bIns="91425" anchor="t" anchorCtr="0">
-            <a:noAutofit/>
-          </a:bodyPr>
-          <a:lstStyle/>
-          <a:p>
-            <a:pPr marL="285750" lvl="0" indent="-285750" algn="l" rtl="0">
-              <a:spcBef>
-                <a:spcPts val="0"/>
-              </a:spcBef>
-              <a:spcAft>
-                <a:spcPts val="0"/>
-              </a:spcAft>
-              <a:buClr>
-                <a:schemeClr val="bg1"/>
-              </a:buClr>
-              <a:buFont typeface="Arial" panose="020B0604020202020204" pitchFamily="34" charset="0"/>
-              <a:buChar char="•"/>
-            </a:pPr>
-            <a:r>
-              <a:rPr lang="it-IT" sz="2000" dirty="0">
-                <a:solidFill>
-                  <a:schemeClr val="bg1"/>
-                </a:solidFill>
-              </a:rPr>
-              <a:t>Questo permette al nostro utente di avere una chiara comprensione della lista dei video correlati e di scegliere al meglio il video desiderato.</a:t>
-            </a:r>
-          </a:p>
-          <a:p>
-            <a:pPr marL="285750" lvl="0" indent="-285750" algn="l" rtl="0">
-              <a:spcBef>
-                <a:spcPts val="0"/>
-              </a:spcBef>
-              <a:spcAft>
-                <a:spcPts val="0"/>
-              </a:spcAft>
-              <a:buClr>
-                <a:schemeClr val="bg1"/>
-              </a:buClr>
-              <a:buFont typeface="Arial" panose="020B0604020202020204" pitchFamily="34" charset="0"/>
-              <a:buChar char="•"/>
-            </a:pPr>
-            <a:endParaRPr lang="it-IT" sz="1100" u="sng" dirty="0">
-              <a:solidFill>
-                <a:schemeClr val="bg1"/>
-              </a:solidFill>
-              <a:latin typeface="Lato"/>
-              <a:ea typeface="Lato"/>
-              <a:cs typeface="Lato"/>
-              <a:sym typeface="Lato"/>
-            </a:endParaRPr>
-          </a:p>
-        </p:txBody>
-      </p:sp>
-      <p:sp>
-        <p:nvSpPr>
-          <p:cNvPr id="2" name="Google Shape;180;g2dae90a407d_1_0">
+          <p:cNvPr id="4" name="CasellaDiTesto 3">
             <a:extLst>
               <a:ext uri="{FF2B5EF4-FFF2-40B4-BE49-F238E27FC236}">
-                <a16:creationId xmlns:a16="http://schemas.microsoft.com/office/drawing/2014/main" id="{33E79721-41D7-B3EC-7557-B49C56433C25}"/>
+                <a16:creationId xmlns:a16="http://schemas.microsoft.com/office/drawing/2014/main" id="{54DCA3A6-E8C2-5DCE-AD99-BD91108B45EC}"/>
               </a:ext>
             </a:extLst>
           </p:cNvPr>
@@ -17548,54 +18015,8 @@
         </p:nvSpPr>
         <p:spPr>
           <a:xfrm>
-            <a:off x="1730000" y="2790199"/>
-            <a:ext cx="4708500" cy="3483663"/>
-          </a:xfrm>
-          <a:prstGeom prst="rect">
-            <a:avLst/>
-          </a:prstGeom>
-          <a:noFill/>
-          <a:ln>
-            <a:noFill/>
-          </a:ln>
-        </p:spPr>
-        <p:txBody>
-          <a:bodyPr spcFirstLastPara="1" wrap="square" lIns="91425" tIns="91425" rIns="91425" bIns="91425" anchor="t" anchorCtr="0">
-            <a:noAutofit/>
-          </a:bodyPr>
-          <a:lstStyle/>
-          <a:p>
-            <a:pPr marL="342900" indent="-342900">
-              <a:buClr>
-                <a:schemeClr val="bg1"/>
-              </a:buClr>
-              <a:buFont typeface="Arial" panose="020B0604020202020204" pitchFamily="34" charset="0"/>
-              <a:buChar char="•"/>
-            </a:pPr>
-            <a:endParaRPr lang="it-IT" sz="2000" dirty="0">
-              <a:solidFill>
-                <a:schemeClr val="bg1"/>
-              </a:solidFill>
-            </a:endParaRPr>
-          </a:p>
-        </p:txBody>
-      </p:sp>
-      <p:sp>
-        <p:nvSpPr>
-          <p:cNvPr id="4" name="CasellaDiTesto 3">
-            <a:extLst>
-              <a:ext uri="{FF2B5EF4-FFF2-40B4-BE49-F238E27FC236}">
-                <a16:creationId xmlns:a16="http://schemas.microsoft.com/office/drawing/2014/main" id="{C30BE1A6-839B-4F75-0F7B-08F41A864BDF}"/>
-              </a:ext>
-            </a:extLst>
-          </p:cNvPr>
-          <p:cNvSpPr txBox="1"/>
-          <p:nvPr/>
-        </p:nvSpPr>
-        <p:spPr>
-          <a:xfrm>
-            <a:off x="3076735" y="457200"/>
-            <a:ext cx="6723530" cy="461665"/>
+            <a:off x="2940955" y="363667"/>
+            <a:ext cx="6831106" cy="1077218"/>
           </a:xfrm>
           <a:prstGeom prst="rect">
             <a:avLst/>
@@ -17609,15 +18030,15 @@
           <a:lstStyle/>
           <a:p>
             <a:r>
-              <a:rPr lang="it-IT" sz="2400" dirty="0">
+              <a:rPr lang="it-IT" sz="3200" dirty="0">
                 <a:solidFill>
                   <a:schemeClr val="bg1"/>
                 </a:solidFill>
               </a:rPr>
-              <a:t>FLUTTER: </a:t>
+              <a:t>Applicazione </a:t>
             </a:r>
             <a:r>
-              <a:rPr lang="it-IT" sz="2400" dirty="0" err="1">
+              <a:rPr lang="it-IT" sz="3200" dirty="0" err="1">
                 <a:solidFill>
                   <a:schemeClr val="bg1"/>
                 </a:solidFill>
@@ -17625,20 +18046,155 @@
               <a:t>TedxTok</a:t>
             </a:r>
             <a:r>
-              <a:rPr lang="it-IT" sz="2400" dirty="0">
+              <a:rPr lang="it-IT" sz="3200" dirty="0">
                 <a:solidFill>
                   <a:schemeClr val="bg1"/>
                 </a:solidFill>
               </a:rPr>
-              <a:t> , scrivere funzionalità</a:t>
+              <a:t>: Frame</a:t>
             </a:r>
+          </a:p>
+          <a:p>
+            <a:endParaRPr lang="it-IT" sz="3200" dirty="0">
+              <a:solidFill>
+                <a:schemeClr val="bg1"/>
+              </a:solidFill>
+            </a:endParaRPr>
           </a:p>
         </p:txBody>
       </p:sp>
+      <p:pic>
+        <p:nvPicPr>
+          <p:cNvPr id="3" name="Immagine 2" descr="Immagine che contiene testo, schermata, Carattere, software&#10;&#10;Descrizione generata automaticamente">
+            <a:extLst>
+              <a:ext uri="{FF2B5EF4-FFF2-40B4-BE49-F238E27FC236}">
+                <a16:creationId xmlns:a16="http://schemas.microsoft.com/office/drawing/2014/main" id="{9082BF8D-9DFD-37FA-646C-F98BEA140F41}"/>
+              </a:ext>
+            </a:extLst>
+          </p:cNvPr>
+          <p:cNvPicPr>
+            <a:picLocks noChangeAspect="1"/>
+          </p:cNvPicPr>
+          <p:nvPr/>
+        </p:nvPicPr>
+        <p:blipFill rotWithShape="1">
+          <a:blip r:embed="rId3"/>
+          <a:srcRect t="2889"/>
+          <a:stretch/>
+        </p:blipFill>
+        <p:spPr>
+          <a:xfrm>
+            <a:off x="930982" y="1152277"/>
+            <a:ext cx="2595800" cy="5463080"/>
+          </a:xfrm>
+          <a:prstGeom prst="rect">
+            <a:avLst/>
+          </a:prstGeom>
+        </p:spPr>
+      </p:pic>
+      <p:pic>
+        <p:nvPicPr>
+          <p:cNvPr id="8" name="Immagine 7" descr="Immagine che contiene testo, elettronica, schermata, software&#10;&#10;Descrizione generata automaticamente">
+            <a:extLst>
+              <a:ext uri="{FF2B5EF4-FFF2-40B4-BE49-F238E27FC236}">
+                <a16:creationId xmlns:a16="http://schemas.microsoft.com/office/drawing/2014/main" id="{4AF1E993-6589-F03A-5C65-F79C70DD6207}"/>
+              </a:ext>
+            </a:extLst>
+          </p:cNvPr>
+          <p:cNvPicPr>
+            <a:picLocks noChangeAspect="1"/>
+          </p:cNvPicPr>
+          <p:nvPr/>
+        </p:nvPicPr>
+        <p:blipFill rotWithShape="1">
+          <a:blip r:embed="rId4"/>
+          <a:srcRect t="2889"/>
+          <a:stretch/>
+        </p:blipFill>
+        <p:spPr>
+          <a:xfrm>
+            <a:off x="7823776" y="963873"/>
+            <a:ext cx="2685320" cy="5651484"/>
+          </a:xfrm>
+          <a:prstGeom prst="rect">
+            <a:avLst/>
+          </a:prstGeom>
+        </p:spPr>
+      </p:pic>
+      <p:pic>
+        <p:nvPicPr>
+          <p:cNvPr id="16" name="Immagine 15" descr="Immagine che contiene testo, schermata, calzature&#10;&#10;Descrizione generata automaticamente">
+            <a:extLst>
+              <a:ext uri="{FF2B5EF4-FFF2-40B4-BE49-F238E27FC236}">
+                <a16:creationId xmlns:a16="http://schemas.microsoft.com/office/drawing/2014/main" id="{12B39589-B0CA-98A1-6567-BF2FD84BBED8}"/>
+              </a:ext>
+            </a:extLst>
+          </p:cNvPr>
+          <p:cNvPicPr>
+            <a:picLocks noChangeAspect="1"/>
+          </p:cNvPicPr>
+          <p:nvPr/>
+        </p:nvPicPr>
+        <p:blipFill rotWithShape="1">
+          <a:blip r:embed="rId5"/>
+          <a:srcRect t="3333"/>
+          <a:stretch/>
+        </p:blipFill>
+        <p:spPr>
+          <a:xfrm>
+            <a:off x="4368225" y="1152277"/>
+            <a:ext cx="2607730" cy="5463080"/>
+          </a:xfrm>
+          <a:prstGeom prst="rect">
+            <a:avLst/>
+          </a:prstGeom>
+        </p:spPr>
+      </p:pic>
+      <p:cxnSp>
+        <p:nvCxnSpPr>
+          <p:cNvPr id="19" name="Connettore 2 18">
+            <a:extLst>
+              <a:ext uri="{FF2B5EF4-FFF2-40B4-BE49-F238E27FC236}">
+                <a16:creationId xmlns:a16="http://schemas.microsoft.com/office/drawing/2014/main" id="{3F1365EE-3366-80DE-6B58-19D84C8673CB}"/>
+              </a:ext>
+            </a:extLst>
+          </p:cNvPr>
+          <p:cNvCxnSpPr>
+            <a:cxnSpLocks/>
+          </p:cNvCxnSpPr>
+          <p:nvPr/>
+        </p:nvCxnSpPr>
+        <p:spPr>
+          <a:xfrm>
+            <a:off x="6858000" y="1440885"/>
+            <a:ext cx="1129553" cy="347574"/>
+          </a:xfrm>
+          <a:prstGeom prst="straightConnector1">
+            <a:avLst/>
+          </a:prstGeom>
+          <a:ln>
+            <a:tailEnd type="triangle"/>
+          </a:ln>
+        </p:spPr>
+        <p:style>
+          <a:lnRef idx="1">
+            <a:schemeClr val="accent1"/>
+          </a:lnRef>
+          <a:fillRef idx="0">
+            <a:schemeClr val="accent1"/>
+          </a:fillRef>
+          <a:effectRef idx="0">
+            <a:schemeClr val="accent1"/>
+          </a:effectRef>
+          <a:fontRef idx="minor">
+            <a:schemeClr val="tx1"/>
+          </a:fontRef>
+        </p:style>
+      </p:cxnSp>
     </p:spTree>
     <p:extLst>
       <p:ext uri="{BB962C8B-B14F-4D97-AF65-F5344CB8AC3E}">
-        <p14:creationId xmlns:p14="http://schemas.microsoft.com/office/powerpoint/2010/main" val="2363701902"/>
+        <p14:creationId xmlns:p14="http://schemas.microsoft.com/office/powerpoint/2010/main" val="3451386327"/>
       </p:ext>
     </p:extLst>
   </p:cSld>
@@ -17667,132 +18223,20 @@
       </p:grpSpPr>
       <p:sp>
         <p:nvSpPr>
-          <p:cNvPr id="177" name="Google Shape;177;g2dae90a407d_1_0"/>
-          <p:cNvSpPr txBox="1">
-            <a:spLocks noGrp="1"/>
-          </p:cNvSpPr>
-          <p:nvPr>
-            <p:ph type="title"/>
-          </p:nvPr>
-        </p:nvSpPr>
-        <p:spPr>
-          <a:xfrm>
-            <a:off x="1730000" y="502075"/>
-            <a:ext cx="4708500" cy="1051800"/>
-          </a:xfrm>
-          <a:prstGeom prst="rect">
-            <a:avLst/>
-          </a:prstGeom>
-          <a:noFill/>
-          <a:ln>
-            <a:noFill/>
-          </a:ln>
-        </p:spPr>
-        <p:txBody>
-          <a:bodyPr spcFirstLastPara="1" wrap="square" lIns="121900" tIns="121900" rIns="121900" bIns="121900" anchor="t" anchorCtr="0">
-            <a:normAutofit fontScale="90000"/>
-          </a:bodyPr>
-          <a:lstStyle/>
-          <a:p>
-            <a:pPr marL="0" lvl="0" indent="0" algn="ctr" rtl="0">
-              <a:lnSpc>
-                <a:spcPct val="100000"/>
-              </a:lnSpc>
-              <a:spcBef>
-                <a:spcPts val="0"/>
-              </a:spcBef>
-              <a:spcAft>
-                <a:spcPts val="0"/>
-              </a:spcAft>
-              <a:buSzPts val="3200"/>
-              <a:buNone/>
-            </a:pPr>
-            <a:r>
-              <a:rPr lang="it-IT" dirty="0"/>
-              <a:t>CRITICIT</a:t>
-            </a:r>
-            <a:r>
-              <a:rPr lang="it-IT" cap="none" dirty="0"/>
-              <a:t>À</a:t>
-            </a:r>
-            <a:br>
-              <a:rPr lang="it-IT" cap="none" dirty="0"/>
-            </a:br>
-            <a:r>
-              <a:rPr lang="it-IT" cap="none" dirty="0"/>
-              <a:t>TECNICHE</a:t>
-            </a:r>
-            <a:endParaRPr cap="none" dirty="0"/>
-          </a:p>
-        </p:txBody>
-      </p:sp>
-      <p:sp>
-        <p:nvSpPr>
-          <p:cNvPr id="179" name="Google Shape;179;g2dae90a407d_1_0"/>
-          <p:cNvSpPr txBox="1">
-            <a:spLocks noGrp="1"/>
-          </p:cNvSpPr>
-          <p:nvPr>
-            <p:ph type="title"/>
-          </p:nvPr>
-        </p:nvSpPr>
-        <p:spPr>
-          <a:xfrm>
-            <a:off x="6113150" y="365125"/>
-            <a:ext cx="5240700" cy="1325700"/>
-          </a:xfrm>
-          <a:prstGeom prst="rect">
-            <a:avLst/>
-          </a:prstGeom>
-          <a:noFill/>
-          <a:ln>
-            <a:noFill/>
-          </a:ln>
-        </p:spPr>
-        <p:txBody>
-          <a:bodyPr spcFirstLastPara="1" wrap="square" lIns="91425" tIns="45700" rIns="91425" bIns="45700" anchor="ctr" anchorCtr="0">
-            <a:normAutofit/>
-          </a:bodyPr>
-          <a:lstStyle/>
-          <a:p>
-            <a:pPr marL="0" lvl="0" indent="0" algn="ctr" rtl="0">
-              <a:lnSpc>
-                <a:spcPct val="90000"/>
-              </a:lnSpc>
-              <a:spcBef>
-                <a:spcPts val="0"/>
-              </a:spcBef>
-              <a:spcAft>
-                <a:spcPts val="0"/>
-              </a:spcAft>
-              <a:buSzPts val="1800"/>
-              <a:buNone/>
-            </a:pPr>
-            <a:r>
-              <a:rPr lang="it-IT" dirty="0"/>
-              <a:t>POSSIBILI</a:t>
-            </a:r>
-            <a:br>
-              <a:rPr lang="it-IT" dirty="0"/>
-            </a:br>
-            <a:r>
-              <a:rPr lang="it-IT" dirty="0"/>
-              <a:t>EVOLUZIONI</a:t>
-            </a:r>
-            <a:endParaRPr dirty="0"/>
-          </a:p>
-        </p:txBody>
-      </p:sp>
-      <p:sp>
-        <p:nvSpPr>
-          <p:cNvPr id="180" name="Google Shape;180;g2dae90a407d_1_0"/>
+          <p:cNvPr id="2" name="Google Shape;180;g2dae90a407d_1_0">
+            <a:extLst>
+              <a:ext uri="{FF2B5EF4-FFF2-40B4-BE49-F238E27FC236}">
+                <a16:creationId xmlns:a16="http://schemas.microsoft.com/office/drawing/2014/main" id="{33E79721-41D7-B3EC-7557-B49C56433C25}"/>
+              </a:ext>
+            </a:extLst>
+          </p:cNvPr>
           <p:cNvSpPr txBox="1"/>
           <p:nvPr/>
         </p:nvSpPr>
         <p:spPr>
           <a:xfrm>
-            <a:off x="6643450" y="2065825"/>
-            <a:ext cx="4708500" cy="3881700"/>
+            <a:off x="4553882" y="1560504"/>
+            <a:ext cx="3487459" cy="954107"/>
           </a:xfrm>
           <a:prstGeom prst="rect">
             <a:avLst/>
@@ -17808,61 +18252,28 @@
           </a:bodyPr>
           <a:lstStyle/>
           <a:p>
-            <a:pPr marL="285750" lvl="0" indent="-285750" algn="l" rtl="0">
-              <a:spcBef>
-                <a:spcPts val="0"/>
-              </a:spcBef>
-              <a:spcAft>
-                <a:spcPts val="0"/>
-              </a:spcAft>
+            <a:pPr>
               <a:buClr>
                 <a:schemeClr val="bg1"/>
               </a:buClr>
-              <a:buFont typeface="Arial" panose="020B0604020202020204" pitchFamily="34" charset="0"/>
-              <a:buChar char="•"/>
             </a:pPr>
             <a:r>
-              <a:rPr lang="it-IT" sz="1100" u="sng" dirty="0">
+              <a:rPr lang="it-IT" sz="2800" cap="all" dirty="0">
                 <a:solidFill>
                   <a:schemeClr val="bg1"/>
                 </a:solidFill>
-                <a:latin typeface="Lato"/>
-                <a:ea typeface="Lato"/>
-                <a:cs typeface="Lato"/>
-                <a:sym typeface="Lato"/>
               </a:rPr>
-              <a:t>Inserimento di tutti i tag presenti nel </a:t>
+              <a:t>Funzionalità</a:t>
             </a:r>
-            <a:r>
-              <a:rPr lang="it-IT" sz="1100" u="sng">
-                <a:solidFill>
-                  <a:schemeClr val="bg1"/>
-                </a:solidFill>
-                <a:latin typeface="Lato"/>
-                <a:ea typeface="Lato"/>
-                <a:cs typeface="Lato"/>
-                <a:sym typeface="Lato"/>
-              </a:rPr>
-              <a:t>databse</a:t>
-            </a:r>
-            <a:endParaRPr lang="it-IT" sz="1100" u="sng" dirty="0">
-              <a:solidFill>
-                <a:schemeClr val="bg1"/>
-              </a:solidFill>
-              <a:latin typeface="Lato"/>
-              <a:ea typeface="Lato"/>
-              <a:cs typeface="Lato"/>
-              <a:sym typeface="Lato"/>
-            </a:endParaRPr>
           </a:p>
         </p:txBody>
       </p:sp>
       <p:sp>
         <p:nvSpPr>
-          <p:cNvPr id="2" name="Google Shape;180;g2dae90a407d_1_0">
+          <p:cNvPr id="4" name="CasellaDiTesto 3">
             <a:extLst>
               <a:ext uri="{FF2B5EF4-FFF2-40B4-BE49-F238E27FC236}">
-                <a16:creationId xmlns:a16="http://schemas.microsoft.com/office/drawing/2014/main" id="{33E79721-41D7-B3EC-7557-B49C56433C25}"/>
+                <a16:creationId xmlns:a16="http://schemas.microsoft.com/office/drawing/2014/main" id="{C30BE1A6-839B-4F75-0F7B-08F41A864BDF}"/>
               </a:ext>
             </a:extLst>
           </p:cNvPr>
@@ -17871,207 +18282,112 @@
         </p:nvSpPr>
         <p:spPr>
           <a:xfrm>
-            <a:off x="1730000" y="2065825"/>
-            <a:ext cx="4708500" cy="3881700"/>
+            <a:off x="2734234" y="367870"/>
+            <a:ext cx="9457766" cy="954107"/>
           </a:xfrm>
           <a:prstGeom prst="rect">
             <a:avLst/>
           </a:prstGeom>
           <a:noFill/>
-          <a:ln>
-            <a:noFill/>
-          </a:ln>
         </p:spPr>
         <p:txBody>
-          <a:bodyPr spcFirstLastPara="1" wrap="square" lIns="91425" tIns="91425" rIns="91425" bIns="91425" anchor="t" anchorCtr="0">
-            <a:noAutofit/>
+          <a:bodyPr wrap="square" rtlCol="0">
+            <a:spAutoFit/>
           </a:bodyPr>
           <a:lstStyle/>
           <a:p>
-            <a:pPr marL="285750" lvl="0" indent="-285750" algn="l" rtl="0">
-              <a:spcBef>
-                <a:spcPts val="0"/>
-              </a:spcBef>
-              <a:spcAft>
-                <a:spcPts val="0"/>
-              </a:spcAft>
-              <a:buClr>
-                <a:schemeClr val="bg1"/>
-              </a:buClr>
-              <a:buFont typeface="Arial" panose="020B0604020202020204" pitchFamily="34" charset="0"/>
-              <a:buChar char="•"/>
-            </a:pPr>
             <a:r>
-              <a:rPr lang="it-IT" sz="1800" u="sng" dirty="0">
+              <a:rPr lang="it-IT" sz="2400" dirty="0">
                 <a:solidFill>
                   <a:schemeClr val="bg1"/>
                 </a:solidFill>
-                <a:latin typeface="Lato"/>
-                <a:ea typeface="Lato"/>
-                <a:cs typeface="Lato"/>
-                <a:sym typeface="Lato"/>
               </a:rPr>
-              <a:t>È stata realizzata una modifica </a:t>
+              <a:t>FLUTTER: </a:t>
             </a:r>
             <a:r>
-              <a:rPr lang="it-IT" sz="1800" u="sng" dirty="0" err="1">
+              <a:rPr lang="it-IT" sz="2400" dirty="0" err="1">
                 <a:solidFill>
                   <a:schemeClr val="bg1"/>
                 </a:solidFill>
-                <a:latin typeface="Lato"/>
-                <a:ea typeface="Lato"/>
-                <a:cs typeface="Lato"/>
-                <a:sym typeface="Lato"/>
               </a:rPr>
-              <a:t>alll’interno</a:t>
+              <a:t>TedxTok</a:t>
             </a:r>
             <a:r>
-              <a:rPr lang="it-IT" sz="1800" u="sng" dirty="0">
+              <a:rPr lang="it-IT" sz="2400" dirty="0">
                 <a:solidFill>
                   <a:schemeClr val="bg1"/>
                 </a:solidFill>
-                <a:latin typeface="Lato"/>
-                <a:ea typeface="Lato"/>
-                <a:cs typeface="Lato"/>
-                <a:sym typeface="Lato"/>
               </a:rPr>
-              <a:t> della lambda </a:t>
+              <a:t> , implementazione API:</a:t>
             </a:r>
+          </a:p>
+          <a:p>
             <a:r>
-              <a:rPr lang="it-IT" sz="1800" u="sng" dirty="0" err="1">
-                <a:solidFill>
-                  <a:schemeClr val="bg1"/>
-                </a:solidFill>
-                <a:latin typeface="Lato"/>
-                <a:ea typeface="Lato"/>
-                <a:cs typeface="Lato"/>
-                <a:sym typeface="Lato"/>
+              <a:rPr lang="en-US" sz="3200" b="1" i="0" dirty="0" err="1">
+                <a:solidFill>
+                  <a:srgbClr val="FAFAFA"/>
+                </a:solidFill>
+                <a:effectLst/>
+                <a:latin typeface="Amazon Ember"/>
               </a:rPr>
-              <a:t>function</a:t>
+              <a:t>Get_Talk_List_By_Tags</a:t>
             </a:r>
-            <a:r>
-              <a:rPr lang="it-IT" sz="1800" u="sng" dirty="0">
-                <a:solidFill>
-                  <a:schemeClr val="bg1"/>
-                </a:solidFill>
-                <a:latin typeface="Lato"/>
-                <a:ea typeface="Lato"/>
-                <a:cs typeface="Lato"/>
-                <a:sym typeface="Lato"/>
-              </a:rPr>
-              <a:t>  </a:t>
-            </a:r>
-            <a:r>
-              <a:rPr lang="it-IT" sz="1800" u="sng" dirty="0" err="1">
-                <a:solidFill>
-                  <a:schemeClr val="bg1"/>
-                </a:solidFill>
-                <a:latin typeface="Lato"/>
-                <a:ea typeface="Lato"/>
-                <a:cs typeface="Lato"/>
-                <a:sym typeface="Lato"/>
-              </a:rPr>
-              <a:t>getListTalks</a:t>
-            </a:r>
-            <a:r>
-              <a:rPr lang="it-IT" sz="1800" u="sng" dirty="0">
-                <a:solidFill>
-                  <a:schemeClr val="bg1"/>
-                </a:solidFill>
-                <a:latin typeface="Lato"/>
-                <a:ea typeface="Lato"/>
-                <a:cs typeface="Lato"/>
-                <a:sym typeface="Lato"/>
-              </a:rPr>
-              <a:t> andando a togliere il limite per pagina consentendo così lo </a:t>
-            </a:r>
-            <a:r>
-              <a:rPr lang="it-IT" sz="1800" u="sng">
-                <a:solidFill>
-                  <a:schemeClr val="bg1"/>
-                </a:solidFill>
-                <a:latin typeface="Lato"/>
-                <a:ea typeface="Lato"/>
-                <a:cs typeface="Lato"/>
-                <a:sym typeface="Lato"/>
-              </a:rPr>
-              <a:t>scorrimento tra i video della nostra app</a:t>
-            </a:r>
-            <a:endParaRPr lang="it-IT" sz="1800" u="sng" dirty="0">
+            <a:endParaRPr lang="it-IT" sz="2400" dirty="0">
               <a:solidFill>
                 <a:schemeClr val="bg1"/>
               </a:solidFill>
-              <a:latin typeface="Lato"/>
-              <a:ea typeface="Lato"/>
-              <a:cs typeface="Lato"/>
-              <a:sym typeface="Lato"/>
             </a:endParaRPr>
           </a:p>
         </p:txBody>
       </p:sp>
-      <p:pic>
-        <p:nvPicPr>
-          <p:cNvPr id="6" name="Immagine 5" descr="Immagine che contiene schermata, design&#10;&#10;Descrizione generata automaticamente">
+      <p:sp>
+        <p:nvSpPr>
+          <p:cNvPr id="3" name="CasellaDiTesto 2">
             <a:extLst>
               <a:ext uri="{FF2B5EF4-FFF2-40B4-BE49-F238E27FC236}">
-                <a16:creationId xmlns:a16="http://schemas.microsoft.com/office/drawing/2014/main" id="{AC872381-CE9F-44F9-79F3-B8D39FC6E612}"/>
+                <a16:creationId xmlns:a16="http://schemas.microsoft.com/office/drawing/2014/main" id="{1868E95E-A858-B3C1-F5F6-4FB3D1584C12}"/>
               </a:ext>
             </a:extLst>
           </p:cNvPr>
-          <p:cNvPicPr>
-            <a:picLocks noChangeAspect="1"/>
-          </p:cNvPicPr>
+          <p:cNvSpPr txBox="1"/>
           <p:nvPr/>
-        </p:nvPicPr>
-        <p:blipFill rotWithShape="1">
-          <a:blip r:embed="rId3"/>
-          <a:srcRect t="22692" b="38559"/>
-          <a:stretch/>
-        </p:blipFill>
+        </p:nvSpPr>
         <p:spPr>
           <a:xfrm>
-            <a:off x="1730000" y="4399639"/>
-            <a:ext cx="4762500" cy="1845411"/>
+            <a:off x="3331378" y="2645562"/>
+            <a:ext cx="5529243" cy="2862322"/>
           </a:xfrm>
           <a:prstGeom prst="rect">
             <a:avLst/>
           </a:prstGeom>
+          <a:noFill/>
         </p:spPr>
-      </p:pic>
-      <p:pic>
-        <p:nvPicPr>
-          <p:cNvPr id="8" name="Immagine 7">
-            <a:extLst>
-              <a:ext uri="{FF2B5EF4-FFF2-40B4-BE49-F238E27FC236}">
-                <a16:creationId xmlns:a16="http://schemas.microsoft.com/office/drawing/2014/main" id="{A97AF41A-CC88-9E78-BE6D-1A83E283BF8F}"/>
-              </a:ext>
-            </a:extLst>
-          </p:cNvPr>
-          <p:cNvPicPr>
-            <a:picLocks noChangeAspect="1"/>
-          </p:cNvPicPr>
-          <p:nvPr/>
-        </p:nvPicPr>
-        <p:blipFill>
-          <a:blip r:embed="rId4"/>
-          <a:stretch>
-            <a:fillRect/>
-          </a:stretch>
-        </p:blipFill>
-        <p:spPr>
-          <a:xfrm>
-            <a:off x="7518663" y="4357304"/>
-            <a:ext cx="2429673" cy="1975686"/>
-          </a:xfrm>
-          <a:prstGeom prst="rect">
-            <a:avLst/>
-          </a:prstGeom>
-        </p:spPr>
-      </p:pic>
+        <p:txBody>
+          <a:bodyPr wrap="square" rtlCol="0">
+            <a:spAutoFit/>
+          </a:bodyPr>
+          <a:lstStyle/>
+          <a:p>
+            <a:r>
+              <a:rPr lang="it-IT" sz="2000" dirty="0">
+                <a:solidFill>
+                  <a:schemeClr val="bg1"/>
+                </a:solidFill>
+              </a:rPr>
+              <a:t>La nostra applicazione si compone di due pagine principali: la prima consente all'utente di selezionare i tag di suo interesse; una volta premuto il bottone di avvio, la seconda pagina richiama la nostra API per recuperare i dati correlati ai tag selezionati e li visualizza. È possibile navigare tra tutti i video(effettuando lo scorrimento), visualizzarli e accedere al sito premendo l'icona in alto a destra.</a:t>
+            </a:r>
+            <a:endParaRPr lang="it-IT" sz="1600" dirty="0">
+              <a:solidFill>
+                <a:schemeClr val="bg1"/>
+              </a:solidFill>
+            </a:endParaRPr>
+          </a:p>
+        </p:txBody>
+      </p:sp>
     </p:spTree>
     <p:extLst>
       <p:ext uri="{BB962C8B-B14F-4D97-AF65-F5344CB8AC3E}">
-        <p14:creationId xmlns:p14="http://schemas.microsoft.com/office/powerpoint/2010/main" val="1328730651"/>
+        <p14:creationId xmlns:p14="http://schemas.microsoft.com/office/powerpoint/2010/main" val="2363701902"/>
       </p:ext>
     </p:extLst>
   </p:cSld>
@@ -18140,7 +18456,7 @@
     </p:spTree>
     <p:extLst>
       <p:ext uri="{BB962C8B-B14F-4D97-AF65-F5344CB8AC3E}">
-        <p14:creationId xmlns:p14="http://schemas.microsoft.com/office/powerpoint/2010/main" val="3451386327"/>
+        <p14:creationId xmlns:p14="http://schemas.microsoft.com/office/powerpoint/2010/main" val="4039058687"/>
       </p:ext>
     </p:extLst>
   </p:cSld>

--- a/Parte 4/Presentazione TedxTok(parte 4).pptx
+++ b/Parte 4/Presentazione TedxTok(parte 4).pptx
@@ -17,8 +17,8 @@
     <p:sldId id="268" r:id="rId8"/>
     <p:sldId id="271" r:id="rId9"/>
     <p:sldId id="275" r:id="rId10"/>
-    <p:sldId id="260" r:id="rId11"/>
-    <p:sldId id="274" r:id="rId12"/>
+    <p:sldId id="277" r:id="rId11"/>
+    <p:sldId id="276" r:id="rId12"/>
     <p:sldId id="270" r:id="rId13"/>
     <p:sldId id="264" r:id="rId14"/>
   </p:sldIdLst>
@@ -986,7 +986,7 @@
   <p:cSld>
     <p:spTree>
       <p:nvGrpSpPr>
-        <p:cNvPr id="1" name="Shape 162"/>
+        <p:cNvPr id="1" name="Shape 173"/>
         <p:cNvGrpSpPr/>
         <p:nvPr/>
       </p:nvGrpSpPr>
@@ -1000,53 +1000,7 @@
       </p:grpSpPr>
       <p:sp>
         <p:nvSpPr>
-          <p:cNvPr id="163" name="Google Shape;163;g2dae90a407d_2_2:notes"/>
-          <p:cNvSpPr txBox="1">
-            <a:spLocks noGrp="1"/>
-          </p:cNvSpPr>
-          <p:nvPr>
-            <p:ph type="body" idx="1"/>
-          </p:nvPr>
-        </p:nvSpPr>
-        <p:spPr>
-          <a:xfrm>
-            <a:off x="685800" y="4343400"/>
-            <a:ext cx="5486400" cy="4114800"/>
-          </a:xfrm>
-          <a:prstGeom prst="rect">
-            <a:avLst/>
-          </a:prstGeom>
-          <a:noFill/>
-          <a:ln>
-            <a:noFill/>
-          </a:ln>
-        </p:spPr>
-        <p:txBody>
-          <a:bodyPr spcFirstLastPara="1" wrap="square" lIns="91425" tIns="91425" rIns="91425" bIns="91425" anchor="t" anchorCtr="0">
-            <a:noAutofit/>
-          </a:bodyPr>
-          <a:lstStyle/>
-          <a:p>
-            <a:pPr marL="0" lvl="0" indent="0" algn="l" rtl="0">
-              <a:lnSpc>
-                <a:spcPct val="100000"/>
-              </a:lnSpc>
-              <a:spcBef>
-                <a:spcPts val="0"/>
-              </a:spcBef>
-              <a:spcAft>
-                <a:spcPts val="0"/>
-              </a:spcAft>
-              <a:buSzPts val="1100"/>
-              <a:buNone/>
-            </a:pPr>
-            <a:endParaRPr/>
-          </a:p>
-        </p:txBody>
-      </p:sp>
-      <p:sp>
-        <p:nvSpPr>
-          <p:cNvPr id="164" name="Google Shape;164;g2dae90a407d_2_2:notes"/>
+          <p:cNvPr id="174" name="Google Shape;174;g2dae90a407d_1_0:notes"/>
           <p:cNvSpPr>
             <a:spLocks noGrp="1" noRot="1" noChangeAspect="1"/>
           </p:cNvSpPr>
@@ -1095,34 +1049,9 @@
           </a:ln>
         </p:spPr>
       </p:sp>
-    </p:spTree>
-  </p:cSld>
-  <p:clrMapOvr>
-    <a:masterClrMapping/>
-  </p:clrMapOvr>
-</p:notes>
-</file>
-
-<file path=ppt/notesSlides/notesSlide11.xml><?xml version="1.0" encoding="utf-8"?>
-<p:notes xmlns:a="http://schemas.openxmlformats.org/drawingml/2006/main" xmlns:r="http://schemas.openxmlformats.org/officeDocument/2006/relationships" xmlns:p="http://schemas.openxmlformats.org/presentationml/2006/main" showMasterSp="0" showMasterPhAnim="0">
-  <p:cSld>
-    <p:spTree>
-      <p:nvGrpSpPr>
-        <p:cNvPr id="1" name="Shape 162"/>
-        <p:cNvGrpSpPr/>
-        <p:nvPr/>
-      </p:nvGrpSpPr>
-      <p:grpSpPr>
-        <a:xfrm>
-          <a:off x="0" y="0"/>
-          <a:ext cx="0" cy="0"/>
-          <a:chOff x="0" y="0"/>
-          <a:chExt cx="0" cy="0"/>
-        </a:xfrm>
-      </p:grpSpPr>
       <p:sp>
         <p:nvSpPr>
-          <p:cNvPr id="163" name="Google Shape;163;g2dae90a407d_2_2:notes"/>
+          <p:cNvPr id="175" name="Google Shape;175;g2dae90a407d_1_0:notes"/>
           <p:cNvSpPr txBox="1">
             <a:spLocks noGrp="1"/>
           </p:cNvSpPr>
@@ -1166,9 +1095,39 @@
           </a:p>
         </p:txBody>
       </p:sp>
+    </p:spTree>
+    <p:extLst>
+      <p:ext uri="{BB962C8B-B14F-4D97-AF65-F5344CB8AC3E}">
+        <p14:creationId xmlns:p14="http://schemas.microsoft.com/office/powerpoint/2010/main" val="2576191866"/>
+      </p:ext>
+    </p:extLst>
+  </p:cSld>
+  <p:clrMapOvr>
+    <a:masterClrMapping/>
+  </p:clrMapOvr>
+</p:notes>
+</file>
+
+<file path=ppt/notesSlides/notesSlide11.xml><?xml version="1.0" encoding="utf-8"?>
+<p:notes xmlns:a="http://schemas.openxmlformats.org/drawingml/2006/main" xmlns:r="http://schemas.openxmlformats.org/officeDocument/2006/relationships" xmlns:p="http://schemas.openxmlformats.org/presentationml/2006/main" showMasterSp="0" showMasterPhAnim="0">
+  <p:cSld>
+    <p:spTree>
+      <p:nvGrpSpPr>
+        <p:cNvPr id="1" name="Shape 173"/>
+        <p:cNvGrpSpPr/>
+        <p:nvPr/>
+      </p:nvGrpSpPr>
+      <p:grpSpPr>
+        <a:xfrm>
+          <a:off x="0" y="0"/>
+          <a:ext cx="0" cy="0"/>
+          <a:chOff x="0" y="0"/>
+          <a:chExt cx="0" cy="0"/>
+        </a:xfrm>
+      </p:grpSpPr>
       <p:sp>
         <p:nvSpPr>
-          <p:cNvPr id="164" name="Google Shape;164;g2dae90a407d_2_2:notes"/>
+          <p:cNvPr id="174" name="Google Shape;174;g2dae90a407d_1_0:notes"/>
           <p:cNvSpPr>
             <a:spLocks noGrp="1" noRot="1" noChangeAspect="1"/>
           </p:cNvSpPr>
@@ -1217,10 +1176,56 @@
           </a:ln>
         </p:spPr>
       </p:sp>
+      <p:sp>
+        <p:nvSpPr>
+          <p:cNvPr id="175" name="Google Shape;175;g2dae90a407d_1_0:notes"/>
+          <p:cNvSpPr txBox="1">
+            <a:spLocks noGrp="1"/>
+          </p:cNvSpPr>
+          <p:nvPr>
+            <p:ph type="body" idx="1"/>
+          </p:nvPr>
+        </p:nvSpPr>
+        <p:spPr>
+          <a:xfrm>
+            <a:off x="685800" y="4343400"/>
+            <a:ext cx="5486400" cy="4114800"/>
+          </a:xfrm>
+          <a:prstGeom prst="rect">
+            <a:avLst/>
+          </a:prstGeom>
+          <a:noFill/>
+          <a:ln>
+            <a:noFill/>
+          </a:ln>
+        </p:spPr>
+        <p:txBody>
+          <a:bodyPr spcFirstLastPara="1" wrap="square" lIns="91425" tIns="91425" rIns="91425" bIns="91425" anchor="t" anchorCtr="0">
+            <a:noAutofit/>
+          </a:bodyPr>
+          <a:lstStyle/>
+          <a:p>
+            <a:pPr marL="0" lvl="0" indent="0" algn="l" rtl="0">
+              <a:lnSpc>
+                <a:spcPct val="100000"/>
+              </a:lnSpc>
+              <a:spcBef>
+                <a:spcPts val="0"/>
+              </a:spcBef>
+              <a:spcAft>
+                <a:spcPts val="0"/>
+              </a:spcAft>
+              <a:buSzPts val="1100"/>
+              <a:buNone/>
+            </a:pPr>
+            <a:endParaRPr/>
+          </a:p>
+        </p:txBody>
+      </p:sp>
     </p:spTree>
     <p:extLst>
       <p:ext uri="{BB962C8B-B14F-4D97-AF65-F5344CB8AC3E}">
-        <p14:creationId xmlns:p14="http://schemas.microsoft.com/office/powerpoint/2010/main" val="2275590695"/>
+        <p14:creationId xmlns:p14="http://schemas.microsoft.com/office/powerpoint/2010/main" val="485089640"/>
       </p:ext>
     </p:extLst>
   </p:cSld>
@@ -15942,7 +15947,7 @@
   <p:cSld>
     <p:spTree>
       <p:nvGrpSpPr>
-        <p:cNvPr id="1" name="Shape 165"/>
+        <p:cNvPr id="1" name="Shape 176"/>
         <p:cNvGrpSpPr/>
         <p:nvPr/>
       </p:nvGrpSpPr>
@@ -15956,10 +15961,10 @@
       </p:grpSpPr>
       <p:sp>
         <p:nvSpPr>
-          <p:cNvPr id="2" name="CasellaDiTesto 1">
+          <p:cNvPr id="4" name="CasellaDiTesto 3">
             <a:extLst>
               <a:ext uri="{FF2B5EF4-FFF2-40B4-BE49-F238E27FC236}">
-                <a16:creationId xmlns:a16="http://schemas.microsoft.com/office/drawing/2014/main" id="{1396A286-5728-6DE9-33E8-4EEB394FDCE5}"/>
+                <a16:creationId xmlns:a16="http://schemas.microsoft.com/office/drawing/2014/main" id="{54DCA3A6-E8C2-5DCE-AD99-BD91108B45EC}"/>
               </a:ext>
             </a:extLst>
           </p:cNvPr>
@@ -15988,12 +15993,30 @@
                   <a:schemeClr val="bg1"/>
                 </a:solidFill>
               </a:rPr>
-              <a:t>Frame Utilizzati</a:t>
+              <a:t>Codice Flutter: </a:t>
             </a:r>
+            <a:r>
+              <a:rPr lang="it-IT" sz="3200" dirty="0" err="1">
+                <a:solidFill>
+                  <a:schemeClr val="bg1"/>
+                </a:solidFill>
+              </a:rPr>
+              <a:t>TedxTok</a:t>
+            </a:r>
+            <a:endParaRPr lang="it-IT" sz="3200" dirty="0">
+              <a:solidFill>
+                <a:schemeClr val="bg1"/>
+              </a:solidFill>
+            </a:endParaRPr>
           </a:p>
         </p:txBody>
       </p:sp>
     </p:spTree>
+    <p:extLst>
+      <p:ext uri="{BB962C8B-B14F-4D97-AF65-F5344CB8AC3E}">
+        <p14:creationId xmlns:p14="http://schemas.microsoft.com/office/powerpoint/2010/main" val="1528327572"/>
+      </p:ext>
+    </p:extLst>
   </p:cSld>
   <p:clrMapOvr>
     <a:masterClrMapping/>
@@ -16006,7 +16029,7 @@
   <p:cSld>
     <p:spTree>
       <p:nvGrpSpPr>
-        <p:cNvPr id="1" name="Shape 165"/>
+        <p:cNvPr id="1" name="Shape 176"/>
         <p:cNvGrpSpPr/>
         <p:nvPr/>
       </p:nvGrpSpPr>
@@ -16018,10 +16041,62 @@
           <a:chExt cx="0" cy="0"/>
         </a:xfrm>
       </p:grpSpPr>
+      <p:sp>
+        <p:nvSpPr>
+          <p:cNvPr id="4" name="CasellaDiTesto 3">
+            <a:extLst>
+              <a:ext uri="{FF2B5EF4-FFF2-40B4-BE49-F238E27FC236}">
+                <a16:creationId xmlns:a16="http://schemas.microsoft.com/office/drawing/2014/main" id="{54DCA3A6-E8C2-5DCE-AD99-BD91108B45EC}"/>
+              </a:ext>
+            </a:extLst>
+          </p:cNvPr>
+          <p:cNvSpPr txBox="1"/>
+          <p:nvPr/>
+        </p:nvSpPr>
+        <p:spPr>
+          <a:xfrm>
+            <a:off x="2860272" y="363667"/>
+            <a:ext cx="6831106" cy="584775"/>
+          </a:xfrm>
+          <a:prstGeom prst="rect">
+            <a:avLst/>
+          </a:prstGeom>
+          <a:noFill/>
+        </p:spPr>
+        <p:txBody>
+          <a:bodyPr wrap="square" rtlCol="0">
+            <a:spAutoFit/>
+          </a:bodyPr>
+          <a:lstStyle/>
+          <a:p>
+            <a:r>
+              <a:rPr lang="it-IT" sz="3200" dirty="0">
+                <a:solidFill>
+                  <a:schemeClr val="bg1"/>
+                </a:solidFill>
+              </a:rPr>
+              <a:t>Codice Flutter: </a:t>
+            </a:r>
+            <a:r>
+              <a:rPr lang="it-IT" sz="3200" dirty="0" err="1">
+                <a:solidFill>
+                  <a:schemeClr val="bg1"/>
+                </a:solidFill>
+              </a:rPr>
+              <a:t>TedxTok</a:t>
+            </a:r>
+            <a:endParaRPr lang="it-IT" sz="3200" dirty="0">
+              <a:solidFill>
+                <a:schemeClr val="bg1"/>
+              </a:solidFill>
+            </a:endParaRPr>
+          </a:p>
+        </p:txBody>
+      </p:sp>
     </p:spTree>
     <p:extLst>
       <p:ext uri="{BB962C8B-B14F-4D97-AF65-F5344CB8AC3E}">
-        <p14:creationId xmlns:p14="http://schemas.microsoft.com/office/powerpoint/2010/main" val="2420429445"/>
+        <p14:creationId xmlns:p14="http://schemas.microsoft.com/office/powerpoint/2010/main" val="1387897912"/>
       </p:ext>
     </p:extLst>
   </p:cSld>
@@ -16258,15 +16333,18 @@
               <a:buFont typeface="Arial" panose="020B0604020202020204" pitchFamily="34" charset="0"/>
               <a:buChar char="•"/>
             </a:pPr>
-            <a:endParaRPr lang="it-IT" sz="1800" u="sng" dirty="0">
-              <a:solidFill>
-                <a:schemeClr val="bg1"/>
-              </a:solidFill>
-              <a:latin typeface="Lato"/>
-              <a:ea typeface="Lato"/>
-              <a:cs typeface="Lato"/>
-              <a:sym typeface="Lato"/>
-            </a:endParaRPr>
+            <a:r>
+              <a:rPr lang="it-IT" sz="1800" dirty="0">
+                <a:solidFill>
+                  <a:schemeClr val="bg1"/>
+                </a:solidFill>
+                <a:latin typeface="Lato"/>
+                <a:ea typeface="Lato"/>
+                <a:cs typeface="Lato"/>
+                <a:sym typeface="Lato"/>
+              </a:rPr>
+              <a:t>Implementazione di accesso tramite account</a:t>
+            </a:r>
           </a:p>
         </p:txBody>
       </p:sp>
@@ -16315,7 +16393,7 @@
               <a:buChar char="•"/>
             </a:pPr>
             <a:r>
-              <a:rPr lang="it-IT" sz="1800" u="sng" dirty="0">
+              <a:rPr lang="it-IT" sz="1800" dirty="0">
                 <a:solidFill>
                   <a:schemeClr val="bg1"/>
                 </a:solidFill>
@@ -16327,7 +16405,7 @@
               <a:t>È stata realizzata una modifica </a:t>
             </a:r>
             <a:r>
-              <a:rPr lang="it-IT" sz="1800" u="sng" dirty="0" err="1">
+              <a:rPr lang="it-IT" sz="1800" dirty="0" err="1">
                 <a:solidFill>
                   <a:schemeClr val="bg1"/>
                 </a:solidFill>
@@ -16339,7 +16417,7 @@
               <a:t>alll’interno</a:t>
             </a:r>
             <a:r>
-              <a:rPr lang="it-IT" sz="1800" u="sng" dirty="0">
+              <a:rPr lang="it-IT" sz="1800" dirty="0">
                 <a:solidFill>
                   <a:schemeClr val="bg1"/>
                 </a:solidFill>
@@ -16351,7 +16429,7 @@
               <a:t> della lambda </a:t>
             </a:r>
             <a:r>
-              <a:rPr lang="it-IT" sz="1800" u="sng" dirty="0" err="1">
+              <a:rPr lang="it-IT" sz="1800" dirty="0" err="1">
                 <a:solidFill>
                   <a:schemeClr val="bg1"/>
                 </a:solidFill>
@@ -16363,7 +16441,7 @@
               <a:t>function</a:t>
             </a:r>
             <a:r>
-              <a:rPr lang="it-IT" sz="1800" u="sng" dirty="0">
+              <a:rPr lang="it-IT" sz="1800" dirty="0">
                 <a:solidFill>
                   <a:schemeClr val="bg1"/>
                 </a:solidFill>
@@ -16375,7 +16453,7 @@
               <a:t>  </a:t>
             </a:r>
             <a:r>
-              <a:rPr lang="it-IT" sz="1800" u="sng" dirty="0" err="1">
+              <a:rPr lang="it-IT" sz="1800" dirty="0" err="1">
                 <a:solidFill>
                   <a:schemeClr val="bg1"/>
                 </a:solidFill>
@@ -16387,7 +16465,7 @@
               <a:t>getListTalks</a:t>
             </a:r>
             <a:r>
-              <a:rPr lang="it-IT" sz="1800" u="sng" dirty="0">
+              <a:rPr lang="it-IT" sz="1800" dirty="0">
                 <a:solidFill>
                   <a:schemeClr val="bg1"/>
                 </a:solidFill>
@@ -16414,7 +16492,7 @@
               <a:buChar char="•"/>
             </a:pPr>
             <a:r>
-              <a:rPr lang="it-IT" sz="1800" u="sng" dirty="0">
+              <a:rPr lang="it-IT" sz="1800" dirty="0">
                 <a:solidFill>
                   <a:schemeClr val="bg1"/>
                 </a:solidFill>
@@ -17040,52 +17118,6 @@
       </p:grpSpPr>
       <p:sp>
         <p:nvSpPr>
-          <p:cNvPr id="2" name="Google Shape;180;g2dae90a407d_1_0">
-            <a:extLst>
-              <a:ext uri="{FF2B5EF4-FFF2-40B4-BE49-F238E27FC236}">
-                <a16:creationId xmlns:a16="http://schemas.microsoft.com/office/drawing/2014/main" id="{33E79721-41D7-B3EC-7557-B49C56433C25}"/>
-              </a:ext>
-            </a:extLst>
-          </p:cNvPr>
-          <p:cNvSpPr txBox="1"/>
-          <p:nvPr/>
-        </p:nvSpPr>
-        <p:spPr>
-          <a:xfrm>
-            <a:off x="1730000" y="2790199"/>
-            <a:ext cx="4708500" cy="3483663"/>
-          </a:xfrm>
-          <a:prstGeom prst="rect">
-            <a:avLst/>
-          </a:prstGeom>
-          <a:noFill/>
-          <a:ln>
-            <a:noFill/>
-          </a:ln>
-        </p:spPr>
-        <p:txBody>
-          <a:bodyPr spcFirstLastPara="1" wrap="square" lIns="91425" tIns="91425" rIns="91425" bIns="91425" anchor="t" anchorCtr="0">
-            <a:noAutofit/>
-          </a:bodyPr>
-          <a:lstStyle/>
-          <a:p>
-            <a:pPr marL="342900" indent="-342900">
-              <a:buClr>
-                <a:schemeClr val="bg1"/>
-              </a:buClr>
-              <a:buFont typeface="Arial" panose="020B0604020202020204" pitchFamily="34" charset="0"/>
-              <a:buChar char="•"/>
-            </a:pPr>
-            <a:endParaRPr lang="it-IT" sz="2000" dirty="0">
-              <a:solidFill>
-                <a:schemeClr val="bg1"/>
-              </a:solidFill>
-            </a:endParaRPr>
-          </a:p>
-        </p:txBody>
-      </p:sp>
-      <p:sp>
-        <p:nvSpPr>
           <p:cNvPr id="4" name="CasellaDiTesto 3">
             <a:extLst>
               <a:ext uri="{FF2B5EF4-FFF2-40B4-BE49-F238E27FC236}">
@@ -17186,7 +17218,7 @@
                   <a:schemeClr val="bg1"/>
                 </a:solidFill>
               </a:rPr>
-              <a:t>Questa applicazione, realizzata in Flutter, permette di inserire tag o ID dei video, consentendo all'utente di visualizzare i video corrispondenti. È stata aggiunta una nuova icona che permette uno scorrimento completo dei risultati delle liste e, inoltre, è stata implementata la funzionalità di visualizzazione dei </a:t>
+              <a:t>Questa applicazione, realizzata in Flutter, permette di inserire tag o ID dei video, consentendo all'utente di visualizzare i talk corrispondenti. È stata aggiunta una nuova icona che permette uno scorrimento completo dei risultati delle liste e, inoltre, è stata implementata la funzionalità di visualizzazione dei </a:t>
             </a:r>
             <a:r>
               <a:rPr lang="it-IT" sz="2400" dirty="0" err="1">
@@ -18448,8 +18480,21 @@
                   <a:schemeClr val="bg1"/>
                 </a:solidFill>
               </a:rPr>
-              <a:t>Codice Flutter</a:t>
+              <a:t>Codice Flutter: </a:t>
             </a:r>
+            <a:r>
+              <a:rPr lang="it-IT" sz="3200" dirty="0" err="1">
+                <a:solidFill>
+                  <a:schemeClr val="bg1"/>
+                </a:solidFill>
+              </a:rPr>
+              <a:t>TedxTok</a:t>
+            </a:r>
+            <a:endParaRPr lang="it-IT" sz="3200" dirty="0">
+              <a:solidFill>
+                <a:schemeClr val="bg1"/>
+              </a:solidFill>
+            </a:endParaRPr>
           </a:p>
         </p:txBody>
       </p:sp>

--- a/Parte 4/Presentazione TedxTok(parte 4).pptx
+++ b/Parte 4/Presentazione TedxTok(parte 4).pptx
@@ -16003,11 +16003,253 @@
               </a:rPr>
               <a:t>TedxTok</a:t>
             </a:r>
-            <a:endParaRPr lang="it-IT" sz="3200" dirty="0">
-              <a:solidFill>
-                <a:schemeClr val="bg1"/>
-              </a:solidFill>
-            </a:endParaRPr>
+            <a:r>
+              <a:rPr lang="it-IT" sz="3200" dirty="0">
+                <a:solidFill>
+                  <a:schemeClr val="bg1"/>
+                </a:solidFill>
+              </a:rPr>
+              <a:t> (</a:t>
+            </a:r>
+            <a:r>
+              <a:rPr lang="it-IT" sz="3200" dirty="0" err="1">
+                <a:solidFill>
+                  <a:schemeClr val="bg1"/>
+                </a:solidFill>
+              </a:rPr>
+              <a:t>main.dart</a:t>
+            </a:r>
+            <a:r>
+              <a:rPr lang="it-IT" sz="3200" dirty="0">
+                <a:solidFill>
+                  <a:schemeClr val="bg1"/>
+                </a:solidFill>
+              </a:rPr>
+              <a:t>)</a:t>
+            </a:r>
+          </a:p>
+        </p:txBody>
+      </p:sp>
+      <p:pic>
+        <p:nvPicPr>
+          <p:cNvPr id="3" name="Immagine 2" descr="Immagine che contiene testo, schermata&#10;&#10;Descrizione generata automaticamente">
+            <a:extLst>
+              <a:ext uri="{FF2B5EF4-FFF2-40B4-BE49-F238E27FC236}">
+                <a16:creationId xmlns:a16="http://schemas.microsoft.com/office/drawing/2014/main" id="{3875BA58-42DE-6291-378D-8657E45223E8}"/>
+              </a:ext>
+            </a:extLst>
+          </p:cNvPr>
+          <p:cNvPicPr>
+            <a:picLocks noChangeAspect="1"/>
+          </p:cNvPicPr>
+          <p:nvPr/>
+        </p:nvPicPr>
+        <p:blipFill>
+          <a:blip r:embed="rId3"/>
+          <a:stretch>
+            <a:fillRect/>
+          </a:stretch>
+        </p:blipFill>
+        <p:spPr>
+          <a:xfrm>
+            <a:off x="7556227" y="2696669"/>
+            <a:ext cx="4434144" cy="3825922"/>
+          </a:xfrm>
+          <a:prstGeom prst="rect">
+            <a:avLst/>
+          </a:prstGeom>
+        </p:spPr>
+      </p:pic>
+      <p:pic>
+        <p:nvPicPr>
+          <p:cNvPr id="6" name="Immagine 5" descr="Immagine che contiene testo, schermata, software, schermo&#10;&#10;Descrizione generata automaticamente">
+            <a:extLst>
+              <a:ext uri="{FF2B5EF4-FFF2-40B4-BE49-F238E27FC236}">
+                <a16:creationId xmlns:a16="http://schemas.microsoft.com/office/drawing/2014/main" id="{4D78179A-343B-EB3B-08B4-50A1D0E47084}"/>
+              </a:ext>
+            </a:extLst>
+          </p:cNvPr>
+          <p:cNvPicPr>
+            <a:picLocks noChangeAspect="1"/>
+          </p:cNvPicPr>
+          <p:nvPr/>
+        </p:nvPicPr>
+        <p:blipFill>
+          <a:blip r:embed="rId4"/>
+          <a:stretch>
+            <a:fillRect/>
+          </a:stretch>
+        </p:blipFill>
+        <p:spPr>
+          <a:xfrm>
+            <a:off x="334078" y="2333826"/>
+            <a:ext cx="3732027" cy="4188765"/>
+          </a:xfrm>
+          <a:prstGeom prst="rect">
+            <a:avLst/>
+          </a:prstGeom>
+        </p:spPr>
+      </p:pic>
+      <p:pic>
+        <p:nvPicPr>
+          <p:cNvPr id="8" name="Immagine 7" descr="Immagine che contiene testo, schermata, software&#10;&#10;Descrizione generata automaticamente">
+            <a:extLst>
+              <a:ext uri="{FF2B5EF4-FFF2-40B4-BE49-F238E27FC236}">
+                <a16:creationId xmlns:a16="http://schemas.microsoft.com/office/drawing/2014/main" id="{76EC844D-CFEB-1BF3-0FF9-BBFB42B28DAF}"/>
+              </a:ext>
+            </a:extLst>
+          </p:cNvPr>
+          <p:cNvPicPr>
+            <a:picLocks noChangeAspect="1"/>
+          </p:cNvPicPr>
+          <p:nvPr/>
+        </p:nvPicPr>
+        <p:blipFill>
+          <a:blip r:embed="rId5"/>
+          <a:stretch>
+            <a:fillRect/>
+          </a:stretch>
+        </p:blipFill>
+        <p:spPr>
+          <a:xfrm>
+            <a:off x="4284609" y="1699414"/>
+            <a:ext cx="2970561" cy="4967269"/>
+          </a:xfrm>
+          <a:prstGeom prst="rect">
+            <a:avLst/>
+          </a:prstGeom>
+        </p:spPr>
+      </p:pic>
+      <p:sp>
+        <p:nvSpPr>
+          <p:cNvPr id="10" name="CasellaDiTesto 9">
+            <a:extLst>
+              <a:ext uri="{FF2B5EF4-FFF2-40B4-BE49-F238E27FC236}">
+                <a16:creationId xmlns:a16="http://schemas.microsoft.com/office/drawing/2014/main" id="{53830DEF-6AB7-2F65-AF23-6506EE8D3411}"/>
+              </a:ext>
+            </a:extLst>
+          </p:cNvPr>
+          <p:cNvSpPr txBox="1"/>
+          <p:nvPr/>
+        </p:nvSpPr>
+        <p:spPr>
+          <a:xfrm>
+            <a:off x="334078" y="2026049"/>
+            <a:ext cx="3617619" cy="307777"/>
+          </a:xfrm>
+          <a:prstGeom prst="rect">
+            <a:avLst/>
+          </a:prstGeom>
+          <a:noFill/>
+        </p:spPr>
+        <p:txBody>
+          <a:bodyPr wrap="square" rtlCol="0">
+            <a:spAutoFit/>
+          </a:bodyPr>
+          <a:lstStyle/>
+          <a:p>
+            <a:r>
+              <a:rPr lang="it-IT" dirty="0">
+                <a:solidFill>
+                  <a:schemeClr val="bg1"/>
+                </a:solidFill>
+              </a:rPr>
+              <a:t>Viene creata la lista dei talk da selezionare</a:t>
+            </a:r>
+          </a:p>
+        </p:txBody>
+      </p:sp>
+      <p:sp>
+        <p:nvSpPr>
+          <p:cNvPr id="11" name="CasellaDiTesto 10">
+            <a:extLst>
+              <a:ext uri="{FF2B5EF4-FFF2-40B4-BE49-F238E27FC236}">
+                <a16:creationId xmlns:a16="http://schemas.microsoft.com/office/drawing/2014/main" id="{ECD4A667-2555-7BFF-0F45-C73DE8301EAB}"/>
+              </a:ext>
+            </a:extLst>
+          </p:cNvPr>
+          <p:cNvSpPr txBox="1"/>
+          <p:nvPr/>
+        </p:nvSpPr>
+        <p:spPr>
+          <a:xfrm>
+            <a:off x="7907285" y="1874083"/>
+            <a:ext cx="3732027" cy="738664"/>
+          </a:xfrm>
+          <a:prstGeom prst="rect">
+            <a:avLst/>
+          </a:prstGeom>
+          <a:noFill/>
+        </p:spPr>
+        <p:txBody>
+          <a:bodyPr wrap="square" rtlCol="0">
+            <a:spAutoFit/>
+          </a:bodyPr>
+          <a:lstStyle/>
+          <a:p>
+            <a:r>
+              <a:rPr lang="it-IT" dirty="0">
+                <a:solidFill>
+                  <a:schemeClr val="bg1"/>
+                </a:solidFill>
+              </a:rPr>
+              <a:t>Bottone che permette la navigazione alla seconda pagina, prendendo i tag selezionati dall’utente</a:t>
+            </a:r>
+          </a:p>
+        </p:txBody>
+      </p:sp>
+      <p:sp>
+        <p:nvSpPr>
+          <p:cNvPr id="12" name="CasellaDiTesto 11">
+            <a:extLst>
+              <a:ext uri="{FF2B5EF4-FFF2-40B4-BE49-F238E27FC236}">
+                <a16:creationId xmlns:a16="http://schemas.microsoft.com/office/drawing/2014/main" id="{3262399C-FA9D-A6DC-5537-98E7176A8643}"/>
+              </a:ext>
+            </a:extLst>
+          </p:cNvPr>
+          <p:cNvSpPr txBox="1"/>
+          <p:nvPr/>
+        </p:nvSpPr>
+        <p:spPr>
+          <a:xfrm>
+            <a:off x="4452215" y="1062318"/>
+            <a:ext cx="3913095" cy="523220"/>
+          </a:xfrm>
+          <a:prstGeom prst="rect">
+            <a:avLst/>
+          </a:prstGeom>
+          <a:noFill/>
+        </p:spPr>
+        <p:txBody>
+          <a:bodyPr wrap="square" rtlCol="0">
+            <a:spAutoFit/>
+          </a:bodyPr>
+          <a:lstStyle/>
+          <a:p>
+            <a:r>
+              <a:rPr lang="it-IT" dirty="0">
+                <a:solidFill>
+                  <a:schemeClr val="bg1"/>
+                </a:solidFill>
+              </a:rPr>
+              <a:t>Creazione della </a:t>
+            </a:r>
+            <a:r>
+              <a:rPr lang="it-IT" dirty="0" err="1">
+                <a:solidFill>
+                  <a:schemeClr val="bg1"/>
+                </a:solidFill>
+              </a:rPr>
+              <a:t>LIstView</a:t>
+            </a:r>
+            <a:r>
+              <a:rPr lang="it-IT" dirty="0">
+                <a:solidFill>
+                  <a:schemeClr val="bg1"/>
+                </a:solidFill>
+              </a:rPr>
+              <a:t> contenente i tag e raccolta dei tag selezionati</a:t>
+            </a:r>
           </a:p>
         </p:txBody>
       </p:sp>
@@ -16055,8 +16297,8 @@
         </p:nvSpPr>
         <p:spPr>
           <a:xfrm>
-            <a:off x="2860272" y="363667"/>
-            <a:ext cx="6831106" cy="584775"/>
+            <a:off x="2382600" y="363667"/>
+            <a:ext cx="8467370" cy="584775"/>
           </a:xfrm>
           <a:prstGeom prst="rect">
             <a:avLst/>
@@ -16085,14 +16327,230 @@
               </a:rPr>
               <a:t>TedxTok</a:t>
             </a:r>
-            <a:endParaRPr lang="it-IT" sz="3200" dirty="0">
-              <a:solidFill>
-                <a:schemeClr val="bg1"/>
-              </a:solidFill>
-            </a:endParaRPr>
+            <a:r>
+              <a:rPr lang="it-IT" sz="3200" dirty="0">
+                <a:solidFill>
+                  <a:schemeClr val="bg1"/>
+                </a:solidFill>
+              </a:rPr>
+              <a:t>(</a:t>
+            </a:r>
+            <a:r>
+              <a:rPr lang="it-IT" sz="3200" dirty="0" err="1">
+                <a:solidFill>
+                  <a:schemeClr val="bg1"/>
+                </a:solidFill>
+              </a:rPr>
+              <a:t>SecondPage.dart</a:t>
+            </a:r>
+            <a:r>
+              <a:rPr lang="it-IT" sz="3200" dirty="0">
+                <a:solidFill>
+                  <a:schemeClr val="bg1"/>
+                </a:solidFill>
+              </a:rPr>
+              <a:t>)</a:t>
+            </a:r>
           </a:p>
         </p:txBody>
       </p:sp>
+      <p:pic>
+        <p:nvPicPr>
+          <p:cNvPr id="3" name="Immagine 2" descr="Immagine che contiene testo, schermata&#10;&#10;Descrizione generata automaticamente">
+            <a:extLst>
+              <a:ext uri="{FF2B5EF4-FFF2-40B4-BE49-F238E27FC236}">
+                <a16:creationId xmlns:a16="http://schemas.microsoft.com/office/drawing/2014/main" id="{00194747-E6FA-9067-1985-B1C9F89D8ABF}"/>
+              </a:ext>
+            </a:extLst>
+          </p:cNvPr>
+          <p:cNvPicPr>
+            <a:picLocks noChangeAspect="1"/>
+          </p:cNvPicPr>
+          <p:nvPr/>
+        </p:nvPicPr>
+        <p:blipFill>
+          <a:blip r:embed="rId3"/>
+          <a:stretch>
+            <a:fillRect/>
+          </a:stretch>
+        </p:blipFill>
+        <p:spPr>
+          <a:xfrm>
+            <a:off x="843950" y="1970375"/>
+            <a:ext cx="3077299" cy="4653196"/>
+          </a:xfrm>
+          <a:prstGeom prst="rect">
+            <a:avLst/>
+          </a:prstGeom>
+        </p:spPr>
+      </p:pic>
+      <p:sp>
+        <p:nvSpPr>
+          <p:cNvPr id="5" name="CasellaDiTesto 4">
+            <a:extLst>
+              <a:ext uri="{FF2B5EF4-FFF2-40B4-BE49-F238E27FC236}">
+                <a16:creationId xmlns:a16="http://schemas.microsoft.com/office/drawing/2014/main" id="{24B246BB-0A5D-31AF-7AC8-4E81CAC1C3F4}"/>
+              </a:ext>
+            </a:extLst>
+          </p:cNvPr>
+          <p:cNvSpPr txBox="1"/>
+          <p:nvPr/>
+        </p:nvSpPr>
+        <p:spPr>
+          <a:xfrm>
+            <a:off x="843950" y="1090076"/>
+            <a:ext cx="3179928" cy="738664"/>
+          </a:xfrm>
+          <a:prstGeom prst="rect">
+            <a:avLst/>
+          </a:prstGeom>
+          <a:noFill/>
+        </p:spPr>
+        <p:txBody>
+          <a:bodyPr wrap="square" rtlCol="0">
+            <a:spAutoFit/>
+          </a:bodyPr>
+          <a:lstStyle/>
+          <a:p>
+            <a:r>
+              <a:rPr lang="it-IT" dirty="0">
+                <a:solidFill>
+                  <a:schemeClr val="bg1"/>
+                </a:solidFill>
+              </a:rPr>
+              <a:t>Abilita lo scorrimento verticale e crea la pagina HTML per visualizzare il video</a:t>
+            </a:r>
+          </a:p>
+        </p:txBody>
+      </p:sp>
+      <p:pic>
+        <p:nvPicPr>
+          <p:cNvPr id="7" name="Immagine 6" descr="Immagine che contiene testo, schermata&#10;&#10;Descrizione generata automaticamente">
+            <a:extLst>
+              <a:ext uri="{FF2B5EF4-FFF2-40B4-BE49-F238E27FC236}">
+                <a16:creationId xmlns:a16="http://schemas.microsoft.com/office/drawing/2014/main" id="{D49FDEF1-8915-09BB-7B97-486E71DF511A}"/>
+              </a:ext>
+            </a:extLst>
+          </p:cNvPr>
+          <p:cNvPicPr>
+            <a:picLocks noChangeAspect="1"/>
+          </p:cNvPicPr>
+          <p:nvPr/>
+        </p:nvPicPr>
+        <p:blipFill rotWithShape="1">
+          <a:blip r:embed="rId4"/>
+          <a:srcRect l="17405" r="467" b="7930"/>
+          <a:stretch/>
+        </p:blipFill>
+        <p:spPr>
+          <a:xfrm>
+            <a:off x="4152554" y="1828740"/>
+            <a:ext cx="3376552" cy="4801283"/>
+          </a:xfrm>
+          <a:prstGeom prst="rect">
+            <a:avLst/>
+          </a:prstGeom>
+        </p:spPr>
+      </p:pic>
+      <p:pic>
+        <p:nvPicPr>
+          <p:cNvPr id="9" name="Immagine 8" descr="Immagine che contiene testo, schermata&#10;&#10;Descrizione generata automaticamente">
+            <a:extLst>
+              <a:ext uri="{FF2B5EF4-FFF2-40B4-BE49-F238E27FC236}">
+                <a16:creationId xmlns:a16="http://schemas.microsoft.com/office/drawing/2014/main" id="{8FC8EA70-6BA9-4F8E-2D65-A5048DAB3178}"/>
+              </a:ext>
+            </a:extLst>
+          </p:cNvPr>
+          <p:cNvPicPr>
+            <a:picLocks noChangeAspect="1"/>
+          </p:cNvPicPr>
+          <p:nvPr/>
+        </p:nvPicPr>
+        <p:blipFill>
+          <a:blip r:embed="rId5"/>
+          <a:stretch>
+            <a:fillRect/>
+          </a:stretch>
+        </p:blipFill>
+        <p:spPr>
+          <a:xfrm>
+            <a:off x="7760412" y="1970375"/>
+            <a:ext cx="3976662" cy="4753885"/>
+          </a:xfrm>
+          <a:prstGeom prst="rect">
+            <a:avLst/>
+          </a:prstGeom>
+        </p:spPr>
+      </p:pic>
+      <p:sp>
+        <p:nvSpPr>
+          <p:cNvPr id="10" name="CasellaDiTesto 9">
+            <a:extLst>
+              <a:ext uri="{FF2B5EF4-FFF2-40B4-BE49-F238E27FC236}">
+                <a16:creationId xmlns:a16="http://schemas.microsoft.com/office/drawing/2014/main" id="{C1956247-789D-68CD-6D23-52971FA1CCDE}"/>
+              </a:ext>
+            </a:extLst>
+          </p:cNvPr>
+          <p:cNvSpPr txBox="1"/>
+          <p:nvPr/>
+        </p:nvSpPr>
+        <p:spPr>
+          <a:xfrm>
+            <a:off x="4907267" y="1138185"/>
+            <a:ext cx="4167570" cy="307777"/>
+          </a:xfrm>
+          <a:prstGeom prst="rect">
+            <a:avLst/>
+          </a:prstGeom>
+          <a:noFill/>
+        </p:spPr>
+        <p:txBody>
+          <a:bodyPr wrap="square" rtlCol="0">
+            <a:spAutoFit/>
+          </a:bodyPr>
+          <a:lstStyle/>
+          <a:p>
+            <a:r>
+              <a:rPr lang="it-IT" dirty="0">
+                <a:solidFill>
+                  <a:schemeClr val="bg1"/>
+                </a:solidFill>
+              </a:rPr>
+              <a:t>Inizializzazione dell’API e raccolta dei relativi dati</a:t>
+            </a:r>
+          </a:p>
+        </p:txBody>
+      </p:sp>
+      <p:pic>
+        <p:nvPicPr>
+          <p:cNvPr id="12" name="Immagine 11">
+            <a:extLst>
+              <a:ext uri="{FF2B5EF4-FFF2-40B4-BE49-F238E27FC236}">
+                <a16:creationId xmlns:a16="http://schemas.microsoft.com/office/drawing/2014/main" id="{463AD1FC-A769-40FA-0291-AA335AEE4251}"/>
+              </a:ext>
+            </a:extLst>
+          </p:cNvPr>
+          <p:cNvPicPr>
+            <a:picLocks noChangeAspect="1"/>
+          </p:cNvPicPr>
+          <p:nvPr/>
+        </p:nvPicPr>
+        <p:blipFill>
+          <a:blip r:embed="rId6"/>
+          <a:stretch>
+            <a:fillRect/>
+          </a:stretch>
+        </p:blipFill>
+        <p:spPr>
+          <a:xfrm>
+            <a:off x="9074837" y="1160039"/>
+            <a:ext cx="2886075" cy="800100"/>
+          </a:xfrm>
+          <a:prstGeom prst="rect">
+            <a:avLst/>
+          </a:prstGeom>
+        </p:spPr>
+      </p:pic>
     </p:spTree>
     <p:extLst>
       <p:ext uri="{BB962C8B-B14F-4D97-AF65-F5344CB8AC3E}">
@@ -16362,7 +16820,7 @@
         </p:nvSpPr>
         <p:spPr>
           <a:xfrm>
-            <a:off x="1730000" y="2065825"/>
+            <a:off x="1934950" y="2055595"/>
             <a:ext cx="4708500" cy="3881700"/>
           </a:xfrm>
           <a:prstGeom prst="rect">
@@ -16397,84 +16855,8 @@
                 <a:solidFill>
                   <a:schemeClr val="bg1"/>
                 </a:solidFill>
-                <a:latin typeface="Lato"/>
-                <a:ea typeface="Lato"/>
-                <a:cs typeface="Lato"/>
-                <a:sym typeface="Lato"/>
               </a:rPr>
-              <a:t>È stata realizzata una modifica </a:t>
-            </a:r>
-            <a:r>
-              <a:rPr lang="it-IT" sz="1800" dirty="0" err="1">
-                <a:solidFill>
-                  <a:schemeClr val="bg1"/>
-                </a:solidFill>
-                <a:latin typeface="Lato"/>
-                <a:ea typeface="Lato"/>
-                <a:cs typeface="Lato"/>
-                <a:sym typeface="Lato"/>
-              </a:rPr>
-              <a:t>alll’interno</a:t>
-            </a:r>
-            <a:r>
-              <a:rPr lang="it-IT" sz="1800" dirty="0">
-                <a:solidFill>
-                  <a:schemeClr val="bg1"/>
-                </a:solidFill>
-                <a:latin typeface="Lato"/>
-                <a:ea typeface="Lato"/>
-                <a:cs typeface="Lato"/>
-                <a:sym typeface="Lato"/>
-              </a:rPr>
-              <a:t> della lambda </a:t>
-            </a:r>
-            <a:r>
-              <a:rPr lang="it-IT" sz="1800" dirty="0" err="1">
-                <a:solidFill>
-                  <a:schemeClr val="bg1"/>
-                </a:solidFill>
-                <a:latin typeface="Lato"/>
-                <a:ea typeface="Lato"/>
-                <a:cs typeface="Lato"/>
-                <a:sym typeface="Lato"/>
-              </a:rPr>
-              <a:t>function</a:t>
-            </a:r>
-            <a:r>
-              <a:rPr lang="it-IT" sz="1800" dirty="0">
-                <a:solidFill>
-                  <a:schemeClr val="bg1"/>
-                </a:solidFill>
-                <a:latin typeface="Lato"/>
-                <a:ea typeface="Lato"/>
-                <a:cs typeface="Lato"/>
-                <a:sym typeface="Lato"/>
-              </a:rPr>
-              <a:t>  </a:t>
-            </a:r>
-            <a:r>
-              <a:rPr lang="it-IT" sz="1800" dirty="0" err="1">
-                <a:solidFill>
-                  <a:schemeClr val="bg1"/>
-                </a:solidFill>
-                <a:latin typeface="Lato"/>
-                <a:ea typeface="Lato"/>
-                <a:cs typeface="Lato"/>
-                <a:sym typeface="Lato"/>
-              </a:rPr>
-              <a:t>getListTalks</a:t>
-            </a:r>
-            <a:r>
-              <a:rPr lang="it-IT" sz="1800" dirty="0">
-                <a:solidFill>
-                  <a:schemeClr val="bg1"/>
-                </a:solidFill>
-                <a:latin typeface="Lato"/>
-                <a:ea typeface="Lato"/>
-                <a:cs typeface="Lato"/>
-                <a:sym typeface="Lato"/>
-              </a:rPr>
-              <a:t> andando a togliere il limite per pagina consentendo così lo scorrimento tra i video della nostra app.</a:t>
+              <a:t>Al lancio dell'applicazione si potrebbe riscontrare una maggiore latenza. </a:t>
             </a:r>
           </a:p>
           <a:p>
@@ -16496,13 +16878,18 @@
                 <a:solidFill>
                   <a:schemeClr val="bg1"/>
                 </a:solidFill>
-                <a:latin typeface="Lato"/>
-                <a:ea typeface="Lato"/>
-                <a:cs typeface="Lato"/>
-                <a:sym typeface="Lato"/>
               </a:rPr>
-              <a:t>Si può rilevare al lancio dell’applicazione una latenza più elevata</a:t>
+              <a:t>A volte la funzione Lambda restituisce errori a causa di problemi con il server, influenzando così l'usabilità dell'applicazione.</a:t>
             </a:r>
+            <a:endParaRPr lang="it-IT" dirty="0">
+              <a:solidFill>
+                <a:schemeClr val="bg1"/>
+              </a:solidFill>
+              <a:latin typeface="Lato"/>
+              <a:ea typeface="Lato"/>
+              <a:cs typeface="Lato"/>
+              <a:sym typeface="Lato"/>
+            </a:endParaRPr>
           </a:p>
         </p:txBody>
       </p:sp>
@@ -18495,6 +18882,143 @@
                 <a:schemeClr val="bg1"/>
               </a:solidFill>
             </a:endParaRPr>
+          </a:p>
+        </p:txBody>
+      </p:sp>
+      <p:pic>
+        <p:nvPicPr>
+          <p:cNvPr id="3" name="Immagine 2" descr="Immagine che contiene testo, schermata, software, schermo&#10;&#10;Descrizione generata automaticamente">
+            <a:extLst>
+              <a:ext uri="{FF2B5EF4-FFF2-40B4-BE49-F238E27FC236}">
+                <a16:creationId xmlns:a16="http://schemas.microsoft.com/office/drawing/2014/main" id="{F8378A34-F63E-6687-B9AF-0F0C4B6E1E8B}"/>
+              </a:ext>
+            </a:extLst>
+          </p:cNvPr>
+          <p:cNvPicPr>
+            <a:picLocks noChangeAspect="1"/>
+          </p:cNvPicPr>
+          <p:nvPr/>
+        </p:nvPicPr>
+        <p:blipFill>
+          <a:blip r:embed="rId3"/>
+          <a:stretch>
+            <a:fillRect/>
+          </a:stretch>
+        </p:blipFill>
+        <p:spPr>
+          <a:xfrm>
+            <a:off x="6865061" y="1502488"/>
+            <a:ext cx="4910631" cy="5144830"/>
+          </a:xfrm>
+          <a:prstGeom prst="rect">
+            <a:avLst/>
+          </a:prstGeom>
+        </p:spPr>
+      </p:pic>
+      <p:pic>
+        <p:nvPicPr>
+          <p:cNvPr id="6" name="Immagine 5" descr="Immagine che contiene testo, schermata, software&#10;&#10;Descrizione generata automaticamente">
+            <a:extLst>
+              <a:ext uri="{FF2B5EF4-FFF2-40B4-BE49-F238E27FC236}">
+                <a16:creationId xmlns:a16="http://schemas.microsoft.com/office/drawing/2014/main" id="{6CF74EE9-B581-91D1-91CA-9C07E638B789}"/>
+              </a:ext>
+            </a:extLst>
+          </p:cNvPr>
+          <p:cNvPicPr>
+            <a:picLocks noChangeAspect="1"/>
+          </p:cNvPicPr>
+          <p:nvPr/>
+        </p:nvPicPr>
+        <p:blipFill rotWithShape="1">
+          <a:blip r:embed="rId4"/>
+          <a:srcRect r="9279"/>
+          <a:stretch/>
+        </p:blipFill>
+        <p:spPr>
+          <a:xfrm>
+            <a:off x="416308" y="2407158"/>
+            <a:ext cx="5903810" cy="4240160"/>
+          </a:xfrm>
+          <a:prstGeom prst="rect">
+            <a:avLst/>
+          </a:prstGeom>
+        </p:spPr>
+      </p:pic>
+      <p:sp>
+        <p:nvSpPr>
+          <p:cNvPr id="7" name="CasellaDiTesto 6">
+            <a:extLst>
+              <a:ext uri="{FF2B5EF4-FFF2-40B4-BE49-F238E27FC236}">
+                <a16:creationId xmlns:a16="http://schemas.microsoft.com/office/drawing/2014/main" id="{EC168B2F-8DAA-A857-A144-97DE029AB9B6}"/>
+              </a:ext>
+            </a:extLst>
+          </p:cNvPr>
+          <p:cNvSpPr txBox="1"/>
+          <p:nvPr/>
+        </p:nvSpPr>
+        <p:spPr>
+          <a:xfrm>
+            <a:off x="416308" y="1964090"/>
+            <a:ext cx="4007223" cy="307777"/>
+          </a:xfrm>
+          <a:prstGeom prst="rect">
+            <a:avLst/>
+          </a:prstGeom>
+          <a:noFill/>
+        </p:spPr>
+        <p:txBody>
+          <a:bodyPr wrap="square" rtlCol="0">
+            <a:spAutoFit/>
+          </a:bodyPr>
+          <a:lstStyle/>
+          <a:p>
+            <a:r>
+              <a:rPr lang="it-IT" dirty="0">
+                <a:solidFill>
+                  <a:schemeClr val="bg1"/>
+                </a:solidFill>
+              </a:rPr>
+              <a:t>Funzione che permette la chiamata dell’API</a:t>
+            </a:r>
+          </a:p>
+        </p:txBody>
+      </p:sp>
+      <p:sp>
+        <p:nvSpPr>
+          <p:cNvPr id="8" name="CasellaDiTesto 7">
+            <a:extLst>
+              <a:ext uri="{FF2B5EF4-FFF2-40B4-BE49-F238E27FC236}">
+                <a16:creationId xmlns:a16="http://schemas.microsoft.com/office/drawing/2014/main" id="{7648994F-0652-04A8-AEC7-767121AB7E99}"/>
+              </a:ext>
+            </a:extLst>
+          </p:cNvPr>
+          <p:cNvSpPr txBox="1"/>
+          <p:nvPr/>
+        </p:nvSpPr>
+        <p:spPr>
+          <a:xfrm>
+            <a:off x="7382435" y="770972"/>
+            <a:ext cx="4087906" cy="738664"/>
+          </a:xfrm>
+          <a:prstGeom prst="rect">
+            <a:avLst/>
+          </a:prstGeom>
+          <a:noFill/>
+        </p:spPr>
+        <p:txBody>
+          <a:bodyPr wrap="square" rtlCol="0">
+            <a:spAutoFit/>
+          </a:bodyPr>
+          <a:lstStyle/>
+          <a:p>
+            <a:r>
+              <a:rPr lang="it-IT" dirty="0">
+                <a:solidFill>
+                  <a:schemeClr val="bg1"/>
+                </a:solidFill>
+              </a:rPr>
+              <a:t>Funzione che permette dato un URL di TED di creare una pagina HTML per la visualizzazione del video</a:t>
+            </a:r>
           </a:p>
         </p:txBody>
       </p:sp>
